--- a/Clean code(part2).pptx
+++ b/Clean code(part2).pptx
@@ -5,7 +5,7 @@
     <p:sldMasterId id="2147483658" r:id="rId1"/>
   </p:sldMasterIdLst>
   <p:notesMasterIdLst>
-    <p:notesMasterId r:id="rId46"/>
+    <p:notesMasterId r:id="rId48"/>
   </p:notesMasterIdLst>
   <p:sldIdLst>
     <p:sldId id="256" r:id="rId2"/>
@@ -38,35 +38,37 @@
     <p:sldId id="353" r:id="rId29"/>
     <p:sldId id="354" r:id="rId30"/>
     <p:sldId id="369" r:id="rId31"/>
-    <p:sldId id="355" r:id="rId32"/>
-    <p:sldId id="356" r:id="rId33"/>
-    <p:sldId id="357" r:id="rId34"/>
-    <p:sldId id="358" r:id="rId35"/>
-    <p:sldId id="359" r:id="rId36"/>
-    <p:sldId id="370" r:id="rId37"/>
-    <p:sldId id="360" r:id="rId38"/>
-    <p:sldId id="361" r:id="rId39"/>
-    <p:sldId id="362" r:id="rId40"/>
-    <p:sldId id="363" r:id="rId41"/>
-    <p:sldId id="364" r:id="rId42"/>
-    <p:sldId id="365" r:id="rId43"/>
-    <p:sldId id="366" r:id="rId44"/>
-    <p:sldId id="367" r:id="rId45"/>
+    <p:sldId id="371" r:id="rId32"/>
+    <p:sldId id="355" r:id="rId33"/>
+    <p:sldId id="356" r:id="rId34"/>
+    <p:sldId id="357" r:id="rId35"/>
+    <p:sldId id="358" r:id="rId36"/>
+    <p:sldId id="359" r:id="rId37"/>
+    <p:sldId id="370" r:id="rId38"/>
+    <p:sldId id="360" r:id="rId39"/>
+    <p:sldId id="361" r:id="rId40"/>
+    <p:sldId id="362" r:id="rId41"/>
+    <p:sldId id="363" r:id="rId42"/>
+    <p:sldId id="364" r:id="rId43"/>
+    <p:sldId id="365" r:id="rId44"/>
+    <p:sldId id="366" r:id="rId45"/>
+    <p:sldId id="372" r:id="rId46"/>
+    <p:sldId id="367" r:id="rId47"/>
   </p:sldIdLst>
   <p:sldSz cx="9144000" cy="5143500" type="screen16x9"/>
   <p:notesSz cx="6858000" cy="9144000"/>
   <p:embeddedFontLst>
     <p:embeddedFont>
       <p:font typeface="Oswald" panose="020B0604020202020204" charset="0"/>
-      <p:regular r:id="rId47"/>
-      <p:bold r:id="rId48"/>
+      <p:regular r:id="rId49"/>
+      <p:bold r:id="rId50"/>
     </p:embeddedFont>
     <p:embeddedFont>
       <p:font typeface="Roboto Condensed" panose="020B0604020202020204" charset="0"/>
-      <p:regular r:id="rId49"/>
-      <p:bold r:id="rId50"/>
-      <p:italic r:id="rId51"/>
-      <p:boldItalic r:id="rId52"/>
+      <p:regular r:id="rId51"/>
+      <p:bold r:id="rId52"/>
+      <p:italic r:id="rId53"/>
+      <p:boldItalic r:id="rId54"/>
     </p:embeddedFont>
   </p:embeddedFontLst>
   <p:defaultTextStyle>
@@ -3123,7 +3125,7 @@
               </a:spcAft>
               <a:buNone/>
             </a:pPr>
-            <a:endParaRPr/>
+            <a:endParaRPr dirty="0"/>
           </a:p>
         </p:txBody>
       </p:sp>
@@ -3254,7 +3256,7 @@
   <p:cSld>
     <p:spTree>
       <p:nvGrpSpPr>
-        <p:cNvPr id="1" name="Shape 168"/>
+        <p:cNvPr id="1" name="Shape 198"/>
         <p:cNvGrpSpPr/>
         <p:nvPr/>
       </p:nvGrpSpPr>
@@ -3268,7 +3270,7 @@
       </p:grpSpPr>
       <p:sp>
         <p:nvSpPr>
-          <p:cNvPr id="169" name="Google Shape;169;g3606f1c2d_30:notes"/>
+          <p:cNvPr id="199" name="Google Shape;199;p:notes"/>
           <p:cNvSpPr>
             <a:spLocks noGrp="1" noRot="1" noChangeAspect="1"/>
           </p:cNvSpPr>
@@ -3309,7 +3311,7 @@
       </p:sp>
       <p:sp>
         <p:nvSpPr>
-          <p:cNvPr id="170" name="Google Shape;170;g3606f1c2d_30:notes"/>
+          <p:cNvPr id="200" name="Google Shape;200;p:notes"/>
           <p:cNvSpPr txBox="1">
             <a:spLocks noGrp="1"/>
           </p:cNvSpPr>
@@ -3341,14 +3343,14 @@
               </a:spcAft>
               <a:buNone/>
             </a:pPr>
-            <a:endParaRPr/>
+            <a:endParaRPr dirty="0"/>
           </a:p>
         </p:txBody>
       </p:sp>
     </p:spTree>
     <p:extLst>
       <p:ext uri="{BB962C8B-B14F-4D97-AF65-F5344CB8AC3E}">
-        <p14:creationId xmlns:p14="http://schemas.microsoft.com/office/powerpoint/2010/main" val="2970194958"/>
+        <p14:creationId xmlns:p14="http://schemas.microsoft.com/office/powerpoint/2010/main" val="1160636139"/>
       </p:ext>
     </p:extLst>
   </p:cSld>
@@ -4235,7 +4237,7 @@
   <p:cSld>
     <p:spTree>
       <p:nvGrpSpPr>
-        <p:cNvPr id="1" name="Shape 198"/>
+        <p:cNvPr id="1" name="Shape 168"/>
         <p:cNvGrpSpPr/>
         <p:nvPr/>
       </p:nvGrpSpPr>
@@ -4249,7 +4251,7 @@
       </p:grpSpPr>
       <p:sp>
         <p:nvSpPr>
-          <p:cNvPr id="199" name="Google Shape;199;p:notes"/>
+          <p:cNvPr id="169" name="Google Shape;169;g3606f1c2d_30:notes"/>
           <p:cNvSpPr>
             <a:spLocks noGrp="1" noRot="1" noChangeAspect="1"/>
           </p:cNvSpPr>
@@ -4290,7 +4292,7 @@
       </p:sp>
       <p:sp>
         <p:nvSpPr>
-          <p:cNvPr id="200" name="Google Shape;200;p:notes"/>
+          <p:cNvPr id="170" name="Google Shape;170;g3606f1c2d_30:notes"/>
           <p:cNvSpPr txBox="1">
             <a:spLocks noGrp="1"/>
           </p:cNvSpPr>
@@ -4329,7 +4331,7 @@
     </p:spTree>
     <p:extLst>
       <p:ext uri="{BB962C8B-B14F-4D97-AF65-F5344CB8AC3E}">
-        <p14:creationId xmlns:p14="http://schemas.microsoft.com/office/powerpoint/2010/main" val="1160636139"/>
+        <p14:creationId xmlns:p14="http://schemas.microsoft.com/office/powerpoint/2010/main" val="2970194958"/>
       </p:ext>
     </p:extLst>
   </p:cSld>
@@ -4453,7 +4455,7 @@
   <p:cSld>
     <p:spTree>
       <p:nvGrpSpPr>
-        <p:cNvPr id="1" name="Shape 168"/>
+        <p:cNvPr id="1" name="Shape 198"/>
         <p:cNvGrpSpPr/>
         <p:nvPr/>
       </p:nvGrpSpPr>
@@ -4467,7 +4469,7 @@
       </p:grpSpPr>
       <p:sp>
         <p:nvSpPr>
-          <p:cNvPr id="169" name="Google Shape;169;g3606f1c2d_30:notes"/>
+          <p:cNvPr id="199" name="Google Shape;199;p:notes"/>
           <p:cNvSpPr>
             <a:spLocks noGrp="1" noRot="1" noChangeAspect="1"/>
           </p:cNvSpPr>
@@ -4508,7 +4510,7 @@
       </p:sp>
       <p:sp>
         <p:nvSpPr>
-          <p:cNvPr id="170" name="Google Shape;170;g3606f1c2d_30:notes"/>
+          <p:cNvPr id="200" name="Google Shape;200;p:notes"/>
           <p:cNvSpPr txBox="1">
             <a:spLocks noGrp="1"/>
           </p:cNvSpPr>
@@ -4547,7 +4549,7 @@
     </p:spTree>
     <p:extLst>
       <p:ext uri="{BB962C8B-B14F-4D97-AF65-F5344CB8AC3E}">
-        <p14:creationId xmlns:p14="http://schemas.microsoft.com/office/powerpoint/2010/main" val="2039113743"/>
+        <p14:creationId xmlns:p14="http://schemas.microsoft.com/office/powerpoint/2010/main" val="1160636139"/>
       </p:ext>
     </p:extLst>
   </p:cSld>
@@ -4667,6 +4669,224 @@
 </file>
 
 <file path=ppt/notesSlides/notesSlide42.xml><?xml version="1.0" encoding="utf-8"?>
+<p:notes xmlns:a="http://schemas.openxmlformats.org/drawingml/2006/main" xmlns:r="http://schemas.openxmlformats.org/officeDocument/2006/relationships" xmlns:p="http://schemas.openxmlformats.org/presentationml/2006/main" showMasterSp="0" showMasterPhAnim="0">
+  <p:cSld>
+    <p:spTree>
+      <p:nvGrpSpPr>
+        <p:cNvPr id="1" name="Shape 168"/>
+        <p:cNvGrpSpPr/>
+        <p:nvPr/>
+      </p:nvGrpSpPr>
+      <p:grpSpPr>
+        <a:xfrm>
+          <a:off x="0" y="0"/>
+          <a:ext cx="0" cy="0"/>
+          <a:chOff x="0" y="0"/>
+          <a:chExt cx="0" cy="0"/>
+        </a:xfrm>
+      </p:grpSpPr>
+      <p:sp>
+        <p:nvSpPr>
+          <p:cNvPr id="169" name="Google Shape;169;g3606f1c2d_30:notes"/>
+          <p:cNvSpPr>
+            <a:spLocks noGrp="1" noRot="1" noChangeAspect="1"/>
+          </p:cNvSpPr>
+          <p:nvPr>
+            <p:ph type="sldImg" idx="2"/>
+          </p:nvPr>
+        </p:nvSpPr>
+        <p:spPr>
+          <a:xfrm>
+            <a:off x="381000" y="685800"/>
+            <a:ext cx="6096000" cy="3429000"/>
+          </a:xfrm>
+          <a:custGeom>
+            <a:avLst/>
+            <a:gdLst/>
+            <a:ahLst/>
+            <a:cxnLst/>
+            <a:rect l="l" t="t" r="r" b="b"/>
+            <a:pathLst>
+              <a:path w="120000" h="120000" extrusionOk="0">
+                <a:moveTo>
+                  <a:pt x="0" y="0"/>
+                </a:moveTo>
+                <a:lnTo>
+                  <a:pt x="120000" y="0"/>
+                </a:lnTo>
+                <a:lnTo>
+                  <a:pt x="120000" y="120000"/>
+                </a:lnTo>
+                <a:lnTo>
+                  <a:pt x="0" y="120000"/>
+                </a:lnTo>
+                <a:close/>
+              </a:path>
+            </a:pathLst>
+          </a:custGeom>
+        </p:spPr>
+      </p:sp>
+      <p:sp>
+        <p:nvSpPr>
+          <p:cNvPr id="170" name="Google Shape;170;g3606f1c2d_30:notes"/>
+          <p:cNvSpPr txBox="1">
+            <a:spLocks noGrp="1"/>
+          </p:cNvSpPr>
+          <p:nvPr>
+            <p:ph type="body" idx="1"/>
+          </p:nvPr>
+        </p:nvSpPr>
+        <p:spPr>
+          <a:xfrm>
+            <a:off x="685800" y="4343400"/>
+            <a:ext cx="5486400" cy="4114800"/>
+          </a:xfrm>
+          <a:prstGeom prst="rect">
+            <a:avLst/>
+          </a:prstGeom>
+        </p:spPr>
+        <p:txBody>
+          <a:bodyPr spcFirstLastPara="1" wrap="square" lIns="91425" tIns="91425" rIns="91425" bIns="91425" anchor="t" anchorCtr="0">
+            <a:noAutofit/>
+          </a:bodyPr>
+          <a:lstStyle/>
+          <a:p>
+            <a:pPr marL="0" lvl="0" indent="0" algn="l" rtl="0">
+              <a:spcBef>
+                <a:spcPts val="0"/>
+              </a:spcBef>
+              <a:spcAft>
+                <a:spcPts val="0"/>
+              </a:spcAft>
+              <a:buNone/>
+            </a:pPr>
+            <a:endParaRPr/>
+          </a:p>
+        </p:txBody>
+      </p:sp>
+    </p:spTree>
+    <p:extLst>
+      <p:ext uri="{BB962C8B-B14F-4D97-AF65-F5344CB8AC3E}">
+        <p14:creationId xmlns:p14="http://schemas.microsoft.com/office/powerpoint/2010/main" val="2039113743"/>
+      </p:ext>
+    </p:extLst>
+  </p:cSld>
+  <p:clrMapOvr>
+    <a:masterClrMapping/>
+  </p:clrMapOvr>
+</p:notes>
+</file>
+
+<file path=ppt/notesSlides/notesSlide43.xml><?xml version="1.0" encoding="utf-8"?>
+<p:notes xmlns:a="http://schemas.openxmlformats.org/drawingml/2006/main" xmlns:r="http://schemas.openxmlformats.org/officeDocument/2006/relationships" xmlns:p="http://schemas.openxmlformats.org/presentationml/2006/main" showMasterSp="0" showMasterPhAnim="0">
+  <p:cSld>
+    <p:spTree>
+      <p:nvGrpSpPr>
+        <p:cNvPr id="1" name="Shape 168"/>
+        <p:cNvGrpSpPr/>
+        <p:nvPr/>
+      </p:nvGrpSpPr>
+      <p:grpSpPr>
+        <a:xfrm>
+          <a:off x="0" y="0"/>
+          <a:ext cx="0" cy="0"/>
+          <a:chOff x="0" y="0"/>
+          <a:chExt cx="0" cy="0"/>
+        </a:xfrm>
+      </p:grpSpPr>
+      <p:sp>
+        <p:nvSpPr>
+          <p:cNvPr id="169" name="Google Shape;169;g3606f1c2d_30:notes"/>
+          <p:cNvSpPr>
+            <a:spLocks noGrp="1" noRot="1" noChangeAspect="1"/>
+          </p:cNvSpPr>
+          <p:nvPr>
+            <p:ph type="sldImg" idx="2"/>
+          </p:nvPr>
+        </p:nvSpPr>
+        <p:spPr>
+          <a:xfrm>
+            <a:off x="381000" y="685800"/>
+            <a:ext cx="6096000" cy="3429000"/>
+          </a:xfrm>
+          <a:custGeom>
+            <a:avLst/>
+            <a:gdLst/>
+            <a:ahLst/>
+            <a:cxnLst/>
+            <a:rect l="l" t="t" r="r" b="b"/>
+            <a:pathLst>
+              <a:path w="120000" h="120000" extrusionOk="0">
+                <a:moveTo>
+                  <a:pt x="0" y="0"/>
+                </a:moveTo>
+                <a:lnTo>
+                  <a:pt x="120000" y="0"/>
+                </a:lnTo>
+                <a:lnTo>
+                  <a:pt x="120000" y="120000"/>
+                </a:lnTo>
+                <a:lnTo>
+                  <a:pt x="0" y="120000"/>
+                </a:lnTo>
+                <a:close/>
+              </a:path>
+            </a:pathLst>
+          </a:custGeom>
+        </p:spPr>
+      </p:sp>
+      <p:sp>
+        <p:nvSpPr>
+          <p:cNvPr id="170" name="Google Shape;170;g3606f1c2d_30:notes"/>
+          <p:cNvSpPr txBox="1">
+            <a:spLocks noGrp="1"/>
+          </p:cNvSpPr>
+          <p:nvPr>
+            <p:ph type="body" idx="1"/>
+          </p:nvPr>
+        </p:nvSpPr>
+        <p:spPr>
+          <a:xfrm>
+            <a:off x="685800" y="4343400"/>
+            <a:ext cx="5486400" cy="4114800"/>
+          </a:xfrm>
+          <a:prstGeom prst="rect">
+            <a:avLst/>
+          </a:prstGeom>
+        </p:spPr>
+        <p:txBody>
+          <a:bodyPr spcFirstLastPara="1" wrap="square" lIns="91425" tIns="91425" rIns="91425" bIns="91425" anchor="t" anchorCtr="0">
+            <a:noAutofit/>
+          </a:bodyPr>
+          <a:lstStyle/>
+          <a:p>
+            <a:pPr marL="0" lvl="0" indent="0" algn="l" rtl="0">
+              <a:spcBef>
+                <a:spcPts val="0"/>
+              </a:spcBef>
+              <a:spcAft>
+                <a:spcPts val="0"/>
+              </a:spcAft>
+              <a:buNone/>
+            </a:pPr>
+            <a:endParaRPr/>
+          </a:p>
+        </p:txBody>
+      </p:sp>
+    </p:spTree>
+    <p:extLst>
+      <p:ext uri="{BB962C8B-B14F-4D97-AF65-F5344CB8AC3E}">
+        <p14:creationId xmlns:p14="http://schemas.microsoft.com/office/powerpoint/2010/main" val="2039113743"/>
+      </p:ext>
+    </p:extLst>
+  </p:cSld>
+  <p:clrMapOvr>
+    <a:masterClrMapping/>
+  </p:clrMapOvr>
+</p:notes>
+</file>
+
+<file path=ppt/notesSlides/notesSlide44.xml><?xml version="1.0" encoding="utf-8"?>
 <p:notes xmlns:a="http://schemas.openxmlformats.org/drawingml/2006/main" xmlns:r="http://schemas.openxmlformats.org/officeDocument/2006/relationships" xmlns:p="http://schemas.openxmlformats.org/presentationml/2006/main" showMasterSp="0" showMasterPhAnim="0">
   <p:cSld>
     <p:spTree>
@@ -18386,14 +18606,14 @@
             <a:pPr lvl="0"/>
             <a:r>
               <a:rPr lang="en-US" dirty="0"/>
-              <a:t>Object and Data Structures</a:t>
+              <a:t>OBJECT AND DATA STRUCTURES</a:t>
             </a:r>
           </a:p>
           <a:p>
             <a:pPr lvl="0"/>
             <a:r>
               <a:rPr lang="en-US" dirty="0"/>
-              <a:t>Error Handling</a:t>
+              <a:t>ERROR HANDLING</a:t>
             </a:r>
           </a:p>
           <a:p>
@@ -18404,18 +18624,35 @@
             </a:r>
           </a:p>
           <a:p>
-            <a:pPr lvl="0"/>
-            <a:r>
-              <a:rPr lang="en-US" dirty="0"/>
-              <a:t>CLASSES</a:t>
+            <a:r>
+              <a:rPr lang="en-US" dirty="0"/>
+              <a:t>UNITS TEST</a:t>
             </a:r>
           </a:p>
           <a:p>
             <a:pPr lvl="0"/>
             <a:r>
               <a:rPr lang="en-US" dirty="0"/>
+              <a:t>CLASSES</a:t>
+            </a:r>
+          </a:p>
+          <a:p>
+            <a:pPr lvl="0"/>
+            <a:r>
+              <a:rPr lang="en-US" dirty="0"/>
               <a:t>EMERGENCE</a:t>
             </a:r>
+          </a:p>
+          <a:p>
+            <a:pPr lvl="0"/>
+            <a:r>
+              <a:rPr lang="en-US" dirty="0"/>
+              <a:t>SMELL HEURISTIC</a:t>
+            </a:r>
+          </a:p>
+          <a:p>
+            <a:pPr lvl="0"/>
+            <a:endParaRPr lang="en-US" dirty="0"/>
           </a:p>
           <a:p>
             <a:pPr lvl="0"/>
@@ -25016,8 +25253,8 @@
         </p:nvSpPr>
         <p:spPr>
           <a:xfrm>
-            <a:off x="1691849" y="1187437"/>
-            <a:ext cx="5892291" cy="3956063"/>
+            <a:off x="1431454" y="1474233"/>
+            <a:ext cx="5892291" cy="3271304"/>
           </a:xfrm>
           <a:prstGeom prst="rect">
             <a:avLst/>
@@ -25029,16 +25266,828 @@
           </a:bodyPr>
           <a:lstStyle/>
           <a:p>
-            <a:pPr marL="457200" lvl="0" indent="-355600" algn="l" rtl="0">
-              <a:spcBef>
-                <a:spcPts val="600"/>
-              </a:spcBef>
-              <a:spcAft>
-                <a:spcPts val="0"/>
-              </a:spcAft>
-              <a:buSzPts val="2000"/>
-              <a:buChar char="»"/>
+            <a:pPr marL="101600" lvl="0" indent="0">
+              <a:buNone/>
             </a:pPr>
+            <a:r>
+              <a:rPr lang="en-US" dirty="0" err="1"/>
+              <a:t>Là</a:t>
+            </a:r>
+            <a:r>
+              <a:rPr lang="en-US" dirty="0"/>
+              <a:t> </a:t>
+            </a:r>
+            <a:r>
+              <a:rPr lang="en-US" dirty="0" err="1"/>
+              <a:t>một</a:t>
+            </a:r>
+            <a:r>
+              <a:rPr lang="en-US" dirty="0"/>
+              <a:t> </a:t>
+            </a:r>
+            <a:r>
+              <a:rPr lang="en-US" dirty="0" err="1"/>
+              <a:t>quy</a:t>
+            </a:r>
+            <a:r>
+              <a:rPr lang="en-US" dirty="0"/>
+              <a:t> </a:t>
+            </a:r>
+            <a:r>
+              <a:rPr lang="en-US" dirty="0" err="1"/>
+              <a:t>trình</a:t>
+            </a:r>
+            <a:r>
+              <a:rPr lang="en-US" dirty="0"/>
+              <a:t> </a:t>
+            </a:r>
+            <a:r>
+              <a:rPr lang="en-US" dirty="0" err="1"/>
+              <a:t>lập</a:t>
+            </a:r>
+            <a:r>
+              <a:rPr lang="en-US" dirty="0"/>
+              <a:t> </a:t>
+            </a:r>
+            <a:r>
+              <a:rPr lang="en-US" dirty="0" err="1"/>
+              <a:t>trình</a:t>
+            </a:r>
+            <a:r>
+              <a:rPr lang="en-US" dirty="0"/>
+              <a:t>, </a:t>
+            </a:r>
+            <a:r>
+              <a:rPr lang="en-US" dirty="0" err="1"/>
+              <a:t>trong</a:t>
+            </a:r>
+            <a:r>
+              <a:rPr lang="en-US" dirty="0"/>
+              <a:t> </a:t>
+            </a:r>
+            <a:r>
+              <a:rPr lang="en-US" dirty="0" err="1"/>
+              <a:t>đó</a:t>
+            </a:r>
+            <a:r>
+              <a:rPr lang="en-US" dirty="0"/>
+              <a:t> bao </a:t>
+            </a:r>
+            <a:r>
+              <a:rPr lang="en-US" dirty="0" err="1"/>
+              <a:t>gồm</a:t>
+            </a:r>
+            <a:r>
+              <a:rPr lang="en-US" dirty="0"/>
+              <a:t> </a:t>
+            </a:r>
+            <a:r>
+              <a:rPr lang="en-US" dirty="0" err="1"/>
+              <a:t>nhiều</a:t>
+            </a:r>
+            <a:r>
+              <a:rPr lang="en-US" dirty="0"/>
+              <a:t> </a:t>
+            </a:r>
+            <a:r>
+              <a:rPr lang="en-US" dirty="0" err="1"/>
+              <a:t>giai</a:t>
+            </a:r>
+            <a:r>
+              <a:rPr lang="en-US" dirty="0"/>
+              <a:t> </a:t>
+            </a:r>
+            <a:r>
+              <a:rPr lang="en-US" dirty="0" err="1"/>
+              <a:t>đoạn</a:t>
+            </a:r>
+            <a:r>
+              <a:rPr lang="en-US" dirty="0"/>
+              <a:t> </a:t>
+            </a:r>
+            <a:r>
+              <a:rPr lang="en-US" dirty="0" err="1"/>
+              <a:t>nhỏ</a:t>
+            </a:r>
+            <a:r>
+              <a:rPr lang="en-US" dirty="0"/>
+              <a:t> </a:t>
+            </a:r>
+            <a:r>
+              <a:rPr lang="en-US" dirty="0" err="1"/>
+              <a:t>lặp</a:t>
+            </a:r>
+            <a:r>
+              <a:rPr lang="en-US" dirty="0"/>
+              <a:t> </a:t>
+            </a:r>
+            <a:r>
+              <a:rPr lang="en-US" dirty="0" err="1"/>
+              <a:t>đi</a:t>
+            </a:r>
+            <a:r>
+              <a:rPr lang="en-US" dirty="0"/>
+              <a:t> </a:t>
+            </a:r>
+            <a:r>
+              <a:rPr lang="en-US" dirty="0" err="1"/>
+              <a:t>lặp</a:t>
+            </a:r>
+            <a:r>
+              <a:rPr lang="en-US" dirty="0"/>
+              <a:t> </a:t>
+            </a:r>
+            <a:r>
+              <a:rPr lang="en-US" dirty="0" err="1"/>
+              <a:t>lại</a:t>
+            </a:r>
+            <a:r>
+              <a:rPr lang="en-US" dirty="0"/>
+              <a:t>, </a:t>
+            </a:r>
+            <a:r>
+              <a:rPr lang="en-US" dirty="0" err="1"/>
+              <a:t>mỗi</a:t>
+            </a:r>
+            <a:r>
+              <a:rPr lang="en-US" dirty="0"/>
+              <a:t> </a:t>
+            </a:r>
+            <a:r>
+              <a:rPr lang="en-US" dirty="0" err="1"/>
+              <a:t>giai</a:t>
+            </a:r>
+            <a:r>
+              <a:rPr lang="en-US" dirty="0"/>
+              <a:t> </a:t>
+            </a:r>
+            <a:r>
+              <a:rPr lang="en-US" dirty="0" err="1"/>
+              <a:t>đoạn</a:t>
+            </a:r>
+            <a:r>
+              <a:rPr lang="en-US" dirty="0"/>
+              <a:t> bao </a:t>
+            </a:r>
+            <a:r>
+              <a:rPr lang="en-US" dirty="0" err="1"/>
+              <a:t>gồm</a:t>
+            </a:r>
+            <a:r>
+              <a:rPr lang="en-US" dirty="0"/>
+              <a:t> </a:t>
+            </a:r>
+            <a:r>
+              <a:rPr lang="en-US" dirty="0" err="1"/>
+              <a:t>các</a:t>
+            </a:r>
+            <a:r>
+              <a:rPr lang="en-US" dirty="0"/>
+              <a:t> </a:t>
+            </a:r>
+            <a:r>
+              <a:rPr lang="en-US" dirty="0" err="1"/>
+              <a:t>bước</a:t>
+            </a:r>
+            <a:r>
+              <a:rPr lang="en-US" dirty="0"/>
+              <a:t>: </a:t>
+            </a:r>
+          </a:p>
+          <a:p>
+            <a:r>
+              <a:rPr lang="en-US" dirty="0" err="1"/>
+              <a:t>Viết</a:t>
+            </a:r>
+            <a:r>
+              <a:rPr lang="en-US" dirty="0"/>
+              <a:t> </a:t>
+            </a:r>
+            <a:r>
+              <a:rPr lang="en-US" dirty="0" err="1"/>
+              <a:t>các</a:t>
+            </a:r>
+            <a:r>
+              <a:rPr lang="en-US" dirty="0"/>
+              <a:t> </a:t>
+            </a:r>
+            <a:r>
+              <a:rPr lang="en-US" dirty="0" err="1"/>
+              <a:t>bài</a:t>
+            </a:r>
+            <a:r>
+              <a:rPr lang="en-US" dirty="0"/>
+              <a:t> </a:t>
+            </a:r>
+            <a:r>
+              <a:rPr lang="en-US" dirty="0" err="1"/>
+              <a:t>kiểm</a:t>
+            </a:r>
+            <a:r>
+              <a:rPr lang="en-US" dirty="0"/>
+              <a:t> </a:t>
+            </a:r>
+            <a:r>
+              <a:rPr lang="en-US" dirty="0" err="1"/>
+              <a:t>thử</a:t>
+            </a:r>
+            <a:endParaRPr lang="en-US" dirty="0"/>
+          </a:p>
+          <a:p>
+            <a:r>
+              <a:rPr lang="en-US" dirty="0" err="1"/>
+              <a:t>Viết</a:t>
+            </a:r>
+            <a:r>
+              <a:rPr lang="en-US" dirty="0"/>
+              <a:t> </a:t>
+            </a:r>
+            <a:r>
+              <a:rPr lang="en-US" dirty="0" err="1"/>
+              <a:t>mã</a:t>
+            </a:r>
+            <a:r>
+              <a:rPr lang="en-US" dirty="0"/>
+              <a:t> </a:t>
+            </a:r>
+            <a:r>
+              <a:rPr lang="en-US" dirty="0" err="1"/>
+              <a:t>nguồn</a:t>
+            </a:r>
+            <a:endParaRPr lang="en-US" dirty="0"/>
+          </a:p>
+          <a:p>
+            <a:r>
+              <a:rPr lang="en-US" dirty="0" err="1"/>
+              <a:t>Tái</a:t>
+            </a:r>
+            <a:r>
+              <a:rPr lang="en-US" dirty="0"/>
+              <a:t> </a:t>
+            </a:r>
+            <a:r>
+              <a:rPr lang="en-US" dirty="0" err="1"/>
+              <a:t>cấu</a:t>
+            </a:r>
+            <a:r>
+              <a:rPr lang="en-US" dirty="0"/>
+              <a:t> </a:t>
+            </a:r>
+            <a:r>
+              <a:rPr lang="en-US" dirty="0" err="1"/>
+              <a:t>trúc</a:t>
+            </a:r>
+            <a:r>
+              <a:rPr lang="en-US" dirty="0"/>
+              <a:t> </a:t>
+            </a:r>
+            <a:r>
+              <a:rPr lang="en-US" dirty="0" err="1"/>
+              <a:t>mã</a:t>
+            </a:r>
+            <a:r>
+              <a:rPr lang="en-US" dirty="0"/>
+              <a:t> </a:t>
+            </a:r>
+            <a:r>
+              <a:rPr lang="en-US" dirty="0" err="1"/>
+              <a:t>nguồn</a:t>
+            </a:r>
+            <a:r>
+              <a:rPr lang="en-US" dirty="0"/>
+              <a:t> </a:t>
+            </a:r>
+          </a:p>
+        </p:txBody>
+      </p:sp>
+      <p:sp>
+        <p:nvSpPr>
+          <p:cNvPr id="204" name="Google Shape;204;p17"/>
+          <p:cNvSpPr txBox="1">
+            <a:spLocks noGrp="1"/>
+          </p:cNvSpPr>
+          <p:nvPr>
+            <p:ph type="sldNum" idx="12"/>
+          </p:nvPr>
+        </p:nvSpPr>
+        <p:spPr>
+          <a:xfrm>
+            <a:off x="8556784" y="1"/>
+            <a:ext cx="548700" cy="393600"/>
+          </a:xfrm>
+          <a:prstGeom prst="rect">
+            <a:avLst/>
+          </a:prstGeom>
+        </p:spPr>
+        <p:txBody>
+          <a:bodyPr spcFirstLastPara="1" wrap="square" lIns="91425" tIns="91425" rIns="91425" bIns="91425" anchor="t" anchorCtr="0">
+            <a:noAutofit/>
+          </a:bodyPr>
+          <a:lstStyle/>
+          <a:p>
+            <a:pPr marL="0" lvl="0" indent="0" algn="r" rtl="0">
+              <a:spcBef>
+                <a:spcPts val="0"/>
+              </a:spcBef>
+              <a:spcAft>
+                <a:spcPts val="0"/>
+              </a:spcAft>
+              <a:buNone/>
+            </a:pPr>
+            <a:fld id="{00000000-1234-1234-1234-123412341234}" type="slidenum">
+              <a:rPr lang="en"/>
+              <a:t>30</a:t>
+            </a:fld>
+            <a:endParaRPr/>
+          </a:p>
+        </p:txBody>
+      </p:sp>
+      <p:sp>
+        <p:nvSpPr>
+          <p:cNvPr id="6" name="Google Shape;172;p13">
+            <a:extLst>
+              <a:ext uri="{FF2B5EF4-FFF2-40B4-BE49-F238E27FC236}">
+                <a16:creationId xmlns:a16="http://schemas.microsoft.com/office/drawing/2014/main" id="{FDA609D1-5B5B-4740-B3BA-8A7B5B70673A}"/>
+              </a:ext>
+            </a:extLst>
+          </p:cNvPr>
+          <p:cNvSpPr txBox="1">
+            <a:spLocks/>
+          </p:cNvSpPr>
+          <p:nvPr/>
+        </p:nvSpPr>
+        <p:spPr>
+          <a:xfrm>
+            <a:off x="1409560" y="740137"/>
+            <a:ext cx="5760300" cy="680700"/>
+          </a:xfrm>
+          <a:prstGeom prst="rect">
+            <a:avLst/>
+          </a:prstGeom>
+          <a:noFill/>
+          <a:ln>
+            <a:noFill/>
+          </a:ln>
+        </p:spPr>
+        <p:txBody>
+          <a:bodyPr spcFirstLastPara="1" wrap="square" lIns="91425" tIns="91425" rIns="91425" bIns="91425" anchor="b" anchorCtr="0">
+            <a:noAutofit/>
+          </a:bodyPr>
+          <a:lstStyle>
+            <a:defPPr marR="0" lvl="0" algn="l" rtl="0">
+              <a:lnSpc>
+                <a:spcPct val="100000"/>
+              </a:lnSpc>
+              <a:spcBef>
+                <a:spcPts val="0"/>
+              </a:spcBef>
+              <a:spcAft>
+                <a:spcPts val="0"/>
+              </a:spcAft>
+            </a:defPPr>
+            <a:lvl1pPr marR="0" lvl="0" algn="l" rtl="0">
+              <a:lnSpc>
+                <a:spcPct val="100000"/>
+              </a:lnSpc>
+              <a:spcBef>
+                <a:spcPts val="0"/>
+              </a:spcBef>
+              <a:spcAft>
+                <a:spcPts val="0"/>
+              </a:spcAft>
+              <a:buClr>
+                <a:srgbClr val="3796BF"/>
+              </a:buClr>
+              <a:buSzPts val="3000"/>
+              <a:buFont typeface="Oswald"/>
+              <a:buNone/>
+              <a:defRPr sz="3000" b="1" i="0" u="none" strike="noStrike" cap="none">
+                <a:solidFill>
+                  <a:srgbClr val="3796BF"/>
+                </a:solidFill>
+                <a:latin typeface="Oswald"/>
+                <a:ea typeface="Oswald"/>
+                <a:cs typeface="Oswald"/>
+                <a:sym typeface="Oswald"/>
+              </a:defRPr>
+            </a:lvl1pPr>
+            <a:lvl2pPr marR="0" lvl="1" algn="l" rtl="0">
+              <a:lnSpc>
+                <a:spcPct val="100000"/>
+              </a:lnSpc>
+              <a:spcBef>
+                <a:spcPts val="0"/>
+              </a:spcBef>
+              <a:spcAft>
+                <a:spcPts val="0"/>
+              </a:spcAft>
+              <a:buClr>
+                <a:srgbClr val="3796BF"/>
+              </a:buClr>
+              <a:buSzPts val="3000"/>
+              <a:buFont typeface="Oswald"/>
+              <a:buNone/>
+              <a:defRPr sz="3000" b="1" i="0" u="none" strike="noStrike" cap="none">
+                <a:solidFill>
+                  <a:srgbClr val="3796BF"/>
+                </a:solidFill>
+                <a:latin typeface="Oswald"/>
+                <a:ea typeface="Oswald"/>
+                <a:cs typeface="Oswald"/>
+                <a:sym typeface="Oswald"/>
+              </a:defRPr>
+            </a:lvl2pPr>
+            <a:lvl3pPr marR="0" lvl="2" algn="l" rtl="0">
+              <a:lnSpc>
+                <a:spcPct val="100000"/>
+              </a:lnSpc>
+              <a:spcBef>
+                <a:spcPts val="0"/>
+              </a:spcBef>
+              <a:spcAft>
+                <a:spcPts val="0"/>
+              </a:spcAft>
+              <a:buClr>
+                <a:srgbClr val="3796BF"/>
+              </a:buClr>
+              <a:buSzPts val="3000"/>
+              <a:buFont typeface="Oswald"/>
+              <a:buNone/>
+              <a:defRPr sz="3000" b="1" i="0" u="none" strike="noStrike" cap="none">
+                <a:solidFill>
+                  <a:srgbClr val="3796BF"/>
+                </a:solidFill>
+                <a:latin typeface="Oswald"/>
+                <a:ea typeface="Oswald"/>
+                <a:cs typeface="Oswald"/>
+                <a:sym typeface="Oswald"/>
+              </a:defRPr>
+            </a:lvl3pPr>
+            <a:lvl4pPr marR="0" lvl="3" algn="l" rtl="0">
+              <a:lnSpc>
+                <a:spcPct val="100000"/>
+              </a:lnSpc>
+              <a:spcBef>
+                <a:spcPts val="0"/>
+              </a:spcBef>
+              <a:spcAft>
+                <a:spcPts val="0"/>
+              </a:spcAft>
+              <a:buClr>
+                <a:srgbClr val="3796BF"/>
+              </a:buClr>
+              <a:buSzPts val="3000"/>
+              <a:buFont typeface="Oswald"/>
+              <a:buNone/>
+              <a:defRPr sz="3000" b="1" i="0" u="none" strike="noStrike" cap="none">
+                <a:solidFill>
+                  <a:srgbClr val="3796BF"/>
+                </a:solidFill>
+                <a:latin typeface="Oswald"/>
+                <a:ea typeface="Oswald"/>
+                <a:cs typeface="Oswald"/>
+                <a:sym typeface="Oswald"/>
+              </a:defRPr>
+            </a:lvl4pPr>
+            <a:lvl5pPr marR="0" lvl="4" algn="l" rtl="0">
+              <a:lnSpc>
+                <a:spcPct val="100000"/>
+              </a:lnSpc>
+              <a:spcBef>
+                <a:spcPts val="0"/>
+              </a:spcBef>
+              <a:spcAft>
+                <a:spcPts val="0"/>
+              </a:spcAft>
+              <a:buClr>
+                <a:srgbClr val="3796BF"/>
+              </a:buClr>
+              <a:buSzPts val="3000"/>
+              <a:buFont typeface="Oswald"/>
+              <a:buNone/>
+              <a:defRPr sz="3000" b="1" i="0" u="none" strike="noStrike" cap="none">
+                <a:solidFill>
+                  <a:srgbClr val="3796BF"/>
+                </a:solidFill>
+                <a:latin typeface="Oswald"/>
+                <a:ea typeface="Oswald"/>
+                <a:cs typeface="Oswald"/>
+                <a:sym typeface="Oswald"/>
+              </a:defRPr>
+            </a:lvl5pPr>
+            <a:lvl6pPr marR="0" lvl="5" algn="l" rtl="0">
+              <a:lnSpc>
+                <a:spcPct val="100000"/>
+              </a:lnSpc>
+              <a:spcBef>
+                <a:spcPts val="0"/>
+              </a:spcBef>
+              <a:spcAft>
+                <a:spcPts val="0"/>
+              </a:spcAft>
+              <a:buClr>
+                <a:srgbClr val="3796BF"/>
+              </a:buClr>
+              <a:buSzPts val="3000"/>
+              <a:buFont typeface="Oswald"/>
+              <a:buNone/>
+              <a:defRPr sz="3000" b="1" i="0" u="none" strike="noStrike" cap="none">
+                <a:solidFill>
+                  <a:srgbClr val="3796BF"/>
+                </a:solidFill>
+                <a:latin typeface="Oswald"/>
+                <a:ea typeface="Oswald"/>
+                <a:cs typeface="Oswald"/>
+                <a:sym typeface="Oswald"/>
+              </a:defRPr>
+            </a:lvl6pPr>
+            <a:lvl7pPr marR="0" lvl="6" algn="l" rtl="0">
+              <a:lnSpc>
+                <a:spcPct val="100000"/>
+              </a:lnSpc>
+              <a:spcBef>
+                <a:spcPts val="0"/>
+              </a:spcBef>
+              <a:spcAft>
+                <a:spcPts val="0"/>
+              </a:spcAft>
+              <a:buClr>
+                <a:srgbClr val="3796BF"/>
+              </a:buClr>
+              <a:buSzPts val="3000"/>
+              <a:buFont typeface="Oswald"/>
+              <a:buNone/>
+              <a:defRPr sz="3000" b="1" i="0" u="none" strike="noStrike" cap="none">
+                <a:solidFill>
+                  <a:srgbClr val="3796BF"/>
+                </a:solidFill>
+                <a:latin typeface="Oswald"/>
+                <a:ea typeface="Oswald"/>
+                <a:cs typeface="Oswald"/>
+                <a:sym typeface="Oswald"/>
+              </a:defRPr>
+            </a:lvl7pPr>
+            <a:lvl8pPr marR="0" lvl="7" algn="l" rtl="0">
+              <a:lnSpc>
+                <a:spcPct val="100000"/>
+              </a:lnSpc>
+              <a:spcBef>
+                <a:spcPts val="0"/>
+              </a:spcBef>
+              <a:spcAft>
+                <a:spcPts val="0"/>
+              </a:spcAft>
+              <a:buClr>
+                <a:srgbClr val="3796BF"/>
+              </a:buClr>
+              <a:buSzPts val="3000"/>
+              <a:buFont typeface="Oswald"/>
+              <a:buNone/>
+              <a:defRPr sz="3000" b="1" i="0" u="none" strike="noStrike" cap="none">
+                <a:solidFill>
+                  <a:srgbClr val="3796BF"/>
+                </a:solidFill>
+                <a:latin typeface="Oswald"/>
+                <a:ea typeface="Oswald"/>
+                <a:cs typeface="Oswald"/>
+                <a:sym typeface="Oswald"/>
+              </a:defRPr>
+            </a:lvl8pPr>
+            <a:lvl9pPr marR="0" lvl="8" algn="l" rtl="0">
+              <a:lnSpc>
+                <a:spcPct val="100000"/>
+              </a:lnSpc>
+              <a:spcBef>
+                <a:spcPts val="0"/>
+              </a:spcBef>
+              <a:spcAft>
+                <a:spcPts val="0"/>
+              </a:spcAft>
+              <a:buClr>
+                <a:srgbClr val="3796BF"/>
+              </a:buClr>
+              <a:buSzPts val="3000"/>
+              <a:buFont typeface="Oswald"/>
+              <a:buNone/>
+              <a:defRPr sz="3000" b="1" i="0" u="none" strike="noStrike" cap="none">
+                <a:solidFill>
+                  <a:srgbClr val="3796BF"/>
+                </a:solidFill>
+                <a:latin typeface="Oswald"/>
+                <a:ea typeface="Oswald"/>
+                <a:cs typeface="Oswald"/>
+                <a:sym typeface="Oswald"/>
+              </a:defRPr>
+            </a:lvl9pPr>
+          </a:lstStyle>
+          <a:p>
+            <a:r>
+              <a:rPr lang="en-US" sz="2300" dirty="0"/>
+              <a:t>1. </a:t>
+            </a:r>
+            <a:r>
+              <a:rPr lang="en-US" sz="2300" dirty="0" err="1"/>
+              <a:t>TDD</a:t>
+            </a:r>
+            <a:r>
+              <a:rPr lang="en-US" sz="2300" dirty="0"/>
+              <a:t> </a:t>
+            </a:r>
+            <a:r>
+              <a:rPr lang="en-US" sz="2300" dirty="0" err="1"/>
+              <a:t>là</a:t>
+            </a:r>
+            <a:r>
+              <a:rPr lang="en-US" sz="2300" dirty="0"/>
+              <a:t> </a:t>
+            </a:r>
+            <a:r>
+              <a:rPr lang="en-US" sz="2300" dirty="0" err="1"/>
+              <a:t>gì</a:t>
+            </a:r>
+            <a:r>
+              <a:rPr lang="en-US" sz="2300" dirty="0"/>
+              <a:t> ?</a:t>
+            </a:r>
+          </a:p>
+        </p:txBody>
+      </p:sp>
+    </p:spTree>
+    <p:extLst>
+      <p:ext uri="{BB962C8B-B14F-4D97-AF65-F5344CB8AC3E}">
+        <p14:creationId xmlns:p14="http://schemas.microsoft.com/office/powerpoint/2010/main" val="651987771"/>
+      </p:ext>
+    </p:extLst>
+  </p:cSld>
+  <p:clrMapOvr>
+    <a:masterClrMapping/>
+  </p:clrMapOvr>
+</p:sld>
+</file>
+
+<file path=ppt/slides/slide31.xml><?xml version="1.0" encoding="utf-8"?>
+<p:sld xmlns:a="http://schemas.openxmlformats.org/drawingml/2006/main" xmlns:r="http://schemas.openxmlformats.org/officeDocument/2006/relationships" xmlns:p="http://schemas.openxmlformats.org/presentationml/2006/main">
+  <p:cSld>
+    <p:spTree>
+      <p:nvGrpSpPr>
+        <p:cNvPr id="1" name="Shape 201"/>
+        <p:cNvGrpSpPr/>
+        <p:nvPr/>
+      </p:nvGrpSpPr>
+      <p:grpSpPr>
+        <a:xfrm>
+          <a:off x="0" y="0"/>
+          <a:ext cx="0" cy="0"/>
+          <a:chOff x="0" y="0"/>
+          <a:chExt cx="0" cy="0"/>
+        </a:xfrm>
+      </p:grpSpPr>
+      <p:sp>
+        <p:nvSpPr>
+          <p:cNvPr id="202" name="Google Shape;202;p17"/>
+          <p:cNvSpPr txBox="1">
+            <a:spLocks noGrp="1"/>
+          </p:cNvSpPr>
+          <p:nvPr>
+            <p:ph type="title"/>
+          </p:nvPr>
+        </p:nvSpPr>
+        <p:spPr>
+          <a:xfrm>
+            <a:off x="1497450" y="59437"/>
+            <a:ext cx="5760300" cy="680700"/>
+          </a:xfrm>
+          <a:prstGeom prst="rect">
+            <a:avLst/>
+          </a:prstGeom>
+        </p:spPr>
+        <p:txBody>
+          <a:bodyPr spcFirstLastPara="1" wrap="square" lIns="91425" tIns="91425" rIns="91425" bIns="91425" anchor="b" anchorCtr="0">
+            <a:noAutofit/>
+          </a:bodyPr>
+          <a:lstStyle/>
+          <a:p>
+            <a:pPr marL="0" lvl="0" indent="0" algn="ctr" rtl="0">
+              <a:spcBef>
+                <a:spcPts val="0"/>
+              </a:spcBef>
+              <a:spcAft>
+                <a:spcPts val="0"/>
+              </a:spcAft>
+              <a:buNone/>
+            </a:pPr>
+            <a:r>
+              <a:rPr lang="en-US" dirty="0"/>
+              <a:t>UNIT TESTS</a:t>
+            </a:r>
+            <a:endParaRPr dirty="0"/>
+          </a:p>
+        </p:txBody>
+      </p:sp>
+      <p:sp>
+        <p:nvSpPr>
+          <p:cNvPr id="203" name="Google Shape;203;p17"/>
+          <p:cNvSpPr txBox="1">
+            <a:spLocks noGrp="1"/>
+          </p:cNvSpPr>
+          <p:nvPr>
+            <p:ph type="body" idx="1"/>
+          </p:nvPr>
+        </p:nvSpPr>
+        <p:spPr>
+          <a:xfrm>
+            <a:off x="1409560" y="1420837"/>
+            <a:ext cx="5892291" cy="3271304"/>
+          </a:xfrm>
+          <a:prstGeom prst="rect">
+            <a:avLst/>
+          </a:prstGeom>
+        </p:spPr>
+        <p:txBody>
+          <a:bodyPr spcFirstLastPara="1" wrap="square" lIns="91425" tIns="91425" rIns="91425" bIns="91425" anchor="t" anchorCtr="0">
+            <a:noAutofit/>
+          </a:bodyPr>
+          <a:lstStyle/>
+          <a:p>
+            <a:r>
+              <a:rPr lang="en-US" dirty="0" err="1"/>
+              <a:t>Viết</a:t>
+            </a:r>
+            <a:r>
+              <a:rPr lang="en-US" dirty="0"/>
+              <a:t> test:</a:t>
+            </a:r>
+            <a:br>
+              <a:rPr lang="en-US" dirty="0"/>
+            </a:br>
+            <a:endParaRPr lang="en-US" dirty="0"/>
+          </a:p>
+          <a:p>
+            <a:r>
+              <a:rPr lang="en-US" dirty="0" err="1"/>
+              <a:t>Viết</a:t>
+            </a:r>
+            <a:r>
+              <a:rPr lang="en-US" dirty="0"/>
+              <a:t> </a:t>
+            </a:r>
+            <a:r>
+              <a:rPr lang="en-US" dirty="0" err="1"/>
+              <a:t>mã</a:t>
+            </a:r>
+            <a:r>
+              <a:rPr lang="en-US" dirty="0"/>
+              <a:t> </a:t>
+            </a:r>
+            <a:r>
+              <a:rPr lang="en-US" dirty="0" err="1"/>
+              <a:t>nguồn</a:t>
+            </a:r>
+            <a:br>
+              <a:rPr lang="en-US" dirty="0"/>
+            </a:br>
+            <a:endParaRPr lang="en-US" dirty="0"/>
+          </a:p>
+          <a:p>
+            <a:r>
+              <a:rPr lang="en-US" dirty="0" err="1"/>
+              <a:t>Tái</a:t>
+            </a:r>
+            <a:r>
+              <a:rPr lang="en-US" dirty="0"/>
+              <a:t> </a:t>
+            </a:r>
+            <a:r>
+              <a:rPr lang="en-US" dirty="0" err="1"/>
+              <a:t>cấu</a:t>
+            </a:r>
+            <a:r>
+              <a:rPr lang="en-US" dirty="0"/>
+              <a:t> </a:t>
+            </a:r>
+            <a:r>
+              <a:rPr lang="en-US" dirty="0" err="1"/>
+              <a:t>trúc</a:t>
+            </a:r>
+            <a:r>
+              <a:rPr lang="en-US" dirty="0"/>
+              <a:t> </a:t>
+            </a:r>
+            <a:r>
+              <a:rPr lang="en-US" dirty="0" err="1"/>
+              <a:t>mã</a:t>
+            </a:r>
+            <a:r>
+              <a:rPr lang="en-US" dirty="0"/>
+              <a:t> </a:t>
+            </a:r>
+            <a:r>
+              <a:rPr lang="en-US" dirty="0" err="1"/>
+              <a:t>nguồn</a:t>
+            </a:r>
+            <a:br>
+              <a:rPr lang="en-US" dirty="0"/>
+            </a:br>
             <a:endParaRPr lang="en-US" dirty="0"/>
           </a:p>
         </p:txBody>
@@ -25079,120 +26128,6 @@
             </a:pPr>
             <a:fld id="{00000000-1234-1234-1234-123412341234}" type="slidenum">
               <a:rPr lang="en"/>
-              <a:t>30</a:t>
-            </a:fld>
-            <a:endParaRPr/>
-          </a:p>
-        </p:txBody>
-      </p:sp>
-    </p:spTree>
-    <p:extLst>
-      <p:ext uri="{BB962C8B-B14F-4D97-AF65-F5344CB8AC3E}">
-        <p14:creationId xmlns:p14="http://schemas.microsoft.com/office/powerpoint/2010/main" val="651987771"/>
-      </p:ext>
-    </p:extLst>
-  </p:cSld>
-  <p:clrMapOvr>
-    <a:masterClrMapping/>
-  </p:clrMapOvr>
-</p:sld>
-</file>
-
-<file path=ppt/slides/slide31.xml><?xml version="1.0" encoding="utf-8"?>
-<p:sld xmlns:a="http://schemas.openxmlformats.org/drawingml/2006/main" xmlns:r="http://schemas.openxmlformats.org/officeDocument/2006/relationships" xmlns:p="http://schemas.openxmlformats.org/presentationml/2006/main">
-  <p:cSld>
-    <p:spTree>
-      <p:nvGrpSpPr>
-        <p:cNvPr id="1" name="Shape 171"/>
-        <p:cNvGrpSpPr/>
-        <p:nvPr/>
-      </p:nvGrpSpPr>
-      <p:grpSpPr>
-        <a:xfrm>
-          <a:off x="0" y="0"/>
-          <a:ext cx="0" cy="0"/>
-          <a:chOff x="0" y="0"/>
-          <a:chExt cx="0" cy="0"/>
-        </a:xfrm>
-      </p:grpSpPr>
-      <p:sp>
-        <p:nvSpPr>
-          <p:cNvPr id="172" name="Google Shape;172;p13"/>
-          <p:cNvSpPr txBox="1">
-            <a:spLocks noGrp="1"/>
-          </p:cNvSpPr>
-          <p:nvPr>
-            <p:ph type="title"/>
-          </p:nvPr>
-        </p:nvSpPr>
-        <p:spPr>
-          <a:xfrm>
-            <a:off x="1838668" y="53251"/>
-            <a:ext cx="5760300" cy="680700"/>
-          </a:xfrm>
-          <a:prstGeom prst="rect">
-            <a:avLst/>
-          </a:prstGeom>
-        </p:spPr>
-        <p:txBody>
-          <a:bodyPr spcFirstLastPara="1" wrap="square" lIns="91425" tIns="91425" rIns="91425" bIns="91425" anchor="b" anchorCtr="0">
-            <a:noAutofit/>
-          </a:bodyPr>
-          <a:lstStyle/>
-          <a:p>
-            <a:pPr marL="0" lvl="0" indent="0" algn="ctr" rtl="0">
-              <a:spcBef>
-                <a:spcPts val="0"/>
-              </a:spcBef>
-              <a:spcAft>
-                <a:spcPts val="0"/>
-              </a:spcAft>
-              <a:buNone/>
-            </a:pPr>
-            <a:r>
-              <a:rPr lang="en-US" dirty="0"/>
-              <a:t>CLASSES</a:t>
-            </a:r>
-            <a:endParaRPr dirty="0"/>
-          </a:p>
-        </p:txBody>
-      </p:sp>
-      <p:sp>
-        <p:nvSpPr>
-          <p:cNvPr id="176" name="Google Shape;176;p13"/>
-          <p:cNvSpPr txBox="1">
-            <a:spLocks noGrp="1"/>
-          </p:cNvSpPr>
-          <p:nvPr>
-            <p:ph type="sldNum" idx="12"/>
-          </p:nvPr>
-        </p:nvSpPr>
-        <p:spPr>
-          <a:xfrm>
-            <a:off x="8556784" y="1"/>
-            <a:ext cx="548700" cy="393600"/>
-          </a:xfrm>
-          <a:prstGeom prst="rect">
-            <a:avLst/>
-          </a:prstGeom>
-        </p:spPr>
-        <p:txBody>
-          <a:bodyPr spcFirstLastPara="1" wrap="square" lIns="91425" tIns="91425" rIns="91425" bIns="91425" anchor="t" anchorCtr="0">
-            <a:noAutofit/>
-          </a:bodyPr>
-          <a:lstStyle/>
-          <a:p>
-            <a:pPr marL="0" lvl="0" indent="0" algn="r" rtl="0">
-              <a:spcBef>
-                <a:spcPts val="0"/>
-              </a:spcBef>
-              <a:spcAft>
-                <a:spcPts val="0"/>
-              </a:spcAft>
-              <a:buNone/>
-            </a:pPr>
-            <a:fld id="{00000000-1234-1234-1234-123412341234}" type="slidenum">
-              <a:rPr lang="en"/>
               <a:t>31</a:t>
             </a:fld>
             <a:endParaRPr/>
@@ -25201,58 +26136,10 @@
       </p:sp>
       <p:sp>
         <p:nvSpPr>
-          <p:cNvPr id="13" name="Google Shape;203;p17">
+          <p:cNvPr id="6" name="Google Shape;172;p13">
             <a:extLst>
               <a:ext uri="{FF2B5EF4-FFF2-40B4-BE49-F238E27FC236}">
-                <a16:creationId xmlns:a16="http://schemas.microsoft.com/office/drawing/2014/main" id="{8AC40689-2640-478A-8A1D-675B2849EB22}"/>
-              </a:ext>
-            </a:extLst>
-          </p:cNvPr>
-          <p:cNvSpPr txBox="1">
-            <a:spLocks noGrp="1"/>
-          </p:cNvSpPr>
-          <p:nvPr>
-            <p:ph type="body" idx="1"/>
-          </p:nvPr>
-        </p:nvSpPr>
-        <p:spPr>
-          <a:xfrm>
-            <a:off x="1031425" y="1827130"/>
-            <a:ext cx="5760300" cy="2923463"/>
-          </a:xfrm>
-          <a:prstGeom prst="rect">
-            <a:avLst/>
-          </a:prstGeom>
-        </p:spPr>
-        <p:txBody>
-          <a:bodyPr spcFirstLastPara="1" wrap="square" lIns="91425" tIns="91425" rIns="91425" bIns="91425" anchor="t" anchorCtr="0">
-            <a:noAutofit/>
-          </a:bodyPr>
-          <a:lstStyle/>
-          <a:p>
-            <a:pPr marL="101600" lvl="0" indent="0" algn="l" rtl="0">
-              <a:spcBef>
-                <a:spcPts val="600"/>
-              </a:spcBef>
-              <a:spcAft>
-                <a:spcPts val="0"/>
-              </a:spcAft>
-              <a:buSzPts val="2000"/>
-              <a:buNone/>
-            </a:pPr>
-            <a:br>
-              <a:rPr lang="en-US"/>
-            </a:br>
-            <a:endParaRPr/>
-          </a:p>
-        </p:txBody>
-      </p:sp>
-      <p:sp>
-        <p:nvSpPr>
-          <p:cNvPr id="14" name="Google Shape;172;p13">
-            <a:extLst>
-              <a:ext uri="{FF2B5EF4-FFF2-40B4-BE49-F238E27FC236}">
-                <a16:creationId xmlns:a16="http://schemas.microsoft.com/office/drawing/2014/main" id="{370E5D3B-6109-46A0-A864-BAC62C6565D9}"/>
+                <a16:creationId xmlns:a16="http://schemas.microsoft.com/office/drawing/2014/main" id="{FDA609D1-5B5B-4740-B3BA-8A7B5B70673A}"/>
               </a:ext>
             </a:extLst>
           </p:cNvPr>
@@ -25263,7 +26150,7 @@
         </p:nvSpPr>
         <p:spPr>
           <a:xfrm>
-            <a:off x="1031425" y="1089281"/>
+            <a:off x="1409560" y="740137"/>
             <a:ext cx="5760300" cy="680700"/>
           </a:xfrm>
           <a:prstGeom prst="rect">
@@ -25527,379 +26414,96 @@
           </a:lstStyle>
           <a:p>
             <a:r>
+              <a:rPr lang="en-US" sz="2300" dirty="0" err="1"/>
+              <a:t>Vòng</a:t>
+            </a:r>
+            <a:r>
               <a:rPr lang="en-US" sz="2300" dirty="0"/>
-              <a:t>1. Class Organization</a:t>
-            </a:r>
+              <a:t> </a:t>
+            </a:r>
+            <a:r>
+              <a:rPr lang="en-US" sz="2300" dirty="0" err="1"/>
+              <a:t>thực</a:t>
+            </a:r>
+            <a:r>
+              <a:rPr lang="en-US" sz="2300" dirty="0"/>
+              <a:t> </a:t>
+            </a:r>
+            <a:r>
+              <a:rPr lang="en-US" sz="2300" dirty="0" err="1"/>
+              <a:t>thi</a:t>
+            </a:r>
+            <a:r>
+              <a:rPr lang="en-US" sz="2300" dirty="0"/>
+              <a:t> </a:t>
+            </a:r>
+            <a:r>
+              <a:rPr lang="en-US" sz="2300" dirty="0" err="1"/>
+              <a:t>của</a:t>
+            </a:r>
+            <a:r>
+              <a:rPr lang="en-US" sz="2300" dirty="0"/>
+              <a:t> </a:t>
+            </a:r>
+            <a:r>
+              <a:rPr lang="en-US" sz="2300" dirty="0" err="1"/>
+              <a:t>TDD</a:t>
+            </a:r>
+            <a:endParaRPr lang="en-US" sz="2300" dirty="0"/>
           </a:p>
         </p:txBody>
       </p:sp>
-      <p:sp>
-        <p:nvSpPr>
-          <p:cNvPr id="7" name="Google Shape;203;p17">
+      <p:pic>
+        <p:nvPicPr>
+          <p:cNvPr id="1028" name="Picture 4" descr="Unit Testing trong phát triển phần mềm hiện đại - GP Coder (Lập ...">
             <a:extLst>
               <a:ext uri="{FF2B5EF4-FFF2-40B4-BE49-F238E27FC236}">
-                <a16:creationId xmlns:a16="http://schemas.microsoft.com/office/drawing/2014/main" id="{D7A1DB90-F49A-4601-B096-676504FFBB61}"/>
+                <a16:creationId xmlns:a16="http://schemas.microsoft.com/office/drawing/2014/main" id="{1AD0745D-2903-46F5-BDCA-0689CAC4E42F}"/>
               </a:ext>
             </a:extLst>
           </p:cNvPr>
-          <p:cNvSpPr txBox="1">
-            <a:spLocks/>
-          </p:cNvSpPr>
+          <p:cNvPicPr>
+            <a:picLocks noChangeAspect="1" noChangeArrowheads="1"/>
+          </p:cNvPicPr>
           <p:nvPr/>
-        </p:nvSpPr>
-        <p:spPr>
+        </p:nvPicPr>
+        <p:blipFill>
+          <a:blip r:embed="rId3">
+            <a:extLst>
+              <a:ext uri="{28A0092B-C50C-407E-A947-70E740481C1C}">
+                <a14:useLocalDpi xmlns:a14="http://schemas.microsoft.com/office/drawing/2010/main" val="0"/>
+              </a:ext>
+            </a:extLst>
+          </a:blip>
+          <a:srcRect/>
+          <a:stretch>
+            <a:fillRect/>
+          </a:stretch>
+        </p:blipFill>
+        <p:spPr bwMode="auto">
           <a:xfrm>
-            <a:off x="1124296" y="1827130"/>
-            <a:ext cx="5760300" cy="2416258"/>
+            <a:off x="4289710" y="1420837"/>
+            <a:ext cx="3741663" cy="2513026"/>
           </a:xfrm>
           <a:prstGeom prst="rect">
             <a:avLst/>
           </a:prstGeom>
           <a:noFill/>
-          <a:ln>
-            <a:noFill/>
-          </a:ln>
+          <a:extLst>
+            <a:ext uri="{909E8E84-426E-40DD-AFC4-6F175D3DCCD1}">
+              <a14:hiddenFill xmlns:a14="http://schemas.microsoft.com/office/drawing/2010/main">
+                <a:solidFill>
+                  <a:srgbClr val="FFFFFF"/>
+                </a:solidFill>
+              </a14:hiddenFill>
+            </a:ext>
+          </a:extLst>
         </p:spPr>
-        <p:txBody>
-          <a:bodyPr spcFirstLastPara="1" wrap="square" lIns="91425" tIns="91425" rIns="91425" bIns="91425" anchor="t" anchorCtr="0">
-            <a:noAutofit/>
-          </a:bodyPr>
-          <a:lstStyle>
-            <a:defPPr marR="0" lvl="0" algn="l" rtl="0">
-              <a:lnSpc>
-                <a:spcPct val="100000"/>
-              </a:lnSpc>
-              <a:spcBef>
-                <a:spcPts val="0"/>
-              </a:spcBef>
-              <a:spcAft>
-                <a:spcPts val="0"/>
-              </a:spcAft>
-            </a:defPPr>
-            <a:lvl1pPr marL="457200" marR="0" lvl="0" indent="-342900" algn="l" rtl="0">
-              <a:lnSpc>
-                <a:spcPct val="100000"/>
-              </a:lnSpc>
-              <a:spcBef>
-                <a:spcPts val="600"/>
-              </a:spcBef>
-              <a:spcAft>
-                <a:spcPts val="0"/>
-              </a:spcAft>
-              <a:buClr>
-                <a:srgbClr val="4BB5D9"/>
-              </a:buClr>
-              <a:buSzPts val="1800"/>
-              <a:buFont typeface="Roboto Condensed"/>
-              <a:buChar char="»"/>
-              <a:defRPr sz="1800" b="0" i="0" u="none" strike="noStrike" cap="none">
-                <a:solidFill>
-                  <a:srgbClr val="607896"/>
-                </a:solidFill>
-                <a:latin typeface="Roboto Condensed"/>
-                <a:ea typeface="Roboto Condensed"/>
-                <a:cs typeface="Roboto Condensed"/>
-                <a:sym typeface="Roboto Condensed"/>
-              </a:defRPr>
-            </a:lvl1pPr>
-            <a:lvl2pPr marL="914400" marR="0" lvl="1" indent="-342900" algn="l" rtl="0">
-              <a:lnSpc>
-                <a:spcPct val="100000"/>
-              </a:lnSpc>
-              <a:spcBef>
-                <a:spcPts val="0"/>
-              </a:spcBef>
-              <a:spcAft>
-                <a:spcPts val="0"/>
-              </a:spcAft>
-              <a:buClr>
-                <a:srgbClr val="4BB5D9"/>
-              </a:buClr>
-              <a:buSzPts val="1800"/>
-              <a:buFont typeface="Roboto Condensed"/>
-              <a:buChar char="⋄"/>
-              <a:defRPr sz="1800" b="0" i="0" u="none" strike="noStrike" cap="none">
-                <a:solidFill>
-                  <a:srgbClr val="607896"/>
-                </a:solidFill>
-                <a:latin typeface="Roboto Condensed"/>
-                <a:ea typeface="Roboto Condensed"/>
-                <a:cs typeface="Roboto Condensed"/>
-                <a:sym typeface="Roboto Condensed"/>
-              </a:defRPr>
-            </a:lvl2pPr>
-            <a:lvl3pPr marL="1371600" marR="0" lvl="2" indent="-342900" algn="l" rtl="0">
-              <a:lnSpc>
-                <a:spcPct val="100000"/>
-              </a:lnSpc>
-              <a:spcBef>
-                <a:spcPts val="0"/>
-              </a:spcBef>
-              <a:spcAft>
-                <a:spcPts val="0"/>
-              </a:spcAft>
-              <a:buClr>
-                <a:srgbClr val="607896"/>
-              </a:buClr>
-              <a:buSzPts val="1800"/>
-              <a:buFont typeface="Roboto Condensed"/>
-              <a:buChar char="⋄"/>
-              <a:defRPr sz="1800" b="0" i="0" u="none" strike="noStrike" cap="none">
-                <a:solidFill>
-                  <a:srgbClr val="607896"/>
-                </a:solidFill>
-                <a:latin typeface="Roboto Condensed"/>
-                <a:ea typeface="Roboto Condensed"/>
-                <a:cs typeface="Roboto Condensed"/>
-                <a:sym typeface="Roboto Condensed"/>
-              </a:defRPr>
-            </a:lvl3pPr>
-            <a:lvl4pPr marL="1828800" marR="0" lvl="3" indent="-342900" algn="l" rtl="0">
-              <a:lnSpc>
-                <a:spcPct val="100000"/>
-              </a:lnSpc>
-              <a:spcBef>
-                <a:spcPts val="0"/>
-              </a:spcBef>
-              <a:spcAft>
-                <a:spcPts val="0"/>
-              </a:spcAft>
-              <a:buClr>
-                <a:srgbClr val="607896"/>
-              </a:buClr>
-              <a:buSzPts val="1800"/>
-              <a:buFont typeface="Roboto Condensed"/>
-              <a:buChar char="⋄"/>
-              <a:defRPr sz="1800" b="0" i="0" u="none" strike="noStrike" cap="none">
-                <a:solidFill>
-                  <a:srgbClr val="607896"/>
-                </a:solidFill>
-                <a:latin typeface="Roboto Condensed"/>
-                <a:ea typeface="Roboto Condensed"/>
-                <a:cs typeface="Roboto Condensed"/>
-                <a:sym typeface="Roboto Condensed"/>
-              </a:defRPr>
-            </a:lvl4pPr>
-            <a:lvl5pPr marL="2286000" marR="0" lvl="4" indent="-342900" algn="l" rtl="0">
-              <a:lnSpc>
-                <a:spcPct val="100000"/>
-              </a:lnSpc>
-              <a:spcBef>
-                <a:spcPts val="0"/>
-              </a:spcBef>
-              <a:spcAft>
-                <a:spcPts val="0"/>
-              </a:spcAft>
-              <a:buClr>
-                <a:srgbClr val="607896"/>
-              </a:buClr>
-              <a:buSzPts val="1800"/>
-              <a:buFont typeface="Roboto Condensed"/>
-              <a:buChar char="⋄"/>
-              <a:defRPr sz="1800" b="0" i="0" u="none" strike="noStrike" cap="none">
-                <a:solidFill>
-                  <a:srgbClr val="607896"/>
-                </a:solidFill>
-                <a:latin typeface="Roboto Condensed"/>
-                <a:ea typeface="Roboto Condensed"/>
-                <a:cs typeface="Roboto Condensed"/>
-                <a:sym typeface="Roboto Condensed"/>
-              </a:defRPr>
-            </a:lvl5pPr>
-            <a:lvl6pPr marL="2743200" marR="0" lvl="5" indent="-342900" algn="l" rtl="0">
-              <a:lnSpc>
-                <a:spcPct val="100000"/>
-              </a:lnSpc>
-              <a:spcBef>
-                <a:spcPts val="0"/>
-              </a:spcBef>
-              <a:spcAft>
-                <a:spcPts val="0"/>
-              </a:spcAft>
-              <a:buClr>
-                <a:srgbClr val="607896"/>
-              </a:buClr>
-              <a:buSzPts val="1800"/>
-              <a:buFont typeface="Roboto Condensed"/>
-              <a:buChar char="⋄"/>
-              <a:defRPr sz="1800" b="0" i="0" u="none" strike="noStrike" cap="none">
-                <a:solidFill>
-                  <a:srgbClr val="607896"/>
-                </a:solidFill>
-                <a:latin typeface="Roboto Condensed"/>
-                <a:ea typeface="Roboto Condensed"/>
-                <a:cs typeface="Roboto Condensed"/>
-                <a:sym typeface="Roboto Condensed"/>
-              </a:defRPr>
-            </a:lvl6pPr>
-            <a:lvl7pPr marL="3200400" marR="0" lvl="6" indent="-342900" algn="l" rtl="0">
-              <a:lnSpc>
-                <a:spcPct val="100000"/>
-              </a:lnSpc>
-              <a:spcBef>
-                <a:spcPts val="0"/>
-              </a:spcBef>
-              <a:spcAft>
-                <a:spcPts val="0"/>
-              </a:spcAft>
-              <a:buClr>
-                <a:srgbClr val="607896"/>
-              </a:buClr>
-              <a:buSzPts val="1800"/>
-              <a:buFont typeface="Roboto Condensed"/>
-              <a:buChar char="●"/>
-              <a:defRPr sz="1800" b="0" i="0" u="none" strike="noStrike" cap="none">
-                <a:solidFill>
-                  <a:srgbClr val="607896"/>
-                </a:solidFill>
-                <a:latin typeface="Roboto Condensed"/>
-                <a:ea typeface="Roboto Condensed"/>
-                <a:cs typeface="Roboto Condensed"/>
-                <a:sym typeface="Roboto Condensed"/>
-              </a:defRPr>
-            </a:lvl7pPr>
-            <a:lvl8pPr marL="3657600" marR="0" lvl="7" indent="-342900" algn="l" rtl="0">
-              <a:lnSpc>
-                <a:spcPct val="100000"/>
-              </a:lnSpc>
-              <a:spcBef>
-                <a:spcPts val="0"/>
-              </a:spcBef>
-              <a:spcAft>
-                <a:spcPts val="0"/>
-              </a:spcAft>
-              <a:buClr>
-                <a:srgbClr val="607896"/>
-              </a:buClr>
-              <a:buSzPts val="1800"/>
-              <a:buFont typeface="Roboto Condensed"/>
-              <a:buChar char="○"/>
-              <a:defRPr sz="1800" b="0" i="0" u="none" strike="noStrike" cap="none">
-                <a:solidFill>
-                  <a:srgbClr val="607896"/>
-                </a:solidFill>
-                <a:latin typeface="Roboto Condensed"/>
-                <a:ea typeface="Roboto Condensed"/>
-                <a:cs typeface="Roboto Condensed"/>
-                <a:sym typeface="Roboto Condensed"/>
-              </a:defRPr>
-            </a:lvl8pPr>
-            <a:lvl9pPr marL="4114800" marR="0" lvl="8" indent="-342900" algn="l" rtl="0">
-              <a:lnSpc>
-                <a:spcPct val="100000"/>
-              </a:lnSpc>
-              <a:spcBef>
-                <a:spcPts val="0"/>
-              </a:spcBef>
-              <a:spcAft>
-                <a:spcPts val="0"/>
-              </a:spcAft>
-              <a:buClr>
-                <a:srgbClr val="607896"/>
-              </a:buClr>
-              <a:buSzPts val="1800"/>
-              <a:buFont typeface="Roboto Condensed"/>
-              <a:buChar char="■"/>
-              <a:defRPr sz="1800" b="0" i="0" u="none" strike="noStrike" cap="none">
-                <a:solidFill>
-                  <a:srgbClr val="607896"/>
-                </a:solidFill>
-                <a:latin typeface="Roboto Condensed"/>
-                <a:ea typeface="Roboto Condensed"/>
-                <a:cs typeface="Roboto Condensed"/>
-                <a:sym typeface="Roboto Condensed"/>
-              </a:defRPr>
-            </a:lvl9pPr>
-          </a:lstStyle>
-          <a:p>
-            <a:pPr marL="101600" indent="0">
-              <a:buSzPts val="2000"/>
-              <a:buNone/>
-            </a:pPr>
-            <a:r>
-              <a:rPr lang="en-US" dirty="0"/>
-              <a:t>Class </a:t>
-            </a:r>
-            <a:r>
-              <a:rPr lang="en-US" dirty="0" err="1"/>
-              <a:t>nên</a:t>
-            </a:r>
-            <a:r>
-              <a:rPr lang="en-US" dirty="0"/>
-              <a:t> </a:t>
-            </a:r>
-            <a:r>
-              <a:rPr lang="en-US" dirty="0" err="1"/>
-              <a:t>bắt</a:t>
-            </a:r>
-            <a:r>
-              <a:rPr lang="en-US" dirty="0"/>
-              <a:t> </a:t>
-            </a:r>
-            <a:r>
-              <a:rPr lang="en-US" dirty="0" err="1"/>
-              <a:t>đầu</a:t>
-            </a:r>
-            <a:r>
-              <a:rPr lang="en-US" dirty="0"/>
-              <a:t> </a:t>
-            </a:r>
-            <a:r>
-              <a:rPr lang="en-US" dirty="0" err="1"/>
-              <a:t>với</a:t>
-            </a:r>
-            <a:r>
-              <a:rPr lang="en-US" dirty="0"/>
-              <a:t> </a:t>
-            </a:r>
-            <a:r>
-              <a:rPr lang="en-US" dirty="0" err="1"/>
-              <a:t>một</a:t>
-            </a:r>
-            <a:r>
-              <a:rPr lang="en-US" dirty="0"/>
-              <a:t> </a:t>
-            </a:r>
-            <a:r>
-              <a:rPr lang="en-US" dirty="0" err="1"/>
-              <a:t>danh</a:t>
-            </a:r>
-            <a:r>
-              <a:rPr lang="en-US" dirty="0"/>
-              <a:t> </a:t>
-            </a:r>
-            <a:r>
-              <a:rPr lang="en-US" dirty="0" err="1"/>
-              <a:t>sách</a:t>
-            </a:r>
-            <a:r>
-              <a:rPr lang="en-US" dirty="0"/>
-              <a:t> </a:t>
-            </a:r>
-            <a:r>
-              <a:rPr lang="en-US" dirty="0" err="1"/>
-              <a:t>các</a:t>
-            </a:r>
-            <a:r>
-              <a:rPr lang="en-US" dirty="0"/>
-              <a:t> </a:t>
-            </a:r>
-            <a:r>
-              <a:rPr lang="en-US" dirty="0" err="1"/>
-              <a:t>biến</a:t>
-            </a:r>
-            <a:r>
-              <a:rPr lang="en-US" dirty="0"/>
-              <a:t>.</a:t>
-            </a:r>
-            <a:endParaRPr lang="vi-VN" dirty="0"/>
-          </a:p>
-        </p:txBody>
-      </p:sp>
+      </p:pic>
     </p:spTree>
     <p:extLst>
       <p:ext uri="{BB962C8B-B14F-4D97-AF65-F5344CB8AC3E}">
-        <p14:creationId xmlns:p14="http://schemas.microsoft.com/office/powerpoint/2010/main" val="555581232"/>
+        <p14:creationId xmlns:p14="http://schemas.microsoft.com/office/powerpoint/2010/main" val="1128896422"/>
       </p:ext>
     </p:extLst>
   </p:cSld>
@@ -26339,7 +26943,7 @@
           <a:p>
             <a:r>
               <a:rPr lang="en-US" sz="2300" dirty="0"/>
-              <a:t>2. Classes Should Be Small</a:t>
+              <a:t>1. Class Organization</a:t>
             </a:r>
           </a:p>
         </p:txBody>
@@ -26623,12 +27227,17 @@
             </a:lvl9pPr>
           </a:lstStyle>
           <a:p>
-            <a:pPr marL="387350" indent="-285750">
+            <a:pPr marL="101600" indent="0">
               <a:buSzPts val="2000"/>
+              <a:buNone/>
             </a:pPr>
             <a:r>
-              <a:rPr lang="en-US" dirty="0" err="1"/>
-              <a:t>Nguyên</a:t>
+              <a:rPr lang="en-US" dirty="0"/>
+              <a:t>Class </a:t>
+            </a:r>
+            <a:r>
+              <a:rPr lang="en-US" dirty="0" err="1"/>
+              <a:t>nên</a:t>
             </a:r>
             <a:r>
               <a:rPr lang="en-US" dirty="0"/>
@@ -26636,15 +27245,7 @@
             </a:r>
             <a:r>
               <a:rPr lang="en-US" dirty="0" err="1"/>
-              <a:t>tắc</a:t>
-            </a:r>
-            <a:r>
-              <a:rPr lang="en-US" dirty="0"/>
-              <a:t> 1: Class </a:t>
-            </a:r>
-            <a:r>
-              <a:rPr lang="en-US" dirty="0" err="1"/>
-              <a:t>nên</a:t>
+              <a:t>bắt</a:t>
             </a:r>
             <a:r>
               <a:rPr lang="en-US" dirty="0"/>
@@ -26652,17 +27253,7 @@
             </a:r>
             <a:r>
               <a:rPr lang="en-US" dirty="0" err="1"/>
-              <a:t>nhỏ</a:t>
-            </a:r>
-            <a:endParaRPr lang="en-US" dirty="0"/>
-          </a:p>
-          <a:p>
-            <a:pPr marL="387350" indent="-285750">
-              <a:buSzPts val="2000"/>
-            </a:pPr>
-            <a:r>
-              <a:rPr lang="en-US" dirty="0" err="1"/>
-              <a:t>Nguyên</a:t>
+              <a:t>đầu</a:t>
             </a:r>
             <a:r>
               <a:rPr lang="en-US" dirty="0"/>
@@ -26670,15 +27261,7 @@
             </a:r>
             <a:r>
               <a:rPr lang="en-US" dirty="0" err="1"/>
-              <a:t>tắc</a:t>
-            </a:r>
-            <a:r>
-              <a:rPr lang="en-US" dirty="0"/>
-              <a:t> 2: Class </a:t>
-            </a:r>
-            <a:r>
-              <a:rPr lang="en-US" dirty="0" err="1"/>
-              <a:t>nên</a:t>
+              <a:t>với</a:t>
             </a:r>
             <a:r>
               <a:rPr lang="en-US" dirty="0"/>
@@ -26686,7 +27269,7 @@
             </a:r>
             <a:r>
               <a:rPr lang="en-US" dirty="0" err="1"/>
-              <a:t>nhỏ</a:t>
+              <a:t>một</a:t>
             </a:r>
             <a:r>
               <a:rPr lang="en-US" dirty="0"/>
@@ -26694,7 +27277,7 @@
             </a:r>
             <a:r>
               <a:rPr lang="en-US" dirty="0" err="1"/>
-              <a:t>hơn</a:t>
+              <a:t>danh</a:t>
             </a:r>
             <a:r>
               <a:rPr lang="en-US" dirty="0"/>
@@ -26702,16 +27285,66 @@
             </a:r>
             <a:r>
               <a:rPr lang="en-US" dirty="0" err="1"/>
-              <a:t>nữa</a:t>
+              <a:t>sách</a:t>
+            </a:r>
+            <a:r>
+              <a:rPr lang="en-US" dirty="0"/>
+              <a:t> </a:t>
+            </a:r>
+            <a:r>
+              <a:rPr lang="en-US" dirty="0" err="1"/>
+              <a:t>các</a:t>
+            </a:r>
+            <a:r>
+              <a:rPr lang="en-US" dirty="0"/>
+              <a:t> </a:t>
+            </a:r>
+            <a:r>
+              <a:rPr lang="en-US" dirty="0" err="1"/>
+              <a:t>biến</a:t>
+            </a:r>
+            <a:r>
+              <a:rPr lang="en-US" dirty="0"/>
+              <a:t>.</a:t>
             </a:r>
             <a:endParaRPr lang="vi-VN" dirty="0"/>
           </a:p>
         </p:txBody>
       </p:sp>
+      <p:pic>
+        <p:nvPicPr>
+          <p:cNvPr id="3" name="Hình ảnh 2">
+            <a:extLst>
+              <a:ext uri="{FF2B5EF4-FFF2-40B4-BE49-F238E27FC236}">
+                <a16:creationId xmlns:a16="http://schemas.microsoft.com/office/drawing/2014/main" id="{BEEFAAD5-4765-428A-84BF-126A42CD6F53}"/>
+              </a:ext>
+            </a:extLst>
+          </p:cNvPr>
+          <p:cNvPicPr>
+            <a:picLocks noChangeAspect="1"/>
+          </p:cNvPicPr>
+          <p:nvPr/>
+        </p:nvPicPr>
+        <p:blipFill>
+          <a:blip r:embed="rId3"/>
+          <a:stretch>
+            <a:fillRect/>
+          </a:stretch>
+        </p:blipFill>
+        <p:spPr>
+          <a:xfrm>
+            <a:off x="2945659" y="2760223"/>
+            <a:ext cx="2438400" cy="1057275"/>
+          </a:xfrm>
+          <a:prstGeom prst="rect">
+            <a:avLst/>
+          </a:prstGeom>
+        </p:spPr>
+      </p:pic>
     </p:spTree>
     <p:extLst>
       <p:ext uri="{BB962C8B-B14F-4D97-AF65-F5344CB8AC3E}">
-        <p14:creationId xmlns:p14="http://schemas.microsoft.com/office/powerpoint/2010/main" val="100309135"/>
+        <p14:creationId xmlns:p14="http://schemas.microsoft.com/office/powerpoint/2010/main" val="555581232"/>
       </p:ext>
     </p:extLst>
   </p:cSld>
@@ -27151,15 +27784,7 @@
           <a:p>
             <a:r>
               <a:rPr lang="en-US" sz="2300" dirty="0"/>
-              <a:t>3. Single </a:t>
-            </a:r>
-            <a:r>
-              <a:rPr lang="en-US" sz="2300" dirty="0" err="1"/>
-              <a:t>Reponsibility</a:t>
-            </a:r>
-            <a:r>
-              <a:rPr lang="en-US" sz="2300" dirty="0"/>
-              <a:t> Principle</a:t>
+              <a:t>2. Classes Should Be Small</a:t>
             </a:r>
           </a:p>
         </p:txBody>
@@ -27443,17 +28068,12 @@
             </a:lvl9pPr>
           </a:lstStyle>
           <a:p>
-            <a:pPr marL="101600" indent="0">
+            <a:pPr marL="387350" indent="-285750">
               <a:buSzPts val="2000"/>
-              <a:buNone/>
             </a:pPr>
             <a:r>
-              <a:rPr lang="en-US" dirty="0"/>
-              <a:t> </a:t>
-            </a:r>
-            <a:r>
-              <a:rPr lang="en-US" dirty="0" err="1"/>
-              <a:t>Mỗi</a:t>
+              <a:rPr lang="en-US" dirty="0" err="1"/>
+              <a:t>Nguyên</a:t>
             </a:r>
             <a:r>
               <a:rPr lang="en-US" dirty="0"/>
@@ -27461,7 +28081,15 @@
             </a:r>
             <a:r>
               <a:rPr lang="en-US" dirty="0" err="1"/>
-              <a:t>lớp</a:t>
+              <a:t>tắc</a:t>
+            </a:r>
+            <a:r>
+              <a:rPr lang="en-US" dirty="0"/>
+              <a:t> 1: Class </a:t>
+            </a:r>
+            <a:r>
+              <a:rPr lang="en-US" dirty="0" err="1"/>
+              <a:t>nên</a:t>
             </a:r>
             <a:r>
               <a:rPr lang="en-US" dirty="0"/>
@@ -27469,7 +28097,17 @@
             </a:r>
             <a:r>
               <a:rPr lang="en-US" dirty="0" err="1"/>
-              <a:t>chỉ</a:t>
+              <a:t>nhỏ</a:t>
+            </a:r>
+            <a:endParaRPr lang="en-US" dirty="0"/>
+          </a:p>
+          <a:p>
+            <a:pPr marL="387350" indent="-285750">
+              <a:buSzPts val="2000"/>
+            </a:pPr>
+            <a:r>
+              <a:rPr lang="en-US" dirty="0" err="1"/>
+              <a:t>Nguyên</a:t>
             </a:r>
             <a:r>
               <a:rPr lang="en-US" dirty="0"/>
@@ -27477,6 +28115,14 @@
             </a:r>
             <a:r>
               <a:rPr lang="en-US" dirty="0" err="1"/>
+              <a:t>tắc</a:t>
+            </a:r>
+            <a:r>
+              <a:rPr lang="en-US" dirty="0"/>
+              <a:t> 2: Class </a:t>
+            </a:r>
+            <a:r>
+              <a:rPr lang="en-US" dirty="0" err="1"/>
               <a:t>nên</a:t>
             </a:r>
             <a:r>
@@ -27485,7 +28131,7 @@
             </a:r>
             <a:r>
               <a:rPr lang="en-US" dirty="0" err="1"/>
-              <a:t>chịu</a:t>
+              <a:t>nhỏ</a:t>
             </a:r>
             <a:r>
               <a:rPr lang="en-US" dirty="0"/>
@@ -27493,7 +28139,7 @@
             </a:r>
             <a:r>
               <a:rPr lang="en-US" dirty="0" err="1"/>
-              <a:t>trách</a:t>
+              <a:t>hơn</a:t>
             </a:r>
             <a:r>
               <a:rPr lang="en-US" dirty="0"/>
@@ -27501,91 +28147,7 @@
             </a:r>
             <a:r>
               <a:rPr lang="en-US" dirty="0" err="1"/>
-              <a:t>nhiệm</a:t>
-            </a:r>
-            <a:r>
-              <a:rPr lang="en-US" dirty="0"/>
-              <a:t> </a:t>
-            </a:r>
-            <a:r>
-              <a:rPr lang="en-US" dirty="0" err="1"/>
-              <a:t>về</a:t>
-            </a:r>
-            <a:r>
-              <a:rPr lang="en-US" dirty="0"/>
-              <a:t> </a:t>
-            </a:r>
-            <a:r>
-              <a:rPr lang="en-US" dirty="0" err="1"/>
-              <a:t>một</a:t>
-            </a:r>
-            <a:r>
-              <a:rPr lang="en-US" dirty="0"/>
-              <a:t> </a:t>
-            </a:r>
-            <a:r>
-              <a:rPr lang="en-US" dirty="0" err="1"/>
-              <a:t>nhiệm</a:t>
-            </a:r>
-            <a:r>
-              <a:rPr lang="en-US" dirty="0"/>
-              <a:t> </a:t>
-            </a:r>
-            <a:r>
-              <a:rPr lang="en-US" dirty="0" err="1"/>
-              <a:t>vụ</a:t>
-            </a:r>
-            <a:r>
-              <a:rPr lang="en-US" dirty="0"/>
-              <a:t> </a:t>
-            </a:r>
-            <a:r>
-              <a:rPr lang="en-US" dirty="0" err="1"/>
-              <a:t>cụ</a:t>
-            </a:r>
-            <a:r>
-              <a:rPr lang="en-US" dirty="0"/>
-              <a:t> </a:t>
-            </a:r>
-            <a:r>
-              <a:rPr lang="en-US" dirty="0" err="1"/>
-              <a:t>thể</a:t>
-            </a:r>
-            <a:r>
-              <a:rPr lang="en-US" dirty="0"/>
-              <a:t> </a:t>
-            </a:r>
-            <a:r>
-              <a:rPr lang="en-US" dirty="0" err="1"/>
-              <a:t>nào</a:t>
-            </a:r>
-            <a:r>
-              <a:rPr lang="en-US" dirty="0"/>
-              <a:t> </a:t>
-            </a:r>
-            <a:r>
-              <a:rPr lang="en-US" dirty="0" err="1"/>
-              <a:t>đó</a:t>
-            </a:r>
-            <a:r>
-              <a:rPr lang="en-US" dirty="0"/>
-              <a:t> </a:t>
-            </a:r>
-            <a:r>
-              <a:rPr lang="en-US" dirty="0" err="1"/>
-              <a:t>mà</a:t>
-            </a:r>
-            <a:r>
-              <a:rPr lang="en-US" dirty="0"/>
-              <a:t> </a:t>
-            </a:r>
-            <a:r>
-              <a:rPr lang="en-US" dirty="0" err="1"/>
-              <a:t>thôi</a:t>
-            </a:r>
-            <a:r>
-              <a:rPr lang="en-US" dirty="0"/>
-              <a:t>.</a:t>
+              <a:t>nữa</a:t>
             </a:r>
             <a:endParaRPr lang="vi-VN" dirty="0"/>
           </a:p>
@@ -27594,7 +28156,7 @@
     </p:spTree>
     <p:extLst>
       <p:ext uri="{BB962C8B-B14F-4D97-AF65-F5344CB8AC3E}">
-        <p14:creationId xmlns:p14="http://schemas.microsoft.com/office/powerpoint/2010/main" val="1801066643"/>
+        <p14:creationId xmlns:p14="http://schemas.microsoft.com/office/powerpoint/2010/main" val="100309135"/>
       </p:ext>
     </p:extLst>
   </p:cSld>
@@ -27769,7 +28331,7 @@
         </p:nvSpPr>
         <p:spPr>
           <a:xfrm>
-            <a:off x="1545032" y="484163"/>
+            <a:off x="1031425" y="1089281"/>
             <a:ext cx="5760300" cy="680700"/>
           </a:xfrm>
           <a:prstGeom prst="rect">
@@ -28047,38 +28609,437 @@
           </a:p>
         </p:txBody>
       </p:sp>
-      <p:pic>
-        <p:nvPicPr>
-          <p:cNvPr id="10" name="Hình ảnh 9">
+      <p:sp>
+        <p:nvSpPr>
+          <p:cNvPr id="7" name="Google Shape;203;p17">
             <a:extLst>
               <a:ext uri="{FF2B5EF4-FFF2-40B4-BE49-F238E27FC236}">
-                <a16:creationId xmlns:a16="http://schemas.microsoft.com/office/drawing/2014/main" id="{C4345347-BF4D-4B6D-A178-13D461052DC4}"/>
+                <a16:creationId xmlns:a16="http://schemas.microsoft.com/office/drawing/2014/main" id="{D7A1DB90-F49A-4601-B096-676504FFBB61}"/>
               </a:ext>
             </a:extLst>
           </p:cNvPr>
-          <p:cNvPicPr/>
+          <p:cNvSpPr txBox="1">
+            <a:spLocks/>
+          </p:cNvSpPr>
           <p:nvPr/>
-        </p:nvPicPr>
-        <p:blipFill>
-          <a:blip r:embed="rId3"/>
-          <a:stretch>
-            <a:fillRect/>
-          </a:stretch>
-        </p:blipFill>
+        </p:nvSpPr>
         <p:spPr>
           <a:xfrm>
-            <a:off x="2269591" y="1344706"/>
-            <a:ext cx="4522134" cy="3494208"/>
+            <a:off x="1124296" y="1827130"/>
+            <a:ext cx="5760300" cy="2416258"/>
           </a:xfrm>
           <a:prstGeom prst="rect">
             <a:avLst/>
           </a:prstGeom>
+          <a:noFill/>
+          <a:ln>
+            <a:noFill/>
+          </a:ln>
         </p:spPr>
-      </p:pic>
+        <p:txBody>
+          <a:bodyPr spcFirstLastPara="1" wrap="square" lIns="91425" tIns="91425" rIns="91425" bIns="91425" anchor="t" anchorCtr="0">
+            <a:noAutofit/>
+          </a:bodyPr>
+          <a:lstStyle>
+            <a:defPPr marR="0" lvl="0" algn="l" rtl="0">
+              <a:lnSpc>
+                <a:spcPct val="100000"/>
+              </a:lnSpc>
+              <a:spcBef>
+                <a:spcPts val="0"/>
+              </a:spcBef>
+              <a:spcAft>
+                <a:spcPts val="0"/>
+              </a:spcAft>
+            </a:defPPr>
+            <a:lvl1pPr marL="457200" marR="0" lvl="0" indent="-342900" algn="l" rtl="0">
+              <a:lnSpc>
+                <a:spcPct val="100000"/>
+              </a:lnSpc>
+              <a:spcBef>
+                <a:spcPts val="600"/>
+              </a:spcBef>
+              <a:spcAft>
+                <a:spcPts val="0"/>
+              </a:spcAft>
+              <a:buClr>
+                <a:srgbClr val="4BB5D9"/>
+              </a:buClr>
+              <a:buSzPts val="1800"/>
+              <a:buFont typeface="Roboto Condensed"/>
+              <a:buChar char="»"/>
+              <a:defRPr sz="1800" b="0" i="0" u="none" strike="noStrike" cap="none">
+                <a:solidFill>
+                  <a:srgbClr val="607896"/>
+                </a:solidFill>
+                <a:latin typeface="Roboto Condensed"/>
+                <a:ea typeface="Roboto Condensed"/>
+                <a:cs typeface="Roboto Condensed"/>
+                <a:sym typeface="Roboto Condensed"/>
+              </a:defRPr>
+            </a:lvl1pPr>
+            <a:lvl2pPr marL="914400" marR="0" lvl="1" indent="-342900" algn="l" rtl="0">
+              <a:lnSpc>
+                <a:spcPct val="100000"/>
+              </a:lnSpc>
+              <a:spcBef>
+                <a:spcPts val="0"/>
+              </a:spcBef>
+              <a:spcAft>
+                <a:spcPts val="0"/>
+              </a:spcAft>
+              <a:buClr>
+                <a:srgbClr val="4BB5D9"/>
+              </a:buClr>
+              <a:buSzPts val="1800"/>
+              <a:buFont typeface="Roboto Condensed"/>
+              <a:buChar char="⋄"/>
+              <a:defRPr sz="1800" b="0" i="0" u="none" strike="noStrike" cap="none">
+                <a:solidFill>
+                  <a:srgbClr val="607896"/>
+                </a:solidFill>
+                <a:latin typeface="Roboto Condensed"/>
+                <a:ea typeface="Roboto Condensed"/>
+                <a:cs typeface="Roboto Condensed"/>
+                <a:sym typeface="Roboto Condensed"/>
+              </a:defRPr>
+            </a:lvl2pPr>
+            <a:lvl3pPr marL="1371600" marR="0" lvl="2" indent="-342900" algn="l" rtl="0">
+              <a:lnSpc>
+                <a:spcPct val="100000"/>
+              </a:lnSpc>
+              <a:spcBef>
+                <a:spcPts val="0"/>
+              </a:spcBef>
+              <a:spcAft>
+                <a:spcPts val="0"/>
+              </a:spcAft>
+              <a:buClr>
+                <a:srgbClr val="607896"/>
+              </a:buClr>
+              <a:buSzPts val="1800"/>
+              <a:buFont typeface="Roboto Condensed"/>
+              <a:buChar char="⋄"/>
+              <a:defRPr sz="1800" b="0" i="0" u="none" strike="noStrike" cap="none">
+                <a:solidFill>
+                  <a:srgbClr val="607896"/>
+                </a:solidFill>
+                <a:latin typeface="Roboto Condensed"/>
+                <a:ea typeface="Roboto Condensed"/>
+                <a:cs typeface="Roboto Condensed"/>
+                <a:sym typeface="Roboto Condensed"/>
+              </a:defRPr>
+            </a:lvl3pPr>
+            <a:lvl4pPr marL="1828800" marR="0" lvl="3" indent="-342900" algn="l" rtl="0">
+              <a:lnSpc>
+                <a:spcPct val="100000"/>
+              </a:lnSpc>
+              <a:spcBef>
+                <a:spcPts val="0"/>
+              </a:spcBef>
+              <a:spcAft>
+                <a:spcPts val="0"/>
+              </a:spcAft>
+              <a:buClr>
+                <a:srgbClr val="607896"/>
+              </a:buClr>
+              <a:buSzPts val="1800"/>
+              <a:buFont typeface="Roboto Condensed"/>
+              <a:buChar char="⋄"/>
+              <a:defRPr sz="1800" b="0" i="0" u="none" strike="noStrike" cap="none">
+                <a:solidFill>
+                  <a:srgbClr val="607896"/>
+                </a:solidFill>
+                <a:latin typeface="Roboto Condensed"/>
+                <a:ea typeface="Roboto Condensed"/>
+                <a:cs typeface="Roboto Condensed"/>
+                <a:sym typeface="Roboto Condensed"/>
+              </a:defRPr>
+            </a:lvl4pPr>
+            <a:lvl5pPr marL="2286000" marR="0" lvl="4" indent="-342900" algn="l" rtl="0">
+              <a:lnSpc>
+                <a:spcPct val="100000"/>
+              </a:lnSpc>
+              <a:spcBef>
+                <a:spcPts val="0"/>
+              </a:spcBef>
+              <a:spcAft>
+                <a:spcPts val="0"/>
+              </a:spcAft>
+              <a:buClr>
+                <a:srgbClr val="607896"/>
+              </a:buClr>
+              <a:buSzPts val="1800"/>
+              <a:buFont typeface="Roboto Condensed"/>
+              <a:buChar char="⋄"/>
+              <a:defRPr sz="1800" b="0" i="0" u="none" strike="noStrike" cap="none">
+                <a:solidFill>
+                  <a:srgbClr val="607896"/>
+                </a:solidFill>
+                <a:latin typeface="Roboto Condensed"/>
+                <a:ea typeface="Roboto Condensed"/>
+                <a:cs typeface="Roboto Condensed"/>
+                <a:sym typeface="Roboto Condensed"/>
+              </a:defRPr>
+            </a:lvl5pPr>
+            <a:lvl6pPr marL="2743200" marR="0" lvl="5" indent="-342900" algn="l" rtl="0">
+              <a:lnSpc>
+                <a:spcPct val="100000"/>
+              </a:lnSpc>
+              <a:spcBef>
+                <a:spcPts val="0"/>
+              </a:spcBef>
+              <a:spcAft>
+                <a:spcPts val="0"/>
+              </a:spcAft>
+              <a:buClr>
+                <a:srgbClr val="607896"/>
+              </a:buClr>
+              <a:buSzPts val="1800"/>
+              <a:buFont typeface="Roboto Condensed"/>
+              <a:buChar char="⋄"/>
+              <a:defRPr sz="1800" b="0" i="0" u="none" strike="noStrike" cap="none">
+                <a:solidFill>
+                  <a:srgbClr val="607896"/>
+                </a:solidFill>
+                <a:latin typeface="Roboto Condensed"/>
+                <a:ea typeface="Roboto Condensed"/>
+                <a:cs typeface="Roboto Condensed"/>
+                <a:sym typeface="Roboto Condensed"/>
+              </a:defRPr>
+            </a:lvl6pPr>
+            <a:lvl7pPr marL="3200400" marR="0" lvl="6" indent="-342900" algn="l" rtl="0">
+              <a:lnSpc>
+                <a:spcPct val="100000"/>
+              </a:lnSpc>
+              <a:spcBef>
+                <a:spcPts val="0"/>
+              </a:spcBef>
+              <a:spcAft>
+                <a:spcPts val="0"/>
+              </a:spcAft>
+              <a:buClr>
+                <a:srgbClr val="607896"/>
+              </a:buClr>
+              <a:buSzPts val="1800"/>
+              <a:buFont typeface="Roboto Condensed"/>
+              <a:buChar char="●"/>
+              <a:defRPr sz="1800" b="0" i="0" u="none" strike="noStrike" cap="none">
+                <a:solidFill>
+                  <a:srgbClr val="607896"/>
+                </a:solidFill>
+                <a:latin typeface="Roboto Condensed"/>
+                <a:ea typeface="Roboto Condensed"/>
+                <a:cs typeface="Roboto Condensed"/>
+                <a:sym typeface="Roboto Condensed"/>
+              </a:defRPr>
+            </a:lvl7pPr>
+            <a:lvl8pPr marL="3657600" marR="0" lvl="7" indent="-342900" algn="l" rtl="0">
+              <a:lnSpc>
+                <a:spcPct val="100000"/>
+              </a:lnSpc>
+              <a:spcBef>
+                <a:spcPts val="0"/>
+              </a:spcBef>
+              <a:spcAft>
+                <a:spcPts val="0"/>
+              </a:spcAft>
+              <a:buClr>
+                <a:srgbClr val="607896"/>
+              </a:buClr>
+              <a:buSzPts val="1800"/>
+              <a:buFont typeface="Roboto Condensed"/>
+              <a:buChar char="○"/>
+              <a:defRPr sz="1800" b="0" i="0" u="none" strike="noStrike" cap="none">
+                <a:solidFill>
+                  <a:srgbClr val="607896"/>
+                </a:solidFill>
+                <a:latin typeface="Roboto Condensed"/>
+                <a:ea typeface="Roboto Condensed"/>
+                <a:cs typeface="Roboto Condensed"/>
+                <a:sym typeface="Roboto Condensed"/>
+              </a:defRPr>
+            </a:lvl8pPr>
+            <a:lvl9pPr marL="4114800" marR="0" lvl="8" indent="-342900" algn="l" rtl="0">
+              <a:lnSpc>
+                <a:spcPct val="100000"/>
+              </a:lnSpc>
+              <a:spcBef>
+                <a:spcPts val="0"/>
+              </a:spcBef>
+              <a:spcAft>
+                <a:spcPts val="0"/>
+              </a:spcAft>
+              <a:buClr>
+                <a:srgbClr val="607896"/>
+              </a:buClr>
+              <a:buSzPts val="1800"/>
+              <a:buFont typeface="Roboto Condensed"/>
+              <a:buChar char="■"/>
+              <a:defRPr sz="1800" b="0" i="0" u="none" strike="noStrike" cap="none">
+                <a:solidFill>
+                  <a:srgbClr val="607896"/>
+                </a:solidFill>
+                <a:latin typeface="Roboto Condensed"/>
+                <a:ea typeface="Roboto Condensed"/>
+                <a:cs typeface="Roboto Condensed"/>
+                <a:sym typeface="Roboto Condensed"/>
+              </a:defRPr>
+            </a:lvl9pPr>
+          </a:lstStyle>
+          <a:p>
+            <a:pPr marL="101600" indent="0">
+              <a:buSzPts val="2000"/>
+              <a:buNone/>
+            </a:pPr>
+            <a:r>
+              <a:rPr lang="en-US" dirty="0"/>
+              <a:t> </a:t>
+            </a:r>
+            <a:r>
+              <a:rPr lang="en-US" dirty="0" err="1"/>
+              <a:t>Mỗi</a:t>
+            </a:r>
+            <a:r>
+              <a:rPr lang="en-US" dirty="0"/>
+              <a:t> </a:t>
+            </a:r>
+            <a:r>
+              <a:rPr lang="en-US" dirty="0" err="1"/>
+              <a:t>lớp</a:t>
+            </a:r>
+            <a:r>
+              <a:rPr lang="en-US" dirty="0"/>
+              <a:t> </a:t>
+            </a:r>
+            <a:r>
+              <a:rPr lang="en-US" dirty="0" err="1"/>
+              <a:t>chỉ</a:t>
+            </a:r>
+            <a:r>
+              <a:rPr lang="en-US" dirty="0"/>
+              <a:t> </a:t>
+            </a:r>
+            <a:r>
+              <a:rPr lang="en-US" dirty="0" err="1"/>
+              <a:t>nên</a:t>
+            </a:r>
+            <a:r>
+              <a:rPr lang="en-US" dirty="0"/>
+              <a:t> </a:t>
+            </a:r>
+            <a:r>
+              <a:rPr lang="en-US" dirty="0" err="1"/>
+              <a:t>chịu</a:t>
+            </a:r>
+            <a:r>
+              <a:rPr lang="en-US" dirty="0"/>
+              <a:t> </a:t>
+            </a:r>
+            <a:r>
+              <a:rPr lang="en-US" dirty="0" err="1"/>
+              <a:t>trách</a:t>
+            </a:r>
+            <a:r>
+              <a:rPr lang="en-US" dirty="0"/>
+              <a:t> </a:t>
+            </a:r>
+            <a:r>
+              <a:rPr lang="en-US" dirty="0" err="1"/>
+              <a:t>nhiệm</a:t>
+            </a:r>
+            <a:r>
+              <a:rPr lang="en-US" dirty="0"/>
+              <a:t> </a:t>
+            </a:r>
+            <a:r>
+              <a:rPr lang="en-US" dirty="0" err="1"/>
+              <a:t>về</a:t>
+            </a:r>
+            <a:r>
+              <a:rPr lang="en-US" dirty="0"/>
+              <a:t> </a:t>
+            </a:r>
+            <a:r>
+              <a:rPr lang="en-US" dirty="0" err="1"/>
+              <a:t>một</a:t>
+            </a:r>
+            <a:r>
+              <a:rPr lang="en-US" dirty="0"/>
+              <a:t> </a:t>
+            </a:r>
+            <a:r>
+              <a:rPr lang="en-US" dirty="0" err="1"/>
+              <a:t>nhiệm</a:t>
+            </a:r>
+            <a:r>
+              <a:rPr lang="en-US" dirty="0"/>
+              <a:t> </a:t>
+            </a:r>
+            <a:r>
+              <a:rPr lang="en-US" dirty="0" err="1"/>
+              <a:t>vụ</a:t>
+            </a:r>
+            <a:r>
+              <a:rPr lang="en-US" dirty="0"/>
+              <a:t> </a:t>
+            </a:r>
+            <a:r>
+              <a:rPr lang="en-US" dirty="0" err="1"/>
+              <a:t>cụ</a:t>
+            </a:r>
+            <a:r>
+              <a:rPr lang="en-US" dirty="0"/>
+              <a:t> </a:t>
+            </a:r>
+            <a:r>
+              <a:rPr lang="en-US" dirty="0" err="1"/>
+              <a:t>thể</a:t>
+            </a:r>
+            <a:r>
+              <a:rPr lang="en-US" dirty="0"/>
+              <a:t> </a:t>
+            </a:r>
+            <a:r>
+              <a:rPr lang="en-US" dirty="0" err="1"/>
+              <a:t>nào</a:t>
+            </a:r>
+            <a:r>
+              <a:rPr lang="en-US" dirty="0"/>
+              <a:t> </a:t>
+            </a:r>
+            <a:r>
+              <a:rPr lang="en-US" dirty="0" err="1"/>
+              <a:t>đó</a:t>
+            </a:r>
+            <a:r>
+              <a:rPr lang="en-US" dirty="0"/>
+              <a:t> </a:t>
+            </a:r>
+            <a:r>
+              <a:rPr lang="en-US" dirty="0" err="1"/>
+              <a:t>mà</a:t>
+            </a:r>
+            <a:r>
+              <a:rPr lang="en-US" dirty="0"/>
+              <a:t> </a:t>
+            </a:r>
+            <a:r>
+              <a:rPr lang="en-US" dirty="0" err="1"/>
+              <a:t>thôi</a:t>
+            </a:r>
+            <a:r>
+              <a:rPr lang="en-US" dirty="0"/>
+              <a:t>.</a:t>
+            </a:r>
+            <a:endParaRPr lang="vi-VN" dirty="0"/>
+          </a:p>
+        </p:txBody>
+      </p:sp>
     </p:spTree>
     <p:extLst>
       <p:ext uri="{BB962C8B-B14F-4D97-AF65-F5344CB8AC3E}">
-        <p14:creationId xmlns:p14="http://schemas.microsoft.com/office/powerpoint/2010/main" val="1263611546"/>
+        <p14:creationId xmlns:p14="http://schemas.microsoft.com/office/powerpoint/2010/main" val="1801066643"/>
       </p:ext>
     </p:extLst>
   </p:cSld>
@@ -28533,10 +29494,10 @@
       </p:sp>
       <p:pic>
         <p:nvPicPr>
-          <p:cNvPr id="7" name="Hình ảnh 6">
+          <p:cNvPr id="10" name="Hình ảnh 9">
             <a:extLst>
               <a:ext uri="{FF2B5EF4-FFF2-40B4-BE49-F238E27FC236}">
-                <a16:creationId xmlns:a16="http://schemas.microsoft.com/office/drawing/2014/main" id="{6A14EDA3-B5C3-439E-99E5-5547F3948AFF}"/>
+                <a16:creationId xmlns:a16="http://schemas.microsoft.com/office/drawing/2014/main" id="{C4345347-BF4D-4B6D-A178-13D461052DC4}"/>
               </a:ext>
             </a:extLst>
           </p:cNvPr>
@@ -28551,8 +29512,8 @@
         </p:blipFill>
         <p:spPr>
           <a:xfrm>
-            <a:off x="2373407" y="1396218"/>
-            <a:ext cx="3718110" cy="3606088"/>
+            <a:off x="2269591" y="1344706"/>
+            <a:ext cx="4522134" cy="3494208"/>
           </a:xfrm>
           <a:prstGeom prst="rect">
             <a:avLst/>
@@ -28562,7 +29523,7 @@
     </p:spTree>
     <p:extLst>
       <p:ext uri="{BB962C8B-B14F-4D97-AF65-F5344CB8AC3E}">
-        <p14:creationId xmlns:p14="http://schemas.microsoft.com/office/powerpoint/2010/main" val="4049666184"/>
+        <p14:creationId xmlns:p14="http://schemas.microsoft.com/office/powerpoint/2010/main" val="1263611546"/>
       </p:ext>
     </p:extLst>
   </p:cSld>
@@ -29017,102 +29978,36 @@
       </p:sp>
       <p:pic>
         <p:nvPicPr>
-          <p:cNvPr id="1026" name="Picture 2" descr="Tủ gỗ MFC đựng hồ sơ tài liệu nhỏ gọn NTTH-121 - Nội thất Tứ Hưng">
+          <p:cNvPr id="7" name="Hình ảnh 6">
             <a:extLst>
               <a:ext uri="{FF2B5EF4-FFF2-40B4-BE49-F238E27FC236}">
-                <a16:creationId xmlns:a16="http://schemas.microsoft.com/office/drawing/2014/main" id="{569CE741-C765-49BA-B371-FC86932EC4A4}"/>
+                <a16:creationId xmlns:a16="http://schemas.microsoft.com/office/drawing/2014/main" id="{6A14EDA3-B5C3-439E-99E5-5547F3948AFF}"/>
               </a:ext>
             </a:extLst>
           </p:cNvPr>
-          <p:cNvPicPr>
-            <a:picLocks noChangeAspect="1" noChangeArrowheads="1"/>
-          </p:cNvPicPr>
+          <p:cNvPicPr/>
           <p:nvPr/>
         </p:nvPicPr>
         <p:blipFill>
-          <a:blip r:embed="rId3">
-            <a:extLst>
-              <a:ext uri="{28A0092B-C50C-407E-A947-70E740481C1C}">
-                <a14:useLocalDpi xmlns:a14="http://schemas.microsoft.com/office/drawing/2010/main" val="0"/>
-              </a:ext>
-            </a:extLst>
-          </a:blip>
-          <a:srcRect/>
+          <a:blip r:embed="rId3"/>
           <a:stretch>
             <a:fillRect/>
           </a:stretch>
         </p:blipFill>
-        <p:spPr bwMode="auto">
+        <p:spPr>
           <a:xfrm>
-            <a:off x="4990169" y="972011"/>
-            <a:ext cx="3369583" cy="4118238"/>
+            <a:off x="2373407" y="1396218"/>
+            <a:ext cx="3718110" cy="3606088"/>
           </a:xfrm>
           <a:prstGeom prst="rect">
             <a:avLst/>
           </a:prstGeom>
-          <a:noFill/>
-          <a:extLst>
-            <a:ext uri="{909E8E84-426E-40DD-AFC4-6F175D3DCCD1}">
-              <a14:hiddenFill xmlns:a14="http://schemas.microsoft.com/office/drawing/2010/main">
-                <a:solidFill>
-                  <a:srgbClr val="FFFFFF"/>
-                </a:solidFill>
-              </a14:hiddenFill>
-            </a:ext>
-          </a:extLst>
-        </p:spPr>
-      </p:pic>
-      <p:pic>
-        <p:nvPicPr>
-          <p:cNvPr id="1028" name="Picture 4" descr="Tủ đồ nhiều ngăn kéo TD-37">
-            <a:extLst>
-              <a:ext uri="{FF2B5EF4-FFF2-40B4-BE49-F238E27FC236}">
-                <a16:creationId xmlns:a16="http://schemas.microsoft.com/office/drawing/2014/main" id="{B0AB7A74-8AB2-4997-AC5E-C99E8B74ADE9}"/>
-              </a:ext>
-            </a:extLst>
-          </p:cNvPr>
-          <p:cNvPicPr>
-            <a:picLocks noChangeAspect="1" noChangeArrowheads="1"/>
-          </p:cNvPicPr>
-          <p:nvPr/>
-        </p:nvPicPr>
-        <p:blipFill>
-          <a:blip r:embed="rId4">
-            <a:extLst>
-              <a:ext uri="{28A0092B-C50C-407E-A947-70E740481C1C}">
-                <a14:useLocalDpi xmlns:a14="http://schemas.microsoft.com/office/drawing/2010/main" val="0"/>
-              </a:ext>
-            </a:extLst>
-          </a:blip>
-          <a:srcRect/>
-          <a:stretch>
-            <a:fillRect/>
-          </a:stretch>
-        </p:blipFill>
-        <p:spPr bwMode="auto">
-          <a:xfrm>
-            <a:off x="724927" y="1595775"/>
-            <a:ext cx="3270298" cy="3270298"/>
-          </a:xfrm>
-          <a:prstGeom prst="rect">
-            <a:avLst/>
-          </a:prstGeom>
-          <a:noFill/>
-          <a:extLst>
-            <a:ext uri="{909E8E84-426E-40DD-AFC4-6F175D3DCCD1}">
-              <a14:hiddenFill xmlns:a14="http://schemas.microsoft.com/office/drawing/2010/main">
-                <a:solidFill>
-                  <a:srgbClr val="FFFFFF"/>
-                </a:solidFill>
-              </a14:hiddenFill>
-            </a:ext>
-          </a:extLst>
         </p:spPr>
       </p:pic>
     </p:spTree>
     <p:extLst>
       <p:ext uri="{BB962C8B-B14F-4D97-AF65-F5344CB8AC3E}">
-        <p14:creationId xmlns:p14="http://schemas.microsoft.com/office/powerpoint/2010/main" val="3188357212"/>
+        <p14:creationId xmlns:p14="http://schemas.microsoft.com/office/powerpoint/2010/main" val="4049666184"/>
       </p:ext>
     </p:extLst>
   </p:cSld>
@@ -29287,7 +30182,7 @@
         </p:nvSpPr>
         <p:spPr>
           <a:xfrm>
-            <a:off x="1031425" y="1089281"/>
+            <a:off x="1545032" y="484163"/>
             <a:ext cx="5760300" cy="680700"/>
           </a:xfrm>
           <a:prstGeom prst="rect">
@@ -29552,454 +30447,117 @@
           <a:p>
             <a:r>
               <a:rPr lang="en-US" sz="2300" dirty="0"/>
-              <a:t>4. Organizing for Change</a:t>
+              <a:t>3. Single </a:t>
+            </a:r>
+            <a:r>
+              <a:rPr lang="en-US" sz="2300" dirty="0" err="1"/>
+              <a:t>Reponsibility</a:t>
+            </a:r>
+            <a:r>
+              <a:rPr lang="en-US" sz="2300" dirty="0"/>
+              <a:t> Principle</a:t>
             </a:r>
           </a:p>
         </p:txBody>
       </p:sp>
-      <p:sp>
-        <p:nvSpPr>
-          <p:cNvPr id="7" name="Google Shape;203;p17">
+      <p:pic>
+        <p:nvPicPr>
+          <p:cNvPr id="1026" name="Picture 2" descr="Tủ gỗ MFC đựng hồ sơ tài liệu nhỏ gọn NTTH-121 - Nội thất Tứ Hưng">
             <a:extLst>
               <a:ext uri="{FF2B5EF4-FFF2-40B4-BE49-F238E27FC236}">
-                <a16:creationId xmlns:a16="http://schemas.microsoft.com/office/drawing/2014/main" id="{D7A1DB90-F49A-4601-B096-676504FFBB61}"/>
+                <a16:creationId xmlns:a16="http://schemas.microsoft.com/office/drawing/2014/main" id="{569CE741-C765-49BA-B371-FC86932EC4A4}"/>
               </a:ext>
             </a:extLst>
           </p:cNvPr>
-          <p:cNvSpPr txBox="1">
-            <a:spLocks/>
-          </p:cNvSpPr>
+          <p:cNvPicPr>
+            <a:picLocks noChangeAspect="1" noChangeArrowheads="1"/>
+          </p:cNvPicPr>
           <p:nvPr/>
-        </p:nvSpPr>
-        <p:spPr>
+        </p:nvPicPr>
+        <p:blipFill>
+          <a:blip r:embed="rId3">
+            <a:extLst>
+              <a:ext uri="{28A0092B-C50C-407E-A947-70E740481C1C}">
+                <a14:useLocalDpi xmlns:a14="http://schemas.microsoft.com/office/drawing/2010/main" val="0"/>
+              </a:ext>
+            </a:extLst>
+          </a:blip>
+          <a:srcRect/>
+          <a:stretch>
+            <a:fillRect/>
+          </a:stretch>
+        </p:blipFill>
+        <p:spPr bwMode="auto">
           <a:xfrm>
-            <a:off x="1124296" y="1827130"/>
-            <a:ext cx="5760300" cy="2416258"/>
+            <a:off x="4990169" y="972011"/>
+            <a:ext cx="3369583" cy="4118238"/>
           </a:xfrm>
           <a:prstGeom prst="rect">
             <a:avLst/>
           </a:prstGeom>
           <a:noFill/>
-          <a:ln>
-            <a:noFill/>
-          </a:ln>
+          <a:extLst>
+            <a:ext uri="{909E8E84-426E-40DD-AFC4-6F175D3DCCD1}">
+              <a14:hiddenFill xmlns:a14="http://schemas.microsoft.com/office/drawing/2010/main">
+                <a:solidFill>
+                  <a:srgbClr val="FFFFFF"/>
+                </a:solidFill>
+              </a14:hiddenFill>
+            </a:ext>
+          </a:extLst>
         </p:spPr>
-        <p:txBody>
-          <a:bodyPr spcFirstLastPara="1" wrap="square" lIns="91425" tIns="91425" rIns="91425" bIns="91425" anchor="t" anchorCtr="0">
-            <a:noAutofit/>
-          </a:bodyPr>
-          <a:lstStyle>
-            <a:defPPr marR="0" lvl="0" algn="l" rtl="0">
-              <a:lnSpc>
-                <a:spcPct val="100000"/>
-              </a:lnSpc>
-              <a:spcBef>
-                <a:spcPts val="0"/>
-              </a:spcBef>
-              <a:spcAft>
-                <a:spcPts val="0"/>
-              </a:spcAft>
-            </a:defPPr>
-            <a:lvl1pPr marL="457200" marR="0" lvl="0" indent="-342900" algn="l" rtl="0">
-              <a:lnSpc>
-                <a:spcPct val="100000"/>
-              </a:lnSpc>
-              <a:spcBef>
-                <a:spcPts val="600"/>
-              </a:spcBef>
-              <a:spcAft>
-                <a:spcPts val="0"/>
-              </a:spcAft>
-              <a:buClr>
-                <a:srgbClr val="4BB5D9"/>
-              </a:buClr>
-              <a:buSzPts val="1800"/>
-              <a:buFont typeface="Roboto Condensed"/>
-              <a:buChar char="»"/>
-              <a:defRPr sz="1800" b="0" i="0" u="none" strike="noStrike" cap="none">
-                <a:solidFill>
-                  <a:srgbClr val="607896"/>
-                </a:solidFill>
-                <a:latin typeface="Roboto Condensed"/>
-                <a:ea typeface="Roboto Condensed"/>
-                <a:cs typeface="Roboto Condensed"/>
-                <a:sym typeface="Roboto Condensed"/>
-              </a:defRPr>
-            </a:lvl1pPr>
-            <a:lvl2pPr marL="914400" marR="0" lvl="1" indent="-342900" algn="l" rtl="0">
-              <a:lnSpc>
-                <a:spcPct val="100000"/>
-              </a:lnSpc>
-              <a:spcBef>
-                <a:spcPts val="0"/>
-              </a:spcBef>
-              <a:spcAft>
-                <a:spcPts val="0"/>
-              </a:spcAft>
-              <a:buClr>
-                <a:srgbClr val="4BB5D9"/>
-              </a:buClr>
-              <a:buSzPts val="1800"/>
-              <a:buFont typeface="Roboto Condensed"/>
-              <a:buChar char="⋄"/>
-              <a:defRPr sz="1800" b="0" i="0" u="none" strike="noStrike" cap="none">
-                <a:solidFill>
-                  <a:srgbClr val="607896"/>
-                </a:solidFill>
-                <a:latin typeface="Roboto Condensed"/>
-                <a:ea typeface="Roboto Condensed"/>
-                <a:cs typeface="Roboto Condensed"/>
-                <a:sym typeface="Roboto Condensed"/>
-              </a:defRPr>
-            </a:lvl2pPr>
-            <a:lvl3pPr marL="1371600" marR="0" lvl="2" indent="-342900" algn="l" rtl="0">
-              <a:lnSpc>
-                <a:spcPct val="100000"/>
-              </a:lnSpc>
-              <a:spcBef>
-                <a:spcPts val="0"/>
-              </a:spcBef>
-              <a:spcAft>
-                <a:spcPts val="0"/>
-              </a:spcAft>
-              <a:buClr>
-                <a:srgbClr val="607896"/>
-              </a:buClr>
-              <a:buSzPts val="1800"/>
-              <a:buFont typeface="Roboto Condensed"/>
-              <a:buChar char="⋄"/>
-              <a:defRPr sz="1800" b="0" i="0" u="none" strike="noStrike" cap="none">
-                <a:solidFill>
-                  <a:srgbClr val="607896"/>
-                </a:solidFill>
-                <a:latin typeface="Roboto Condensed"/>
-                <a:ea typeface="Roboto Condensed"/>
-                <a:cs typeface="Roboto Condensed"/>
-                <a:sym typeface="Roboto Condensed"/>
-              </a:defRPr>
-            </a:lvl3pPr>
-            <a:lvl4pPr marL="1828800" marR="0" lvl="3" indent="-342900" algn="l" rtl="0">
-              <a:lnSpc>
-                <a:spcPct val="100000"/>
-              </a:lnSpc>
-              <a:spcBef>
-                <a:spcPts val="0"/>
-              </a:spcBef>
-              <a:spcAft>
-                <a:spcPts val="0"/>
-              </a:spcAft>
-              <a:buClr>
-                <a:srgbClr val="607896"/>
-              </a:buClr>
-              <a:buSzPts val="1800"/>
-              <a:buFont typeface="Roboto Condensed"/>
-              <a:buChar char="⋄"/>
-              <a:defRPr sz="1800" b="0" i="0" u="none" strike="noStrike" cap="none">
-                <a:solidFill>
-                  <a:srgbClr val="607896"/>
-                </a:solidFill>
-                <a:latin typeface="Roboto Condensed"/>
-                <a:ea typeface="Roboto Condensed"/>
-                <a:cs typeface="Roboto Condensed"/>
-                <a:sym typeface="Roboto Condensed"/>
-              </a:defRPr>
-            </a:lvl4pPr>
-            <a:lvl5pPr marL="2286000" marR="0" lvl="4" indent="-342900" algn="l" rtl="0">
-              <a:lnSpc>
-                <a:spcPct val="100000"/>
-              </a:lnSpc>
-              <a:spcBef>
-                <a:spcPts val="0"/>
-              </a:spcBef>
-              <a:spcAft>
-                <a:spcPts val="0"/>
-              </a:spcAft>
-              <a:buClr>
-                <a:srgbClr val="607896"/>
-              </a:buClr>
-              <a:buSzPts val="1800"/>
-              <a:buFont typeface="Roboto Condensed"/>
-              <a:buChar char="⋄"/>
-              <a:defRPr sz="1800" b="0" i="0" u="none" strike="noStrike" cap="none">
-                <a:solidFill>
-                  <a:srgbClr val="607896"/>
-                </a:solidFill>
-                <a:latin typeface="Roboto Condensed"/>
-                <a:ea typeface="Roboto Condensed"/>
-                <a:cs typeface="Roboto Condensed"/>
-                <a:sym typeface="Roboto Condensed"/>
-              </a:defRPr>
-            </a:lvl5pPr>
-            <a:lvl6pPr marL="2743200" marR="0" lvl="5" indent="-342900" algn="l" rtl="0">
-              <a:lnSpc>
-                <a:spcPct val="100000"/>
-              </a:lnSpc>
-              <a:spcBef>
-                <a:spcPts val="0"/>
-              </a:spcBef>
-              <a:spcAft>
-                <a:spcPts val="0"/>
-              </a:spcAft>
-              <a:buClr>
-                <a:srgbClr val="607896"/>
-              </a:buClr>
-              <a:buSzPts val="1800"/>
-              <a:buFont typeface="Roboto Condensed"/>
-              <a:buChar char="⋄"/>
-              <a:defRPr sz="1800" b="0" i="0" u="none" strike="noStrike" cap="none">
-                <a:solidFill>
-                  <a:srgbClr val="607896"/>
-                </a:solidFill>
-                <a:latin typeface="Roboto Condensed"/>
-                <a:ea typeface="Roboto Condensed"/>
-                <a:cs typeface="Roboto Condensed"/>
-                <a:sym typeface="Roboto Condensed"/>
-              </a:defRPr>
-            </a:lvl6pPr>
-            <a:lvl7pPr marL="3200400" marR="0" lvl="6" indent="-342900" algn="l" rtl="0">
-              <a:lnSpc>
-                <a:spcPct val="100000"/>
-              </a:lnSpc>
-              <a:spcBef>
-                <a:spcPts val="0"/>
-              </a:spcBef>
-              <a:spcAft>
-                <a:spcPts val="0"/>
-              </a:spcAft>
-              <a:buClr>
-                <a:srgbClr val="607896"/>
-              </a:buClr>
-              <a:buSzPts val="1800"/>
-              <a:buFont typeface="Roboto Condensed"/>
-              <a:buChar char="●"/>
-              <a:defRPr sz="1800" b="0" i="0" u="none" strike="noStrike" cap="none">
-                <a:solidFill>
-                  <a:srgbClr val="607896"/>
-                </a:solidFill>
-                <a:latin typeface="Roboto Condensed"/>
-                <a:ea typeface="Roboto Condensed"/>
-                <a:cs typeface="Roboto Condensed"/>
-                <a:sym typeface="Roboto Condensed"/>
-              </a:defRPr>
-            </a:lvl7pPr>
-            <a:lvl8pPr marL="3657600" marR="0" lvl="7" indent="-342900" algn="l" rtl="0">
-              <a:lnSpc>
-                <a:spcPct val="100000"/>
-              </a:lnSpc>
-              <a:spcBef>
-                <a:spcPts val="0"/>
-              </a:spcBef>
-              <a:spcAft>
-                <a:spcPts val="0"/>
-              </a:spcAft>
-              <a:buClr>
-                <a:srgbClr val="607896"/>
-              </a:buClr>
-              <a:buSzPts val="1800"/>
-              <a:buFont typeface="Roboto Condensed"/>
-              <a:buChar char="○"/>
-              <a:defRPr sz="1800" b="0" i="0" u="none" strike="noStrike" cap="none">
-                <a:solidFill>
-                  <a:srgbClr val="607896"/>
-                </a:solidFill>
-                <a:latin typeface="Roboto Condensed"/>
-                <a:ea typeface="Roboto Condensed"/>
-                <a:cs typeface="Roboto Condensed"/>
-                <a:sym typeface="Roboto Condensed"/>
-              </a:defRPr>
-            </a:lvl8pPr>
-            <a:lvl9pPr marL="4114800" marR="0" lvl="8" indent="-342900" algn="l" rtl="0">
-              <a:lnSpc>
-                <a:spcPct val="100000"/>
-              </a:lnSpc>
-              <a:spcBef>
-                <a:spcPts val="0"/>
-              </a:spcBef>
-              <a:spcAft>
-                <a:spcPts val="0"/>
-              </a:spcAft>
-              <a:buClr>
-                <a:srgbClr val="607896"/>
-              </a:buClr>
-              <a:buSzPts val="1800"/>
-              <a:buFont typeface="Roboto Condensed"/>
-              <a:buChar char="■"/>
-              <a:defRPr sz="1800" b="0" i="0" u="none" strike="noStrike" cap="none">
-                <a:solidFill>
-                  <a:srgbClr val="607896"/>
-                </a:solidFill>
-                <a:latin typeface="Roboto Condensed"/>
-                <a:ea typeface="Roboto Condensed"/>
-                <a:cs typeface="Roboto Condensed"/>
-                <a:sym typeface="Roboto Condensed"/>
-              </a:defRPr>
-            </a:lvl9pPr>
-          </a:lstStyle>
-          <a:p>
-            <a:pPr marL="101600" indent="0">
-              <a:buSzPts val="2000"/>
-              <a:buNone/>
-            </a:pPr>
-            <a:r>
-              <a:rPr lang="en-US" dirty="0"/>
-              <a:t> </a:t>
-            </a:r>
-            <a:r>
-              <a:rPr lang="vi-VN" dirty="0" err="1"/>
-              <a:t>Mỗi</a:t>
-            </a:r>
-            <a:r>
-              <a:rPr lang="vi-VN" dirty="0"/>
-              <a:t> </a:t>
-            </a:r>
-            <a:r>
-              <a:rPr lang="vi-VN" dirty="0" err="1"/>
-              <a:t>sự</a:t>
-            </a:r>
-            <a:r>
-              <a:rPr lang="vi-VN" dirty="0"/>
-              <a:t> thay </a:t>
-            </a:r>
-            <a:r>
-              <a:rPr lang="vi-VN" dirty="0" err="1"/>
-              <a:t>đổi</a:t>
-            </a:r>
-            <a:r>
-              <a:rPr lang="vi-VN" dirty="0"/>
-              <a:t> </a:t>
-            </a:r>
-            <a:r>
-              <a:rPr lang="vi-VN" dirty="0" err="1"/>
-              <a:t>đều</a:t>
-            </a:r>
-            <a:r>
-              <a:rPr lang="vi-VN" dirty="0"/>
-              <a:t> </a:t>
-            </a:r>
-            <a:r>
-              <a:rPr lang="vi-VN" dirty="0" err="1"/>
-              <a:t>dẫn</a:t>
-            </a:r>
-            <a:r>
-              <a:rPr lang="vi-VN" dirty="0"/>
-              <a:t> </a:t>
-            </a:r>
-            <a:r>
-              <a:rPr lang="vi-VN" dirty="0" err="1"/>
-              <a:t>đến</a:t>
-            </a:r>
-            <a:r>
-              <a:rPr lang="vi-VN" dirty="0"/>
-              <a:t> </a:t>
-            </a:r>
-            <a:r>
-              <a:rPr lang="vi-VN" dirty="0" err="1"/>
-              <a:t>rủi</a:t>
-            </a:r>
-            <a:r>
-              <a:rPr lang="vi-VN" dirty="0"/>
-              <a:t> ro </a:t>
-            </a:r>
-            <a:r>
-              <a:rPr lang="vi-VN" dirty="0" err="1"/>
-              <a:t>về</a:t>
-            </a:r>
-            <a:r>
-              <a:rPr lang="vi-VN" dirty="0"/>
-              <a:t> </a:t>
-            </a:r>
-            <a:r>
-              <a:rPr lang="vi-VN" dirty="0" err="1"/>
-              <a:t>phần</a:t>
-            </a:r>
-            <a:r>
-              <a:rPr lang="vi-VN" dirty="0"/>
-              <a:t> </a:t>
-            </a:r>
-            <a:r>
-              <a:rPr lang="vi-VN" dirty="0" err="1"/>
-              <a:t>còn</a:t>
-            </a:r>
-            <a:r>
-              <a:rPr lang="vi-VN" dirty="0"/>
-              <a:t> </a:t>
-            </a:r>
-            <a:r>
-              <a:rPr lang="vi-VN" dirty="0" err="1"/>
-              <a:t>lại</a:t>
-            </a:r>
-            <a:r>
-              <a:rPr lang="vi-VN" dirty="0"/>
-              <a:t> </a:t>
-            </a:r>
-            <a:r>
-              <a:rPr lang="vi-VN" dirty="0" err="1"/>
-              <a:t>của</a:t>
-            </a:r>
-            <a:r>
-              <a:rPr lang="vi-VN" dirty="0"/>
-              <a:t> </a:t>
-            </a:r>
-            <a:r>
-              <a:rPr lang="vi-VN" dirty="0" err="1"/>
-              <a:t>hệ</a:t>
-            </a:r>
-            <a:r>
-              <a:rPr lang="vi-VN" dirty="0"/>
-              <a:t> </a:t>
-            </a:r>
-            <a:r>
-              <a:rPr lang="vi-VN" dirty="0" err="1"/>
-              <a:t>thống</a:t>
-            </a:r>
-            <a:r>
-              <a:rPr lang="vi-VN" dirty="0"/>
-              <a:t> không </a:t>
-            </a:r>
-            <a:r>
-              <a:rPr lang="vi-VN" dirty="0" err="1"/>
-              <a:t>còn</a:t>
-            </a:r>
-            <a:r>
-              <a:rPr lang="vi-VN" dirty="0"/>
-              <a:t> </a:t>
-            </a:r>
-            <a:r>
-              <a:rPr lang="vi-VN" dirty="0" err="1"/>
-              <a:t>hoạt</a:t>
-            </a:r>
-            <a:r>
-              <a:rPr lang="vi-VN" dirty="0"/>
-              <a:t> </a:t>
-            </a:r>
-            <a:r>
-              <a:rPr lang="vi-VN" dirty="0" err="1"/>
-              <a:t>động</a:t>
-            </a:r>
-            <a:r>
-              <a:rPr lang="vi-VN" dirty="0"/>
-              <a:t> như </a:t>
-            </a:r>
-            <a:r>
-              <a:rPr lang="vi-VN" dirty="0" err="1"/>
-              <a:t>dự</a:t>
-            </a:r>
-            <a:r>
-              <a:rPr lang="vi-VN" dirty="0"/>
-              <a:t> </a:t>
-            </a:r>
-            <a:r>
-              <a:rPr lang="vi-VN" dirty="0" err="1"/>
-              <a:t>định</a:t>
-            </a:r>
-            <a:endParaRPr lang="vi-VN" dirty="0"/>
-          </a:p>
-        </p:txBody>
-      </p:sp>
+      </p:pic>
+      <p:pic>
+        <p:nvPicPr>
+          <p:cNvPr id="1028" name="Picture 4" descr="Tủ đồ nhiều ngăn kéo TD-37">
+            <a:extLst>
+              <a:ext uri="{FF2B5EF4-FFF2-40B4-BE49-F238E27FC236}">
+                <a16:creationId xmlns:a16="http://schemas.microsoft.com/office/drawing/2014/main" id="{B0AB7A74-8AB2-4997-AC5E-C99E8B74ADE9}"/>
+              </a:ext>
+            </a:extLst>
+          </p:cNvPr>
+          <p:cNvPicPr>
+            <a:picLocks noChangeAspect="1" noChangeArrowheads="1"/>
+          </p:cNvPicPr>
+          <p:nvPr/>
+        </p:nvPicPr>
+        <p:blipFill>
+          <a:blip r:embed="rId4">
+            <a:extLst>
+              <a:ext uri="{28A0092B-C50C-407E-A947-70E740481C1C}">
+                <a14:useLocalDpi xmlns:a14="http://schemas.microsoft.com/office/drawing/2010/main" val="0"/>
+              </a:ext>
+            </a:extLst>
+          </a:blip>
+          <a:srcRect/>
+          <a:stretch>
+            <a:fillRect/>
+          </a:stretch>
+        </p:blipFill>
+        <p:spPr bwMode="auto">
+          <a:xfrm>
+            <a:off x="724927" y="1595775"/>
+            <a:ext cx="3270298" cy="3270298"/>
+          </a:xfrm>
+          <a:prstGeom prst="rect">
+            <a:avLst/>
+          </a:prstGeom>
+          <a:noFill/>
+          <a:extLst>
+            <a:ext uri="{909E8E84-426E-40DD-AFC4-6F175D3DCCD1}">
+              <a14:hiddenFill xmlns:a14="http://schemas.microsoft.com/office/drawing/2010/main">
+                <a:solidFill>
+                  <a:srgbClr val="FFFFFF"/>
+                </a:solidFill>
+              </a14:hiddenFill>
+            </a:ext>
+          </a:extLst>
+        </p:spPr>
+      </p:pic>
     </p:spTree>
     <p:extLst>
       <p:ext uri="{BB962C8B-B14F-4D97-AF65-F5344CB8AC3E}">
-        <p14:creationId xmlns:p14="http://schemas.microsoft.com/office/powerpoint/2010/main" val="2562153222"/>
+        <p14:creationId xmlns:p14="http://schemas.microsoft.com/office/powerpoint/2010/main" val="3188357212"/>
       </p:ext>
     </p:extLst>
   </p:cSld>
@@ -30174,7 +30732,7 @@
         </p:nvSpPr>
         <p:spPr>
           <a:xfrm>
-            <a:off x="1545032" y="484163"/>
+            <a:off x="1031425" y="1089281"/>
             <a:ext cx="5760300" cy="680700"/>
           </a:xfrm>
           <a:prstGeom prst="rect">
@@ -30444,40 +31002,449 @@
           </a:p>
         </p:txBody>
       </p:sp>
-      <p:pic>
-        <p:nvPicPr>
-          <p:cNvPr id="3" name="Hình ảnh 2">
+      <p:sp>
+        <p:nvSpPr>
+          <p:cNvPr id="7" name="Google Shape;203;p17">
             <a:extLst>
               <a:ext uri="{FF2B5EF4-FFF2-40B4-BE49-F238E27FC236}">
-                <a16:creationId xmlns:a16="http://schemas.microsoft.com/office/drawing/2014/main" id="{F2EC9571-D72A-40DD-97F1-90D8E6859348}"/>
+                <a16:creationId xmlns:a16="http://schemas.microsoft.com/office/drawing/2014/main" id="{D7A1DB90-F49A-4601-B096-676504FFBB61}"/>
               </a:ext>
             </a:extLst>
           </p:cNvPr>
-          <p:cNvPicPr>
-            <a:picLocks noChangeAspect="1"/>
-          </p:cNvPicPr>
+          <p:cNvSpPr txBox="1">
+            <a:spLocks/>
+          </p:cNvSpPr>
           <p:nvPr/>
-        </p:nvPicPr>
-        <p:blipFill>
-          <a:blip r:embed="rId3"/>
-          <a:stretch>
-            <a:fillRect/>
-          </a:stretch>
-        </p:blipFill>
+        </p:nvSpPr>
         <p:spPr>
           <a:xfrm>
-            <a:off x="2228632" y="1416843"/>
-            <a:ext cx="4501620" cy="3333750"/>
+            <a:off x="1124296" y="1827130"/>
+            <a:ext cx="5760300" cy="2416258"/>
           </a:xfrm>
           <a:prstGeom prst="rect">
             <a:avLst/>
           </a:prstGeom>
+          <a:noFill/>
+          <a:ln>
+            <a:noFill/>
+          </a:ln>
         </p:spPr>
-      </p:pic>
+        <p:txBody>
+          <a:bodyPr spcFirstLastPara="1" wrap="square" lIns="91425" tIns="91425" rIns="91425" bIns="91425" anchor="t" anchorCtr="0">
+            <a:noAutofit/>
+          </a:bodyPr>
+          <a:lstStyle>
+            <a:defPPr marR="0" lvl="0" algn="l" rtl="0">
+              <a:lnSpc>
+                <a:spcPct val="100000"/>
+              </a:lnSpc>
+              <a:spcBef>
+                <a:spcPts val="0"/>
+              </a:spcBef>
+              <a:spcAft>
+                <a:spcPts val="0"/>
+              </a:spcAft>
+            </a:defPPr>
+            <a:lvl1pPr marL="457200" marR="0" lvl="0" indent="-342900" algn="l" rtl="0">
+              <a:lnSpc>
+                <a:spcPct val="100000"/>
+              </a:lnSpc>
+              <a:spcBef>
+                <a:spcPts val="600"/>
+              </a:spcBef>
+              <a:spcAft>
+                <a:spcPts val="0"/>
+              </a:spcAft>
+              <a:buClr>
+                <a:srgbClr val="4BB5D9"/>
+              </a:buClr>
+              <a:buSzPts val="1800"/>
+              <a:buFont typeface="Roboto Condensed"/>
+              <a:buChar char="»"/>
+              <a:defRPr sz="1800" b="0" i="0" u="none" strike="noStrike" cap="none">
+                <a:solidFill>
+                  <a:srgbClr val="607896"/>
+                </a:solidFill>
+                <a:latin typeface="Roboto Condensed"/>
+                <a:ea typeface="Roboto Condensed"/>
+                <a:cs typeface="Roboto Condensed"/>
+                <a:sym typeface="Roboto Condensed"/>
+              </a:defRPr>
+            </a:lvl1pPr>
+            <a:lvl2pPr marL="914400" marR="0" lvl="1" indent="-342900" algn="l" rtl="0">
+              <a:lnSpc>
+                <a:spcPct val="100000"/>
+              </a:lnSpc>
+              <a:spcBef>
+                <a:spcPts val="0"/>
+              </a:spcBef>
+              <a:spcAft>
+                <a:spcPts val="0"/>
+              </a:spcAft>
+              <a:buClr>
+                <a:srgbClr val="4BB5D9"/>
+              </a:buClr>
+              <a:buSzPts val="1800"/>
+              <a:buFont typeface="Roboto Condensed"/>
+              <a:buChar char="⋄"/>
+              <a:defRPr sz="1800" b="0" i="0" u="none" strike="noStrike" cap="none">
+                <a:solidFill>
+                  <a:srgbClr val="607896"/>
+                </a:solidFill>
+                <a:latin typeface="Roboto Condensed"/>
+                <a:ea typeface="Roboto Condensed"/>
+                <a:cs typeface="Roboto Condensed"/>
+                <a:sym typeface="Roboto Condensed"/>
+              </a:defRPr>
+            </a:lvl2pPr>
+            <a:lvl3pPr marL="1371600" marR="0" lvl="2" indent="-342900" algn="l" rtl="0">
+              <a:lnSpc>
+                <a:spcPct val="100000"/>
+              </a:lnSpc>
+              <a:spcBef>
+                <a:spcPts val="0"/>
+              </a:spcBef>
+              <a:spcAft>
+                <a:spcPts val="0"/>
+              </a:spcAft>
+              <a:buClr>
+                <a:srgbClr val="607896"/>
+              </a:buClr>
+              <a:buSzPts val="1800"/>
+              <a:buFont typeface="Roboto Condensed"/>
+              <a:buChar char="⋄"/>
+              <a:defRPr sz="1800" b="0" i="0" u="none" strike="noStrike" cap="none">
+                <a:solidFill>
+                  <a:srgbClr val="607896"/>
+                </a:solidFill>
+                <a:latin typeface="Roboto Condensed"/>
+                <a:ea typeface="Roboto Condensed"/>
+                <a:cs typeface="Roboto Condensed"/>
+                <a:sym typeface="Roboto Condensed"/>
+              </a:defRPr>
+            </a:lvl3pPr>
+            <a:lvl4pPr marL="1828800" marR="0" lvl="3" indent="-342900" algn="l" rtl="0">
+              <a:lnSpc>
+                <a:spcPct val="100000"/>
+              </a:lnSpc>
+              <a:spcBef>
+                <a:spcPts val="0"/>
+              </a:spcBef>
+              <a:spcAft>
+                <a:spcPts val="0"/>
+              </a:spcAft>
+              <a:buClr>
+                <a:srgbClr val="607896"/>
+              </a:buClr>
+              <a:buSzPts val="1800"/>
+              <a:buFont typeface="Roboto Condensed"/>
+              <a:buChar char="⋄"/>
+              <a:defRPr sz="1800" b="0" i="0" u="none" strike="noStrike" cap="none">
+                <a:solidFill>
+                  <a:srgbClr val="607896"/>
+                </a:solidFill>
+                <a:latin typeface="Roboto Condensed"/>
+                <a:ea typeface="Roboto Condensed"/>
+                <a:cs typeface="Roboto Condensed"/>
+                <a:sym typeface="Roboto Condensed"/>
+              </a:defRPr>
+            </a:lvl4pPr>
+            <a:lvl5pPr marL="2286000" marR="0" lvl="4" indent="-342900" algn="l" rtl="0">
+              <a:lnSpc>
+                <a:spcPct val="100000"/>
+              </a:lnSpc>
+              <a:spcBef>
+                <a:spcPts val="0"/>
+              </a:spcBef>
+              <a:spcAft>
+                <a:spcPts val="0"/>
+              </a:spcAft>
+              <a:buClr>
+                <a:srgbClr val="607896"/>
+              </a:buClr>
+              <a:buSzPts val="1800"/>
+              <a:buFont typeface="Roboto Condensed"/>
+              <a:buChar char="⋄"/>
+              <a:defRPr sz="1800" b="0" i="0" u="none" strike="noStrike" cap="none">
+                <a:solidFill>
+                  <a:srgbClr val="607896"/>
+                </a:solidFill>
+                <a:latin typeface="Roboto Condensed"/>
+                <a:ea typeface="Roboto Condensed"/>
+                <a:cs typeface="Roboto Condensed"/>
+                <a:sym typeface="Roboto Condensed"/>
+              </a:defRPr>
+            </a:lvl5pPr>
+            <a:lvl6pPr marL="2743200" marR="0" lvl="5" indent="-342900" algn="l" rtl="0">
+              <a:lnSpc>
+                <a:spcPct val="100000"/>
+              </a:lnSpc>
+              <a:spcBef>
+                <a:spcPts val="0"/>
+              </a:spcBef>
+              <a:spcAft>
+                <a:spcPts val="0"/>
+              </a:spcAft>
+              <a:buClr>
+                <a:srgbClr val="607896"/>
+              </a:buClr>
+              <a:buSzPts val="1800"/>
+              <a:buFont typeface="Roboto Condensed"/>
+              <a:buChar char="⋄"/>
+              <a:defRPr sz="1800" b="0" i="0" u="none" strike="noStrike" cap="none">
+                <a:solidFill>
+                  <a:srgbClr val="607896"/>
+                </a:solidFill>
+                <a:latin typeface="Roboto Condensed"/>
+                <a:ea typeface="Roboto Condensed"/>
+                <a:cs typeface="Roboto Condensed"/>
+                <a:sym typeface="Roboto Condensed"/>
+              </a:defRPr>
+            </a:lvl6pPr>
+            <a:lvl7pPr marL="3200400" marR="0" lvl="6" indent="-342900" algn="l" rtl="0">
+              <a:lnSpc>
+                <a:spcPct val="100000"/>
+              </a:lnSpc>
+              <a:spcBef>
+                <a:spcPts val="0"/>
+              </a:spcBef>
+              <a:spcAft>
+                <a:spcPts val="0"/>
+              </a:spcAft>
+              <a:buClr>
+                <a:srgbClr val="607896"/>
+              </a:buClr>
+              <a:buSzPts val="1800"/>
+              <a:buFont typeface="Roboto Condensed"/>
+              <a:buChar char="●"/>
+              <a:defRPr sz="1800" b="0" i="0" u="none" strike="noStrike" cap="none">
+                <a:solidFill>
+                  <a:srgbClr val="607896"/>
+                </a:solidFill>
+                <a:latin typeface="Roboto Condensed"/>
+                <a:ea typeface="Roboto Condensed"/>
+                <a:cs typeface="Roboto Condensed"/>
+                <a:sym typeface="Roboto Condensed"/>
+              </a:defRPr>
+            </a:lvl7pPr>
+            <a:lvl8pPr marL="3657600" marR="0" lvl="7" indent="-342900" algn="l" rtl="0">
+              <a:lnSpc>
+                <a:spcPct val="100000"/>
+              </a:lnSpc>
+              <a:spcBef>
+                <a:spcPts val="0"/>
+              </a:spcBef>
+              <a:spcAft>
+                <a:spcPts val="0"/>
+              </a:spcAft>
+              <a:buClr>
+                <a:srgbClr val="607896"/>
+              </a:buClr>
+              <a:buSzPts val="1800"/>
+              <a:buFont typeface="Roboto Condensed"/>
+              <a:buChar char="○"/>
+              <a:defRPr sz="1800" b="0" i="0" u="none" strike="noStrike" cap="none">
+                <a:solidFill>
+                  <a:srgbClr val="607896"/>
+                </a:solidFill>
+                <a:latin typeface="Roboto Condensed"/>
+                <a:ea typeface="Roboto Condensed"/>
+                <a:cs typeface="Roboto Condensed"/>
+                <a:sym typeface="Roboto Condensed"/>
+              </a:defRPr>
+            </a:lvl8pPr>
+            <a:lvl9pPr marL="4114800" marR="0" lvl="8" indent="-342900" algn="l" rtl="0">
+              <a:lnSpc>
+                <a:spcPct val="100000"/>
+              </a:lnSpc>
+              <a:spcBef>
+                <a:spcPts val="0"/>
+              </a:spcBef>
+              <a:spcAft>
+                <a:spcPts val="0"/>
+              </a:spcAft>
+              <a:buClr>
+                <a:srgbClr val="607896"/>
+              </a:buClr>
+              <a:buSzPts val="1800"/>
+              <a:buFont typeface="Roboto Condensed"/>
+              <a:buChar char="■"/>
+              <a:defRPr sz="1800" b="0" i="0" u="none" strike="noStrike" cap="none">
+                <a:solidFill>
+                  <a:srgbClr val="607896"/>
+                </a:solidFill>
+                <a:latin typeface="Roboto Condensed"/>
+                <a:ea typeface="Roboto Condensed"/>
+                <a:cs typeface="Roboto Condensed"/>
+                <a:sym typeface="Roboto Condensed"/>
+              </a:defRPr>
+            </a:lvl9pPr>
+          </a:lstStyle>
+          <a:p>
+            <a:pPr marL="101600" indent="0">
+              <a:buSzPts val="2000"/>
+              <a:buNone/>
+            </a:pPr>
+            <a:r>
+              <a:rPr lang="en-US" dirty="0"/>
+              <a:t> </a:t>
+            </a:r>
+            <a:r>
+              <a:rPr lang="vi-VN" dirty="0" err="1"/>
+              <a:t>Mỗi</a:t>
+            </a:r>
+            <a:r>
+              <a:rPr lang="vi-VN" dirty="0"/>
+              <a:t> </a:t>
+            </a:r>
+            <a:r>
+              <a:rPr lang="vi-VN" dirty="0" err="1"/>
+              <a:t>sự</a:t>
+            </a:r>
+            <a:r>
+              <a:rPr lang="vi-VN" dirty="0"/>
+              <a:t> thay </a:t>
+            </a:r>
+            <a:r>
+              <a:rPr lang="vi-VN" dirty="0" err="1"/>
+              <a:t>đổi</a:t>
+            </a:r>
+            <a:r>
+              <a:rPr lang="vi-VN" dirty="0"/>
+              <a:t> </a:t>
+            </a:r>
+            <a:r>
+              <a:rPr lang="vi-VN" dirty="0" err="1"/>
+              <a:t>đều</a:t>
+            </a:r>
+            <a:r>
+              <a:rPr lang="vi-VN" dirty="0"/>
+              <a:t> </a:t>
+            </a:r>
+            <a:r>
+              <a:rPr lang="vi-VN" dirty="0" err="1"/>
+              <a:t>dẫn</a:t>
+            </a:r>
+            <a:r>
+              <a:rPr lang="vi-VN" dirty="0"/>
+              <a:t> </a:t>
+            </a:r>
+            <a:r>
+              <a:rPr lang="vi-VN" dirty="0" err="1"/>
+              <a:t>đến</a:t>
+            </a:r>
+            <a:r>
+              <a:rPr lang="vi-VN" dirty="0"/>
+              <a:t> </a:t>
+            </a:r>
+            <a:r>
+              <a:rPr lang="vi-VN" dirty="0" err="1"/>
+              <a:t>rủi</a:t>
+            </a:r>
+            <a:r>
+              <a:rPr lang="vi-VN" dirty="0"/>
+              <a:t> ro </a:t>
+            </a:r>
+            <a:r>
+              <a:rPr lang="vi-VN" dirty="0" err="1"/>
+              <a:t>về</a:t>
+            </a:r>
+            <a:r>
+              <a:rPr lang="vi-VN" dirty="0"/>
+              <a:t> </a:t>
+            </a:r>
+            <a:r>
+              <a:rPr lang="vi-VN" dirty="0" err="1"/>
+              <a:t>phần</a:t>
+            </a:r>
+            <a:r>
+              <a:rPr lang="vi-VN" dirty="0"/>
+              <a:t> </a:t>
+            </a:r>
+            <a:r>
+              <a:rPr lang="vi-VN" dirty="0" err="1"/>
+              <a:t>còn</a:t>
+            </a:r>
+            <a:r>
+              <a:rPr lang="vi-VN" dirty="0"/>
+              <a:t> </a:t>
+            </a:r>
+            <a:r>
+              <a:rPr lang="vi-VN" dirty="0" err="1"/>
+              <a:t>lại</a:t>
+            </a:r>
+            <a:r>
+              <a:rPr lang="vi-VN" dirty="0"/>
+              <a:t> </a:t>
+            </a:r>
+            <a:r>
+              <a:rPr lang="vi-VN" dirty="0" err="1"/>
+              <a:t>của</a:t>
+            </a:r>
+            <a:r>
+              <a:rPr lang="vi-VN" dirty="0"/>
+              <a:t> </a:t>
+            </a:r>
+            <a:r>
+              <a:rPr lang="vi-VN" dirty="0" err="1"/>
+              <a:t>hệ</a:t>
+            </a:r>
+            <a:r>
+              <a:rPr lang="vi-VN" dirty="0"/>
+              <a:t> </a:t>
+            </a:r>
+            <a:r>
+              <a:rPr lang="vi-VN" dirty="0" err="1"/>
+              <a:t>thống</a:t>
+            </a:r>
+            <a:r>
+              <a:rPr lang="vi-VN" dirty="0"/>
+              <a:t> không </a:t>
+            </a:r>
+            <a:r>
+              <a:rPr lang="vi-VN" dirty="0" err="1"/>
+              <a:t>còn</a:t>
+            </a:r>
+            <a:r>
+              <a:rPr lang="vi-VN" dirty="0"/>
+              <a:t> </a:t>
+            </a:r>
+            <a:r>
+              <a:rPr lang="vi-VN" dirty="0" err="1"/>
+              <a:t>hoạt</a:t>
+            </a:r>
+            <a:r>
+              <a:rPr lang="vi-VN" dirty="0"/>
+              <a:t> </a:t>
+            </a:r>
+            <a:r>
+              <a:rPr lang="vi-VN" dirty="0" err="1"/>
+              <a:t>động</a:t>
+            </a:r>
+            <a:r>
+              <a:rPr lang="vi-VN" dirty="0"/>
+              <a:t> như </a:t>
+            </a:r>
+            <a:r>
+              <a:rPr lang="vi-VN" dirty="0" err="1"/>
+              <a:t>dự</a:t>
+            </a:r>
+            <a:r>
+              <a:rPr lang="vi-VN" dirty="0"/>
+              <a:t> </a:t>
+            </a:r>
+            <a:r>
+              <a:rPr lang="vi-VN" dirty="0" err="1"/>
+              <a:t>định</a:t>
+            </a:r>
+            <a:endParaRPr lang="vi-VN" dirty="0"/>
+          </a:p>
+        </p:txBody>
+      </p:sp>
     </p:spTree>
     <p:extLst>
       <p:ext uri="{BB962C8B-B14F-4D97-AF65-F5344CB8AC3E}">
-        <p14:creationId xmlns:p14="http://schemas.microsoft.com/office/powerpoint/2010/main" val="2936790035"/>
+        <p14:creationId xmlns:p14="http://schemas.microsoft.com/office/powerpoint/2010/main" val="2562153222"/>
       </p:ext>
     </p:extLst>
   </p:cSld>
@@ -30924,10 +31891,10 @@
       </p:sp>
       <p:pic>
         <p:nvPicPr>
-          <p:cNvPr id="2" name="Hình ảnh 1">
+          <p:cNvPr id="3" name="Hình ảnh 2">
             <a:extLst>
               <a:ext uri="{FF2B5EF4-FFF2-40B4-BE49-F238E27FC236}">
-                <a16:creationId xmlns:a16="http://schemas.microsoft.com/office/drawing/2014/main" id="{A9620D3B-7154-425B-9FE6-BCE97C776D0D}"/>
+                <a16:creationId xmlns:a16="http://schemas.microsoft.com/office/drawing/2014/main" id="{F2EC9571-D72A-40DD-97F1-90D8E6859348}"/>
               </a:ext>
             </a:extLst>
           </p:cNvPr>
@@ -30944,8 +31911,8 @@
         </p:blipFill>
         <p:spPr>
           <a:xfrm>
-            <a:off x="2702838" y="1317251"/>
-            <a:ext cx="3444688" cy="3570754"/>
+            <a:off x="2228632" y="1416843"/>
+            <a:ext cx="4501620" cy="3333750"/>
           </a:xfrm>
           <a:prstGeom prst="rect">
             <a:avLst/>
@@ -30955,7 +31922,7 @@
     </p:spTree>
     <p:extLst>
       <p:ext uri="{BB962C8B-B14F-4D97-AF65-F5344CB8AC3E}">
-        <p14:creationId xmlns:p14="http://schemas.microsoft.com/office/powerpoint/2010/main" val="1546732701"/>
+        <p14:creationId xmlns:p14="http://schemas.microsoft.com/office/powerpoint/2010/main" val="2936790035"/>
       </p:ext>
     </p:extLst>
   </p:cSld>
@@ -31769,6 +32736,484 @@
   <p:cSld>
     <p:spTree>
       <p:nvGrpSpPr>
+        <p:cNvPr id="1" name="Shape 171"/>
+        <p:cNvGrpSpPr/>
+        <p:nvPr/>
+      </p:nvGrpSpPr>
+      <p:grpSpPr>
+        <a:xfrm>
+          <a:off x="0" y="0"/>
+          <a:ext cx="0" cy="0"/>
+          <a:chOff x="0" y="0"/>
+          <a:chExt cx="0" cy="0"/>
+        </a:xfrm>
+      </p:grpSpPr>
+      <p:sp>
+        <p:nvSpPr>
+          <p:cNvPr id="172" name="Google Shape;172;p13"/>
+          <p:cNvSpPr txBox="1">
+            <a:spLocks noGrp="1"/>
+          </p:cNvSpPr>
+          <p:nvPr>
+            <p:ph type="title"/>
+          </p:nvPr>
+        </p:nvSpPr>
+        <p:spPr>
+          <a:xfrm>
+            <a:off x="1838668" y="53251"/>
+            <a:ext cx="5760300" cy="680700"/>
+          </a:xfrm>
+          <a:prstGeom prst="rect">
+            <a:avLst/>
+          </a:prstGeom>
+        </p:spPr>
+        <p:txBody>
+          <a:bodyPr spcFirstLastPara="1" wrap="square" lIns="91425" tIns="91425" rIns="91425" bIns="91425" anchor="b" anchorCtr="0">
+            <a:noAutofit/>
+          </a:bodyPr>
+          <a:lstStyle/>
+          <a:p>
+            <a:pPr marL="0" lvl="0" indent="0" algn="ctr" rtl="0">
+              <a:spcBef>
+                <a:spcPts val="0"/>
+              </a:spcBef>
+              <a:spcAft>
+                <a:spcPts val="0"/>
+              </a:spcAft>
+              <a:buNone/>
+            </a:pPr>
+            <a:r>
+              <a:rPr lang="en-US" dirty="0"/>
+              <a:t>CLASSES</a:t>
+            </a:r>
+            <a:endParaRPr dirty="0"/>
+          </a:p>
+        </p:txBody>
+      </p:sp>
+      <p:sp>
+        <p:nvSpPr>
+          <p:cNvPr id="176" name="Google Shape;176;p13"/>
+          <p:cNvSpPr txBox="1">
+            <a:spLocks noGrp="1"/>
+          </p:cNvSpPr>
+          <p:nvPr>
+            <p:ph type="sldNum" idx="12"/>
+          </p:nvPr>
+        </p:nvSpPr>
+        <p:spPr>
+          <a:xfrm>
+            <a:off x="8556784" y="1"/>
+            <a:ext cx="548700" cy="393600"/>
+          </a:xfrm>
+          <a:prstGeom prst="rect">
+            <a:avLst/>
+          </a:prstGeom>
+        </p:spPr>
+        <p:txBody>
+          <a:bodyPr spcFirstLastPara="1" wrap="square" lIns="91425" tIns="91425" rIns="91425" bIns="91425" anchor="t" anchorCtr="0">
+            <a:noAutofit/>
+          </a:bodyPr>
+          <a:lstStyle/>
+          <a:p>
+            <a:pPr marL="0" lvl="0" indent="0" algn="r" rtl="0">
+              <a:spcBef>
+                <a:spcPts val="0"/>
+              </a:spcBef>
+              <a:spcAft>
+                <a:spcPts val="0"/>
+              </a:spcAft>
+              <a:buNone/>
+            </a:pPr>
+            <a:fld id="{00000000-1234-1234-1234-123412341234}" type="slidenum">
+              <a:rPr lang="en"/>
+              <a:t>40</a:t>
+            </a:fld>
+            <a:endParaRPr/>
+          </a:p>
+        </p:txBody>
+      </p:sp>
+      <p:sp>
+        <p:nvSpPr>
+          <p:cNvPr id="13" name="Google Shape;203;p17">
+            <a:extLst>
+              <a:ext uri="{FF2B5EF4-FFF2-40B4-BE49-F238E27FC236}">
+                <a16:creationId xmlns:a16="http://schemas.microsoft.com/office/drawing/2014/main" id="{8AC40689-2640-478A-8A1D-675B2849EB22}"/>
+              </a:ext>
+            </a:extLst>
+          </p:cNvPr>
+          <p:cNvSpPr txBox="1">
+            <a:spLocks noGrp="1"/>
+          </p:cNvSpPr>
+          <p:nvPr>
+            <p:ph type="body" idx="1"/>
+          </p:nvPr>
+        </p:nvSpPr>
+        <p:spPr>
+          <a:xfrm>
+            <a:off x="1031425" y="1827130"/>
+            <a:ext cx="5760300" cy="2923463"/>
+          </a:xfrm>
+          <a:prstGeom prst="rect">
+            <a:avLst/>
+          </a:prstGeom>
+        </p:spPr>
+        <p:txBody>
+          <a:bodyPr spcFirstLastPara="1" wrap="square" lIns="91425" tIns="91425" rIns="91425" bIns="91425" anchor="t" anchorCtr="0">
+            <a:noAutofit/>
+          </a:bodyPr>
+          <a:lstStyle/>
+          <a:p>
+            <a:pPr marL="101600" lvl="0" indent="0" algn="l" rtl="0">
+              <a:spcBef>
+                <a:spcPts val="600"/>
+              </a:spcBef>
+              <a:spcAft>
+                <a:spcPts val="0"/>
+              </a:spcAft>
+              <a:buSzPts val="2000"/>
+              <a:buNone/>
+            </a:pPr>
+            <a:br>
+              <a:rPr lang="en-US"/>
+            </a:br>
+            <a:endParaRPr/>
+          </a:p>
+        </p:txBody>
+      </p:sp>
+      <p:sp>
+        <p:nvSpPr>
+          <p:cNvPr id="14" name="Google Shape;172;p13">
+            <a:extLst>
+              <a:ext uri="{FF2B5EF4-FFF2-40B4-BE49-F238E27FC236}">
+                <a16:creationId xmlns:a16="http://schemas.microsoft.com/office/drawing/2014/main" id="{370E5D3B-6109-46A0-A864-BAC62C6565D9}"/>
+              </a:ext>
+            </a:extLst>
+          </p:cNvPr>
+          <p:cNvSpPr txBox="1">
+            <a:spLocks/>
+          </p:cNvSpPr>
+          <p:nvPr/>
+        </p:nvSpPr>
+        <p:spPr>
+          <a:xfrm>
+            <a:off x="1545032" y="484163"/>
+            <a:ext cx="5760300" cy="680700"/>
+          </a:xfrm>
+          <a:prstGeom prst="rect">
+            <a:avLst/>
+          </a:prstGeom>
+          <a:noFill/>
+          <a:ln>
+            <a:noFill/>
+          </a:ln>
+        </p:spPr>
+        <p:txBody>
+          <a:bodyPr spcFirstLastPara="1" wrap="square" lIns="91425" tIns="91425" rIns="91425" bIns="91425" anchor="b" anchorCtr="0">
+            <a:noAutofit/>
+          </a:bodyPr>
+          <a:lstStyle>
+            <a:defPPr marR="0" lvl="0" algn="l" rtl="0">
+              <a:lnSpc>
+                <a:spcPct val="100000"/>
+              </a:lnSpc>
+              <a:spcBef>
+                <a:spcPts val="0"/>
+              </a:spcBef>
+              <a:spcAft>
+                <a:spcPts val="0"/>
+              </a:spcAft>
+            </a:defPPr>
+            <a:lvl1pPr marR="0" lvl="0" algn="l" rtl="0">
+              <a:lnSpc>
+                <a:spcPct val="100000"/>
+              </a:lnSpc>
+              <a:spcBef>
+                <a:spcPts val="0"/>
+              </a:spcBef>
+              <a:spcAft>
+                <a:spcPts val="0"/>
+              </a:spcAft>
+              <a:buClr>
+                <a:srgbClr val="3796BF"/>
+              </a:buClr>
+              <a:buSzPts val="3000"/>
+              <a:buFont typeface="Oswald"/>
+              <a:buNone/>
+              <a:defRPr sz="3000" b="1" i="0" u="none" strike="noStrike" cap="none">
+                <a:solidFill>
+                  <a:srgbClr val="3796BF"/>
+                </a:solidFill>
+                <a:latin typeface="Oswald"/>
+                <a:ea typeface="Oswald"/>
+                <a:cs typeface="Oswald"/>
+                <a:sym typeface="Oswald"/>
+              </a:defRPr>
+            </a:lvl1pPr>
+            <a:lvl2pPr marR="0" lvl="1" algn="l" rtl="0">
+              <a:lnSpc>
+                <a:spcPct val="100000"/>
+              </a:lnSpc>
+              <a:spcBef>
+                <a:spcPts val="0"/>
+              </a:spcBef>
+              <a:spcAft>
+                <a:spcPts val="0"/>
+              </a:spcAft>
+              <a:buClr>
+                <a:srgbClr val="3796BF"/>
+              </a:buClr>
+              <a:buSzPts val="3000"/>
+              <a:buFont typeface="Oswald"/>
+              <a:buNone/>
+              <a:defRPr sz="3000" b="1" i="0" u="none" strike="noStrike" cap="none">
+                <a:solidFill>
+                  <a:srgbClr val="3796BF"/>
+                </a:solidFill>
+                <a:latin typeface="Oswald"/>
+                <a:ea typeface="Oswald"/>
+                <a:cs typeface="Oswald"/>
+                <a:sym typeface="Oswald"/>
+              </a:defRPr>
+            </a:lvl2pPr>
+            <a:lvl3pPr marR="0" lvl="2" algn="l" rtl="0">
+              <a:lnSpc>
+                <a:spcPct val="100000"/>
+              </a:lnSpc>
+              <a:spcBef>
+                <a:spcPts val="0"/>
+              </a:spcBef>
+              <a:spcAft>
+                <a:spcPts val="0"/>
+              </a:spcAft>
+              <a:buClr>
+                <a:srgbClr val="3796BF"/>
+              </a:buClr>
+              <a:buSzPts val="3000"/>
+              <a:buFont typeface="Oswald"/>
+              <a:buNone/>
+              <a:defRPr sz="3000" b="1" i="0" u="none" strike="noStrike" cap="none">
+                <a:solidFill>
+                  <a:srgbClr val="3796BF"/>
+                </a:solidFill>
+                <a:latin typeface="Oswald"/>
+                <a:ea typeface="Oswald"/>
+                <a:cs typeface="Oswald"/>
+                <a:sym typeface="Oswald"/>
+              </a:defRPr>
+            </a:lvl3pPr>
+            <a:lvl4pPr marR="0" lvl="3" algn="l" rtl="0">
+              <a:lnSpc>
+                <a:spcPct val="100000"/>
+              </a:lnSpc>
+              <a:spcBef>
+                <a:spcPts val="0"/>
+              </a:spcBef>
+              <a:spcAft>
+                <a:spcPts val="0"/>
+              </a:spcAft>
+              <a:buClr>
+                <a:srgbClr val="3796BF"/>
+              </a:buClr>
+              <a:buSzPts val="3000"/>
+              <a:buFont typeface="Oswald"/>
+              <a:buNone/>
+              <a:defRPr sz="3000" b="1" i="0" u="none" strike="noStrike" cap="none">
+                <a:solidFill>
+                  <a:srgbClr val="3796BF"/>
+                </a:solidFill>
+                <a:latin typeface="Oswald"/>
+                <a:ea typeface="Oswald"/>
+                <a:cs typeface="Oswald"/>
+                <a:sym typeface="Oswald"/>
+              </a:defRPr>
+            </a:lvl4pPr>
+            <a:lvl5pPr marR="0" lvl="4" algn="l" rtl="0">
+              <a:lnSpc>
+                <a:spcPct val="100000"/>
+              </a:lnSpc>
+              <a:spcBef>
+                <a:spcPts val="0"/>
+              </a:spcBef>
+              <a:spcAft>
+                <a:spcPts val="0"/>
+              </a:spcAft>
+              <a:buClr>
+                <a:srgbClr val="3796BF"/>
+              </a:buClr>
+              <a:buSzPts val="3000"/>
+              <a:buFont typeface="Oswald"/>
+              <a:buNone/>
+              <a:defRPr sz="3000" b="1" i="0" u="none" strike="noStrike" cap="none">
+                <a:solidFill>
+                  <a:srgbClr val="3796BF"/>
+                </a:solidFill>
+                <a:latin typeface="Oswald"/>
+                <a:ea typeface="Oswald"/>
+                <a:cs typeface="Oswald"/>
+                <a:sym typeface="Oswald"/>
+              </a:defRPr>
+            </a:lvl5pPr>
+            <a:lvl6pPr marR="0" lvl="5" algn="l" rtl="0">
+              <a:lnSpc>
+                <a:spcPct val="100000"/>
+              </a:lnSpc>
+              <a:spcBef>
+                <a:spcPts val="0"/>
+              </a:spcBef>
+              <a:spcAft>
+                <a:spcPts val="0"/>
+              </a:spcAft>
+              <a:buClr>
+                <a:srgbClr val="3796BF"/>
+              </a:buClr>
+              <a:buSzPts val="3000"/>
+              <a:buFont typeface="Oswald"/>
+              <a:buNone/>
+              <a:defRPr sz="3000" b="1" i="0" u="none" strike="noStrike" cap="none">
+                <a:solidFill>
+                  <a:srgbClr val="3796BF"/>
+                </a:solidFill>
+                <a:latin typeface="Oswald"/>
+                <a:ea typeface="Oswald"/>
+                <a:cs typeface="Oswald"/>
+                <a:sym typeface="Oswald"/>
+              </a:defRPr>
+            </a:lvl6pPr>
+            <a:lvl7pPr marR="0" lvl="6" algn="l" rtl="0">
+              <a:lnSpc>
+                <a:spcPct val="100000"/>
+              </a:lnSpc>
+              <a:spcBef>
+                <a:spcPts val="0"/>
+              </a:spcBef>
+              <a:spcAft>
+                <a:spcPts val="0"/>
+              </a:spcAft>
+              <a:buClr>
+                <a:srgbClr val="3796BF"/>
+              </a:buClr>
+              <a:buSzPts val="3000"/>
+              <a:buFont typeface="Oswald"/>
+              <a:buNone/>
+              <a:defRPr sz="3000" b="1" i="0" u="none" strike="noStrike" cap="none">
+                <a:solidFill>
+                  <a:srgbClr val="3796BF"/>
+                </a:solidFill>
+                <a:latin typeface="Oswald"/>
+                <a:ea typeface="Oswald"/>
+                <a:cs typeface="Oswald"/>
+                <a:sym typeface="Oswald"/>
+              </a:defRPr>
+            </a:lvl7pPr>
+            <a:lvl8pPr marR="0" lvl="7" algn="l" rtl="0">
+              <a:lnSpc>
+                <a:spcPct val="100000"/>
+              </a:lnSpc>
+              <a:spcBef>
+                <a:spcPts val="0"/>
+              </a:spcBef>
+              <a:spcAft>
+                <a:spcPts val="0"/>
+              </a:spcAft>
+              <a:buClr>
+                <a:srgbClr val="3796BF"/>
+              </a:buClr>
+              <a:buSzPts val="3000"/>
+              <a:buFont typeface="Oswald"/>
+              <a:buNone/>
+              <a:defRPr sz="3000" b="1" i="0" u="none" strike="noStrike" cap="none">
+                <a:solidFill>
+                  <a:srgbClr val="3796BF"/>
+                </a:solidFill>
+                <a:latin typeface="Oswald"/>
+                <a:ea typeface="Oswald"/>
+                <a:cs typeface="Oswald"/>
+                <a:sym typeface="Oswald"/>
+              </a:defRPr>
+            </a:lvl8pPr>
+            <a:lvl9pPr marR="0" lvl="8" algn="l" rtl="0">
+              <a:lnSpc>
+                <a:spcPct val="100000"/>
+              </a:lnSpc>
+              <a:spcBef>
+                <a:spcPts val="0"/>
+              </a:spcBef>
+              <a:spcAft>
+                <a:spcPts val="0"/>
+              </a:spcAft>
+              <a:buClr>
+                <a:srgbClr val="3796BF"/>
+              </a:buClr>
+              <a:buSzPts val="3000"/>
+              <a:buFont typeface="Oswald"/>
+              <a:buNone/>
+              <a:defRPr sz="3000" b="1" i="0" u="none" strike="noStrike" cap="none">
+                <a:solidFill>
+                  <a:srgbClr val="3796BF"/>
+                </a:solidFill>
+                <a:latin typeface="Oswald"/>
+                <a:ea typeface="Oswald"/>
+                <a:cs typeface="Oswald"/>
+                <a:sym typeface="Oswald"/>
+              </a:defRPr>
+            </a:lvl9pPr>
+          </a:lstStyle>
+          <a:p>
+            <a:r>
+              <a:rPr lang="en-US" sz="2300" dirty="0"/>
+              <a:t>4. Organizing for Change</a:t>
+            </a:r>
+          </a:p>
+        </p:txBody>
+      </p:sp>
+      <p:pic>
+        <p:nvPicPr>
+          <p:cNvPr id="2" name="Hình ảnh 1">
+            <a:extLst>
+              <a:ext uri="{FF2B5EF4-FFF2-40B4-BE49-F238E27FC236}">
+                <a16:creationId xmlns:a16="http://schemas.microsoft.com/office/drawing/2014/main" id="{A9620D3B-7154-425B-9FE6-BCE97C776D0D}"/>
+              </a:ext>
+            </a:extLst>
+          </p:cNvPr>
+          <p:cNvPicPr>
+            <a:picLocks noChangeAspect="1"/>
+          </p:cNvPicPr>
+          <p:nvPr/>
+        </p:nvPicPr>
+        <p:blipFill>
+          <a:blip r:embed="rId3"/>
+          <a:stretch>
+            <a:fillRect/>
+          </a:stretch>
+        </p:blipFill>
+        <p:spPr>
+          <a:xfrm>
+            <a:off x="2702838" y="1317251"/>
+            <a:ext cx="3444688" cy="3570754"/>
+          </a:xfrm>
+          <a:prstGeom prst="rect">
+            <a:avLst/>
+          </a:prstGeom>
+        </p:spPr>
+      </p:pic>
+    </p:spTree>
+    <p:extLst>
+      <p:ext uri="{BB962C8B-B14F-4D97-AF65-F5344CB8AC3E}">
+        <p14:creationId xmlns:p14="http://schemas.microsoft.com/office/powerpoint/2010/main" val="1546732701"/>
+      </p:ext>
+    </p:extLst>
+  </p:cSld>
+  <p:clrMapOvr>
+    <a:masterClrMapping/>
+  </p:clrMapOvr>
+</p:sld>
+</file>
+
+<file path=ppt/slides/slide41.xml><?xml version="1.0" encoding="utf-8"?>
+<p:sld xmlns:a="http://schemas.openxmlformats.org/drawingml/2006/main" xmlns:r="http://schemas.openxmlformats.org/officeDocument/2006/relationships" xmlns:p="http://schemas.openxmlformats.org/presentationml/2006/main">
+  <p:cSld>
+    <p:spTree>
+      <p:nvGrpSpPr>
         <p:cNvPr id="1" name="Shape 201"/>
         <p:cNvGrpSpPr/>
         <p:nvPr/>
@@ -31939,7 +33384,7 @@
             </a:pPr>
             <a:fld id="{00000000-1234-1234-1234-123412341234}" type="slidenum">
               <a:rPr lang="en"/>
-              <a:t>40</a:t>
+              <a:t>41</a:t>
             </a:fld>
             <a:endParaRPr/>
           </a:p>
@@ -31958,7 +33403,7 @@
 </p:sld>
 </file>
 
-<file path=ppt/slides/slide41.xml><?xml version="1.0" encoding="utf-8"?>
+<file path=ppt/slides/slide42.xml><?xml version="1.0" encoding="utf-8"?>
 <p:sld xmlns:a="http://schemas.openxmlformats.org/drawingml/2006/main" xmlns:r="http://schemas.openxmlformats.org/officeDocument/2006/relationships" xmlns:p="http://schemas.openxmlformats.org/presentationml/2006/main">
   <p:cSld>
     <p:spTree>
@@ -32053,7 +33498,7 @@
             </a:pPr>
             <a:fld id="{00000000-1234-1234-1234-123412341234}" type="slidenum">
               <a:rPr lang="en"/>
-              <a:t>41</a:t>
+              <a:t>42</a:t>
             </a:fld>
             <a:endParaRPr/>
           </a:p>
@@ -32506,864 +33951,6 @@
 </p:sld>
 </file>
 
-<file path=ppt/slides/slide42.xml><?xml version="1.0" encoding="utf-8"?>
-<p:sld xmlns:a="http://schemas.openxmlformats.org/drawingml/2006/main" xmlns:r="http://schemas.openxmlformats.org/officeDocument/2006/relationships" xmlns:p="http://schemas.openxmlformats.org/presentationml/2006/main">
-  <p:cSld>
-    <p:spTree>
-      <p:nvGrpSpPr>
-        <p:cNvPr id="1" name="Shape 171"/>
-        <p:cNvGrpSpPr/>
-        <p:nvPr/>
-      </p:nvGrpSpPr>
-      <p:grpSpPr>
-        <a:xfrm>
-          <a:off x="0" y="0"/>
-          <a:ext cx="0" cy="0"/>
-          <a:chOff x="0" y="0"/>
-          <a:chExt cx="0" cy="0"/>
-        </a:xfrm>
-      </p:grpSpPr>
-      <p:sp>
-        <p:nvSpPr>
-          <p:cNvPr id="172" name="Google Shape;172;p13"/>
-          <p:cNvSpPr txBox="1">
-            <a:spLocks noGrp="1"/>
-          </p:cNvSpPr>
-          <p:nvPr>
-            <p:ph type="title"/>
-          </p:nvPr>
-        </p:nvSpPr>
-        <p:spPr>
-          <a:xfrm>
-            <a:off x="1838668" y="53251"/>
-            <a:ext cx="5760300" cy="680700"/>
-          </a:xfrm>
-          <a:prstGeom prst="rect">
-            <a:avLst/>
-          </a:prstGeom>
-        </p:spPr>
-        <p:txBody>
-          <a:bodyPr spcFirstLastPara="1" wrap="square" lIns="91425" tIns="91425" rIns="91425" bIns="91425" anchor="b" anchorCtr="0">
-            <a:noAutofit/>
-          </a:bodyPr>
-          <a:lstStyle/>
-          <a:p>
-            <a:pPr marL="0" lvl="0" indent="0" algn="ctr" rtl="0">
-              <a:spcBef>
-                <a:spcPts val="0"/>
-              </a:spcBef>
-              <a:spcAft>
-                <a:spcPts val="0"/>
-              </a:spcAft>
-              <a:buNone/>
-            </a:pPr>
-            <a:r>
-              <a:rPr lang="en-US" dirty="0"/>
-              <a:t>EMERGENCE</a:t>
-            </a:r>
-            <a:endParaRPr dirty="0"/>
-          </a:p>
-        </p:txBody>
-      </p:sp>
-      <p:sp>
-        <p:nvSpPr>
-          <p:cNvPr id="176" name="Google Shape;176;p13"/>
-          <p:cNvSpPr txBox="1">
-            <a:spLocks noGrp="1"/>
-          </p:cNvSpPr>
-          <p:nvPr>
-            <p:ph type="sldNum" idx="12"/>
-          </p:nvPr>
-        </p:nvSpPr>
-        <p:spPr>
-          <a:xfrm>
-            <a:off x="8556784" y="1"/>
-            <a:ext cx="548700" cy="393600"/>
-          </a:xfrm>
-          <a:prstGeom prst="rect">
-            <a:avLst/>
-          </a:prstGeom>
-        </p:spPr>
-        <p:txBody>
-          <a:bodyPr spcFirstLastPara="1" wrap="square" lIns="91425" tIns="91425" rIns="91425" bIns="91425" anchor="t" anchorCtr="0">
-            <a:noAutofit/>
-          </a:bodyPr>
-          <a:lstStyle/>
-          <a:p>
-            <a:pPr marL="0" lvl="0" indent="0" algn="r" rtl="0">
-              <a:spcBef>
-                <a:spcPts val="0"/>
-              </a:spcBef>
-              <a:spcAft>
-                <a:spcPts val="0"/>
-              </a:spcAft>
-              <a:buNone/>
-            </a:pPr>
-            <a:fld id="{00000000-1234-1234-1234-123412341234}" type="slidenum">
-              <a:rPr lang="en"/>
-              <a:t>42</a:t>
-            </a:fld>
-            <a:endParaRPr/>
-          </a:p>
-        </p:txBody>
-      </p:sp>
-      <p:sp>
-        <p:nvSpPr>
-          <p:cNvPr id="13" name="Google Shape;203;p17">
-            <a:extLst>
-              <a:ext uri="{FF2B5EF4-FFF2-40B4-BE49-F238E27FC236}">
-                <a16:creationId xmlns:a16="http://schemas.microsoft.com/office/drawing/2014/main" id="{8AC40689-2640-478A-8A1D-675B2849EB22}"/>
-              </a:ext>
-            </a:extLst>
-          </p:cNvPr>
-          <p:cNvSpPr txBox="1">
-            <a:spLocks noGrp="1"/>
-          </p:cNvSpPr>
-          <p:nvPr>
-            <p:ph type="body" idx="1"/>
-          </p:nvPr>
-        </p:nvSpPr>
-        <p:spPr>
-          <a:xfrm>
-            <a:off x="1031425" y="1692659"/>
-            <a:ext cx="5760300" cy="2923463"/>
-          </a:xfrm>
-          <a:prstGeom prst="rect">
-            <a:avLst/>
-          </a:prstGeom>
-        </p:spPr>
-        <p:txBody>
-          <a:bodyPr spcFirstLastPara="1" wrap="square" lIns="91425" tIns="91425" rIns="91425" bIns="91425" anchor="t" anchorCtr="0">
-            <a:noAutofit/>
-          </a:bodyPr>
-          <a:lstStyle/>
-          <a:p>
-            <a:pPr marL="101600" lvl="0" indent="0" algn="l" rtl="0">
-              <a:spcBef>
-                <a:spcPts val="600"/>
-              </a:spcBef>
-              <a:spcAft>
-                <a:spcPts val="0"/>
-              </a:spcAft>
-              <a:buSzPts val="2000"/>
-              <a:buNone/>
-            </a:pPr>
-            <a:br>
-              <a:rPr lang="en-US" dirty="0"/>
-            </a:br>
-            <a:br>
-              <a:rPr lang="en-US" dirty="0"/>
-            </a:br>
-            <a:br>
-              <a:rPr lang="en-US" dirty="0"/>
-            </a:br>
-            <a:endParaRPr lang="en-US" dirty="0"/>
-          </a:p>
-          <a:p>
-            <a:pPr marL="101600" lvl="0" indent="0" algn="l" rtl="0">
-              <a:spcBef>
-                <a:spcPts val="600"/>
-              </a:spcBef>
-              <a:spcAft>
-                <a:spcPts val="0"/>
-              </a:spcAft>
-              <a:buSzPts val="2000"/>
-              <a:buNone/>
-            </a:pPr>
-            <a:br>
-              <a:rPr lang="en-US" dirty="0"/>
-            </a:br>
-            <a:br>
-              <a:rPr lang="en-US" dirty="0"/>
-            </a:br>
-            <a:endParaRPr lang="en-US" dirty="0"/>
-          </a:p>
-          <a:p>
-            <a:pPr marL="101600" lvl="0" indent="0" algn="l" rtl="0">
-              <a:spcBef>
-                <a:spcPts val="600"/>
-              </a:spcBef>
-              <a:spcAft>
-                <a:spcPts val="0"/>
-              </a:spcAft>
-              <a:buSzPts val="2000"/>
-              <a:buNone/>
-            </a:pPr>
-            <a:br>
-              <a:rPr lang="en-US" dirty="0"/>
-            </a:br>
-            <a:endParaRPr dirty="0"/>
-          </a:p>
-        </p:txBody>
-      </p:sp>
-      <p:sp>
-        <p:nvSpPr>
-          <p:cNvPr id="14" name="Google Shape;172;p13">
-            <a:extLst>
-              <a:ext uri="{FF2B5EF4-FFF2-40B4-BE49-F238E27FC236}">
-                <a16:creationId xmlns:a16="http://schemas.microsoft.com/office/drawing/2014/main" id="{370E5D3B-6109-46A0-A864-BAC62C6565D9}"/>
-              </a:ext>
-            </a:extLst>
-          </p:cNvPr>
-          <p:cNvSpPr txBox="1">
-            <a:spLocks/>
-          </p:cNvSpPr>
-          <p:nvPr/>
-        </p:nvSpPr>
-        <p:spPr>
-          <a:xfrm>
-            <a:off x="1031425" y="1194442"/>
-            <a:ext cx="5760300" cy="680700"/>
-          </a:xfrm>
-          <a:prstGeom prst="rect">
-            <a:avLst/>
-          </a:prstGeom>
-          <a:noFill/>
-          <a:ln>
-            <a:noFill/>
-          </a:ln>
-        </p:spPr>
-        <p:txBody>
-          <a:bodyPr spcFirstLastPara="1" wrap="square" lIns="91425" tIns="91425" rIns="91425" bIns="91425" anchor="b" anchorCtr="0">
-            <a:noAutofit/>
-          </a:bodyPr>
-          <a:lstStyle>
-            <a:defPPr marR="0" lvl="0" algn="l" rtl="0">
-              <a:lnSpc>
-                <a:spcPct val="100000"/>
-              </a:lnSpc>
-              <a:spcBef>
-                <a:spcPts val="0"/>
-              </a:spcBef>
-              <a:spcAft>
-                <a:spcPts val="0"/>
-              </a:spcAft>
-            </a:defPPr>
-            <a:lvl1pPr marR="0" lvl="0" algn="l" rtl="0">
-              <a:lnSpc>
-                <a:spcPct val="100000"/>
-              </a:lnSpc>
-              <a:spcBef>
-                <a:spcPts val="0"/>
-              </a:spcBef>
-              <a:spcAft>
-                <a:spcPts val="0"/>
-              </a:spcAft>
-              <a:buClr>
-                <a:srgbClr val="3796BF"/>
-              </a:buClr>
-              <a:buSzPts val="3000"/>
-              <a:buFont typeface="Oswald"/>
-              <a:buNone/>
-              <a:defRPr sz="3000" b="1" i="0" u="none" strike="noStrike" cap="none">
-                <a:solidFill>
-                  <a:srgbClr val="3796BF"/>
-                </a:solidFill>
-                <a:latin typeface="Oswald"/>
-                <a:ea typeface="Oswald"/>
-                <a:cs typeface="Oswald"/>
-                <a:sym typeface="Oswald"/>
-              </a:defRPr>
-            </a:lvl1pPr>
-            <a:lvl2pPr marR="0" lvl="1" algn="l" rtl="0">
-              <a:lnSpc>
-                <a:spcPct val="100000"/>
-              </a:lnSpc>
-              <a:spcBef>
-                <a:spcPts val="0"/>
-              </a:spcBef>
-              <a:spcAft>
-                <a:spcPts val="0"/>
-              </a:spcAft>
-              <a:buClr>
-                <a:srgbClr val="3796BF"/>
-              </a:buClr>
-              <a:buSzPts val="3000"/>
-              <a:buFont typeface="Oswald"/>
-              <a:buNone/>
-              <a:defRPr sz="3000" b="1" i="0" u="none" strike="noStrike" cap="none">
-                <a:solidFill>
-                  <a:srgbClr val="3796BF"/>
-                </a:solidFill>
-                <a:latin typeface="Oswald"/>
-                <a:ea typeface="Oswald"/>
-                <a:cs typeface="Oswald"/>
-                <a:sym typeface="Oswald"/>
-              </a:defRPr>
-            </a:lvl2pPr>
-            <a:lvl3pPr marR="0" lvl="2" algn="l" rtl="0">
-              <a:lnSpc>
-                <a:spcPct val="100000"/>
-              </a:lnSpc>
-              <a:spcBef>
-                <a:spcPts val="0"/>
-              </a:spcBef>
-              <a:spcAft>
-                <a:spcPts val="0"/>
-              </a:spcAft>
-              <a:buClr>
-                <a:srgbClr val="3796BF"/>
-              </a:buClr>
-              <a:buSzPts val="3000"/>
-              <a:buFont typeface="Oswald"/>
-              <a:buNone/>
-              <a:defRPr sz="3000" b="1" i="0" u="none" strike="noStrike" cap="none">
-                <a:solidFill>
-                  <a:srgbClr val="3796BF"/>
-                </a:solidFill>
-                <a:latin typeface="Oswald"/>
-                <a:ea typeface="Oswald"/>
-                <a:cs typeface="Oswald"/>
-                <a:sym typeface="Oswald"/>
-              </a:defRPr>
-            </a:lvl3pPr>
-            <a:lvl4pPr marR="0" lvl="3" algn="l" rtl="0">
-              <a:lnSpc>
-                <a:spcPct val="100000"/>
-              </a:lnSpc>
-              <a:spcBef>
-                <a:spcPts val="0"/>
-              </a:spcBef>
-              <a:spcAft>
-                <a:spcPts val="0"/>
-              </a:spcAft>
-              <a:buClr>
-                <a:srgbClr val="3796BF"/>
-              </a:buClr>
-              <a:buSzPts val="3000"/>
-              <a:buFont typeface="Oswald"/>
-              <a:buNone/>
-              <a:defRPr sz="3000" b="1" i="0" u="none" strike="noStrike" cap="none">
-                <a:solidFill>
-                  <a:srgbClr val="3796BF"/>
-                </a:solidFill>
-                <a:latin typeface="Oswald"/>
-                <a:ea typeface="Oswald"/>
-                <a:cs typeface="Oswald"/>
-                <a:sym typeface="Oswald"/>
-              </a:defRPr>
-            </a:lvl4pPr>
-            <a:lvl5pPr marR="0" lvl="4" algn="l" rtl="0">
-              <a:lnSpc>
-                <a:spcPct val="100000"/>
-              </a:lnSpc>
-              <a:spcBef>
-                <a:spcPts val="0"/>
-              </a:spcBef>
-              <a:spcAft>
-                <a:spcPts val="0"/>
-              </a:spcAft>
-              <a:buClr>
-                <a:srgbClr val="3796BF"/>
-              </a:buClr>
-              <a:buSzPts val="3000"/>
-              <a:buFont typeface="Oswald"/>
-              <a:buNone/>
-              <a:defRPr sz="3000" b="1" i="0" u="none" strike="noStrike" cap="none">
-                <a:solidFill>
-                  <a:srgbClr val="3796BF"/>
-                </a:solidFill>
-                <a:latin typeface="Oswald"/>
-                <a:ea typeface="Oswald"/>
-                <a:cs typeface="Oswald"/>
-                <a:sym typeface="Oswald"/>
-              </a:defRPr>
-            </a:lvl5pPr>
-            <a:lvl6pPr marR="0" lvl="5" algn="l" rtl="0">
-              <a:lnSpc>
-                <a:spcPct val="100000"/>
-              </a:lnSpc>
-              <a:spcBef>
-                <a:spcPts val="0"/>
-              </a:spcBef>
-              <a:spcAft>
-                <a:spcPts val="0"/>
-              </a:spcAft>
-              <a:buClr>
-                <a:srgbClr val="3796BF"/>
-              </a:buClr>
-              <a:buSzPts val="3000"/>
-              <a:buFont typeface="Oswald"/>
-              <a:buNone/>
-              <a:defRPr sz="3000" b="1" i="0" u="none" strike="noStrike" cap="none">
-                <a:solidFill>
-                  <a:srgbClr val="3796BF"/>
-                </a:solidFill>
-                <a:latin typeface="Oswald"/>
-                <a:ea typeface="Oswald"/>
-                <a:cs typeface="Oswald"/>
-                <a:sym typeface="Oswald"/>
-              </a:defRPr>
-            </a:lvl6pPr>
-            <a:lvl7pPr marR="0" lvl="6" algn="l" rtl="0">
-              <a:lnSpc>
-                <a:spcPct val="100000"/>
-              </a:lnSpc>
-              <a:spcBef>
-                <a:spcPts val="0"/>
-              </a:spcBef>
-              <a:spcAft>
-                <a:spcPts val="0"/>
-              </a:spcAft>
-              <a:buClr>
-                <a:srgbClr val="3796BF"/>
-              </a:buClr>
-              <a:buSzPts val="3000"/>
-              <a:buFont typeface="Oswald"/>
-              <a:buNone/>
-              <a:defRPr sz="3000" b="1" i="0" u="none" strike="noStrike" cap="none">
-                <a:solidFill>
-                  <a:srgbClr val="3796BF"/>
-                </a:solidFill>
-                <a:latin typeface="Oswald"/>
-                <a:ea typeface="Oswald"/>
-                <a:cs typeface="Oswald"/>
-                <a:sym typeface="Oswald"/>
-              </a:defRPr>
-            </a:lvl7pPr>
-            <a:lvl8pPr marR="0" lvl="7" algn="l" rtl="0">
-              <a:lnSpc>
-                <a:spcPct val="100000"/>
-              </a:lnSpc>
-              <a:spcBef>
-                <a:spcPts val="0"/>
-              </a:spcBef>
-              <a:spcAft>
-                <a:spcPts val="0"/>
-              </a:spcAft>
-              <a:buClr>
-                <a:srgbClr val="3796BF"/>
-              </a:buClr>
-              <a:buSzPts val="3000"/>
-              <a:buFont typeface="Oswald"/>
-              <a:buNone/>
-              <a:defRPr sz="3000" b="1" i="0" u="none" strike="noStrike" cap="none">
-                <a:solidFill>
-                  <a:srgbClr val="3796BF"/>
-                </a:solidFill>
-                <a:latin typeface="Oswald"/>
-                <a:ea typeface="Oswald"/>
-                <a:cs typeface="Oswald"/>
-                <a:sym typeface="Oswald"/>
-              </a:defRPr>
-            </a:lvl8pPr>
-            <a:lvl9pPr marR="0" lvl="8" algn="l" rtl="0">
-              <a:lnSpc>
-                <a:spcPct val="100000"/>
-              </a:lnSpc>
-              <a:spcBef>
-                <a:spcPts val="0"/>
-              </a:spcBef>
-              <a:spcAft>
-                <a:spcPts val="0"/>
-              </a:spcAft>
-              <a:buClr>
-                <a:srgbClr val="3796BF"/>
-              </a:buClr>
-              <a:buSzPts val="3000"/>
-              <a:buFont typeface="Oswald"/>
-              <a:buNone/>
-              <a:defRPr sz="3000" b="1" i="0" u="none" strike="noStrike" cap="none">
-                <a:solidFill>
-                  <a:srgbClr val="3796BF"/>
-                </a:solidFill>
-                <a:latin typeface="Oswald"/>
-                <a:ea typeface="Oswald"/>
-                <a:cs typeface="Oswald"/>
-                <a:sym typeface="Oswald"/>
-              </a:defRPr>
-            </a:lvl9pPr>
-          </a:lstStyle>
-          <a:p>
-            <a:r>
-              <a:rPr lang="en-US" sz="2400" dirty="0"/>
-              <a:t>Simple Design Rule 3: Expressive</a:t>
-            </a:r>
-          </a:p>
-          <a:p>
-            <a:endParaRPr lang="en-US" sz="2300" dirty="0"/>
-          </a:p>
-        </p:txBody>
-      </p:sp>
-      <p:sp>
-        <p:nvSpPr>
-          <p:cNvPr id="9" name="Google Shape;203;p17">
-            <a:extLst>
-              <a:ext uri="{FF2B5EF4-FFF2-40B4-BE49-F238E27FC236}">
-                <a16:creationId xmlns:a16="http://schemas.microsoft.com/office/drawing/2014/main" id="{0C496F7F-00AB-457B-A755-D7FCEE416206}"/>
-              </a:ext>
-            </a:extLst>
-          </p:cNvPr>
-          <p:cNvSpPr txBox="1">
-            <a:spLocks/>
-          </p:cNvSpPr>
-          <p:nvPr/>
-        </p:nvSpPr>
-        <p:spPr>
-          <a:xfrm>
-            <a:off x="1490144" y="1402590"/>
-            <a:ext cx="5892291" cy="3956063"/>
-          </a:xfrm>
-          <a:prstGeom prst="rect">
-            <a:avLst/>
-          </a:prstGeom>
-          <a:noFill/>
-          <a:ln>
-            <a:noFill/>
-          </a:ln>
-        </p:spPr>
-        <p:txBody>
-          <a:bodyPr spcFirstLastPara="1" wrap="square" lIns="91425" tIns="91425" rIns="91425" bIns="91425" anchor="t" anchorCtr="0">
-            <a:noAutofit/>
-          </a:bodyPr>
-          <a:lstStyle>
-            <a:defPPr marR="0" lvl="0" algn="l" rtl="0">
-              <a:lnSpc>
-                <a:spcPct val="100000"/>
-              </a:lnSpc>
-              <a:spcBef>
-                <a:spcPts val="0"/>
-              </a:spcBef>
-              <a:spcAft>
-                <a:spcPts val="0"/>
-              </a:spcAft>
-            </a:defPPr>
-            <a:lvl1pPr marL="457200" marR="0" lvl="0" indent="-342900" algn="l" rtl="0">
-              <a:lnSpc>
-                <a:spcPct val="100000"/>
-              </a:lnSpc>
-              <a:spcBef>
-                <a:spcPts val="600"/>
-              </a:spcBef>
-              <a:spcAft>
-                <a:spcPts val="0"/>
-              </a:spcAft>
-              <a:buClr>
-                <a:srgbClr val="4BB5D9"/>
-              </a:buClr>
-              <a:buSzPts val="1800"/>
-              <a:buFont typeface="Roboto Condensed"/>
-              <a:buChar char="»"/>
-              <a:defRPr sz="1800" b="0" i="0" u="none" strike="noStrike" cap="none">
-                <a:solidFill>
-                  <a:srgbClr val="607896"/>
-                </a:solidFill>
-                <a:latin typeface="Roboto Condensed"/>
-                <a:ea typeface="Roboto Condensed"/>
-                <a:cs typeface="Roboto Condensed"/>
-                <a:sym typeface="Roboto Condensed"/>
-              </a:defRPr>
-            </a:lvl1pPr>
-            <a:lvl2pPr marL="914400" marR="0" lvl="1" indent="-342900" algn="l" rtl="0">
-              <a:lnSpc>
-                <a:spcPct val="100000"/>
-              </a:lnSpc>
-              <a:spcBef>
-                <a:spcPts val="0"/>
-              </a:spcBef>
-              <a:spcAft>
-                <a:spcPts val="0"/>
-              </a:spcAft>
-              <a:buClr>
-                <a:srgbClr val="4BB5D9"/>
-              </a:buClr>
-              <a:buSzPts val="1800"/>
-              <a:buFont typeface="Roboto Condensed"/>
-              <a:buChar char="⋄"/>
-              <a:defRPr sz="1800" b="0" i="0" u="none" strike="noStrike" cap="none">
-                <a:solidFill>
-                  <a:srgbClr val="607896"/>
-                </a:solidFill>
-                <a:latin typeface="Roboto Condensed"/>
-                <a:ea typeface="Roboto Condensed"/>
-                <a:cs typeface="Roboto Condensed"/>
-                <a:sym typeface="Roboto Condensed"/>
-              </a:defRPr>
-            </a:lvl2pPr>
-            <a:lvl3pPr marL="1371600" marR="0" lvl="2" indent="-342900" algn="l" rtl="0">
-              <a:lnSpc>
-                <a:spcPct val="100000"/>
-              </a:lnSpc>
-              <a:spcBef>
-                <a:spcPts val="0"/>
-              </a:spcBef>
-              <a:spcAft>
-                <a:spcPts val="0"/>
-              </a:spcAft>
-              <a:buClr>
-                <a:srgbClr val="607896"/>
-              </a:buClr>
-              <a:buSzPts val="1800"/>
-              <a:buFont typeface="Roboto Condensed"/>
-              <a:buChar char="⋄"/>
-              <a:defRPr sz="1800" b="0" i="0" u="none" strike="noStrike" cap="none">
-                <a:solidFill>
-                  <a:srgbClr val="607896"/>
-                </a:solidFill>
-                <a:latin typeface="Roboto Condensed"/>
-                <a:ea typeface="Roboto Condensed"/>
-                <a:cs typeface="Roboto Condensed"/>
-                <a:sym typeface="Roboto Condensed"/>
-              </a:defRPr>
-            </a:lvl3pPr>
-            <a:lvl4pPr marL="1828800" marR="0" lvl="3" indent="-342900" algn="l" rtl="0">
-              <a:lnSpc>
-                <a:spcPct val="100000"/>
-              </a:lnSpc>
-              <a:spcBef>
-                <a:spcPts val="0"/>
-              </a:spcBef>
-              <a:spcAft>
-                <a:spcPts val="0"/>
-              </a:spcAft>
-              <a:buClr>
-                <a:srgbClr val="607896"/>
-              </a:buClr>
-              <a:buSzPts val="1800"/>
-              <a:buFont typeface="Roboto Condensed"/>
-              <a:buChar char="⋄"/>
-              <a:defRPr sz="1800" b="0" i="0" u="none" strike="noStrike" cap="none">
-                <a:solidFill>
-                  <a:srgbClr val="607896"/>
-                </a:solidFill>
-                <a:latin typeface="Roboto Condensed"/>
-                <a:ea typeface="Roboto Condensed"/>
-                <a:cs typeface="Roboto Condensed"/>
-                <a:sym typeface="Roboto Condensed"/>
-              </a:defRPr>
-            </a:lvl4pPr>
-            <a:lvl5pPr marL="2286000" marR="0" lvl="4" indent="-342900" algn="l" rtl="0">
-              <a:lnSpc>
-                <a:spcPct val="100000"/>
-              </a:lnSpc>
-              <a:spcBef>
-                <a:spcPts val="0"/>
-              </a:spcBef>
-              <a:spcAft>
-                <a:spcPts val="0"/>
-              </a:spcAft>
-              <a:buClr>
-                <a:srgbClr val="607896"/>
-              </a:buClr>
-              <a:buSzPts val="1800"/>
-              <a:buFont typeface="Roboto Condensed"/>
-              <a:buChar char="⋄"/>
-              <a:defRPr sz="1800" b="0" i="0" u="none" strike="noStrike" cap="none">
-                <a:solidFill>
-                  <a:srgbClr val="607896"/>
-                </a:solidFill>
-                <a:latin typeface="Roboto Condensed"/>
-                <a:ea typeface="Roboto Condensed"/>
-                <a:cs typeface="Roboto Condensed"/>
-                <a:sym typeface="Roboto Condensed"/>
-              </a:defRPr>
-            </a:lvl5pPr>
-            <a:lvl6pPr marL="2743200" marR="0" lvl="5" indent="-342900" algn="l" rtl="0">
-              <a:lnSpc>
-                <a:spcPct val="100000"/>
-              </a:lnSpc>
-              <a:spcBef>
-                <a:spcPts val="0"/>
-              </a:spcBef>
-              <a:spcAft>
-                <a:spcPts val="0"/>
-              </a:spcAft>
-              <a:buClr>
-                <a:srgbClr val="607896"/>
-              </a:buClr>
-              <a:buSzPts val="1800"/>
-              <a:buFont typeface="Roboto Condensed"/>
-              <a:buChar char="⋄"/>
-              <a:defRPr sz="1800" b="0" i="0" u="none" strike="noStrike" cap="none">
-                <a:solidFill>
-                  <a:srgbClr val="607896"/>
-                </a:solidFill>
-                <a:latin typeface="Roboto Condensed"/>
-                <a:ea typeface="Roboto Condensed"/>
-                <a:cs typeface="Roboto Condensed"/>
-                <a:sym typeface="Roboto Condensed"/>
-              </a:defRPr>
-            </a:lvl6pPr>
-            <a:lvl7pPr marL="3200400" marR="0" lvl="6" indent="-342900" algn="l" rtl="0">
-              <a:lnSpc>
-                <a:spcPct val="100000"/>
-              </a:lnSpc>
-              <a:spcBef>
-                <a:spcPts val="0"/>
-              </a:spcBef>
-              <a:spcAft>
-                <a:spcPts val="0"/>
-              </a:spcAft>
-              <a:buClr>
-                <a:srgbClr val="607896"/>
-              </a:buClr>
-              <a:buSzPts val="1800"/>
-              <a:buFont typeface="Roboto Condensed"/>
-              <a:buChar char="●"/>
-              <a:defRPr sz="1800" b="0" i="0" u="none" strike="noStrike" cap="none">
-                <a:solidFill>
-                  <a:srgbClr val="607896"/>
-                </a:solidFill>
-                <a:latin typeface="Roboto Condensed"/>
-                <a:ea typeface="Roboto Condensed"/>
-                <a:cs typeface="Roboto Condensed"/>
-                <a:sym typeface="Roboto Condensed"/>
-              </a:defRPr>
-            </a:lvl7pPr>
-            <a:lvl8pPr marL="3657600" marR="0" lvl="7" indent="-342900" algn="l" rtl="0">
-              <a:lnSpc>
-                <a:spcPct val="100000"/>
-              </a:lnSpc>
-              <a:spcBef>
-                <a:spcPts val="0"/>
-              </a:spcBef>
-              <a:spcAft>
-                <a:spcPts val="0"/>
-              </a:spcAft>
-              <a:buClr>
-                <a:srgbClr val="607896"/>
-              </a:buClr>
-              <a:buSzPts val="1800"/>
-              <a:buFont typeface="Roboto Condensed"/>
-              <a:buChar char="○"/>
-              <a:defRPr sz="1800" b="0" i="0" u="none" strike="noStrike" cap="none">
-                <a:solidFill>
-                  <a:srgbClr val="607896"/>
-                </a:solidFill>
-                <a:latin typeface="Roboto Condensed"/>
-                <a:ea typeface="Roboto Condensed"/>
-                <a:cs typeface="Roboto Condensed"/>
-                <a:sym typeface="Roboto Condensed"/>
-              </a:defRPr>
-            </a:lvl8pPr>
-            <a:lvl9pPr marL="4114800" marR="0" lvl="8" indent="-342900" algn="l" rtl="0">
-              <a:lnSpc>
-                <a:spcPct val="100000"/>
-              </a:lnSpc>
-              <a:spcBef>
-                <a:spcPts val="0"/>
-              </a:spcBef>
-              <a:spcAft>
-                <a:spcPts val="0"/>
-              </a:spcAft>
-              <a:buClr>
-                <a:srgbClr val="607896"/>
-              </a:buClr>
-              <a:buSzPts val="1800"/>
-              <a:buFont typeface="Roboto Condensed"/>
-              <a:buChar char="■"/>
-              <a:defRPr sz="1800" b="0" i="0" u="none" strike="noStrike" cap="none">
-                <a:solidFill>
-                  <a:srgbClr val="607896"/>
-                </a:solidFill>
-                <a:latin typeface="Roboto Condensed"/>
-                <a:ea typeface="Roboto Condensed"/>
-                <a:cs typeface="Roboto Condensed"/>
-                <a:sym typeface="Roboto Condensed"/>
-              </a:defRPr>
-            </a:lvl9pPr>
-          </a:lstStyle>
-          <a:p>
-            <a:pPr indent="-355600">
-              <a:buSzPts val="2000"/>
-            </a:pPr>
-            <a:endParaRPr lang="en-US" dirty="0"/>
-          </a:p>
-          <a:p>
-            <a:pPr indent="-355600">
-              <a:buSzPts val="2000"/>
-            </a:pPr>
-            <a:r>
-              <a:rPr lang="en-US" dirty="0"/>
-              <a:t>Code </a:t>
-            </a:r>
-            <a:r>
-              <a:rPr lang="en-US" dirty="0" err="1"/>
-              <a:t>cần</a:t>
-            </a:r>
-            <a:r>
-              <a:rPr lang="en-US" dirty="0"/>
-              <a:t> </a:t>
-            </a:r>
-            <a:r>
-              <a:rPr lang="en-US" dirty="0" err="1"/>
-              <a:t>thể</a:t>
-            </a:r>
-            <a:r>
-              <a:rPr lang="en-US" dirty="0"/>
-              <a:t> </a:t>
-            </a:r>
-            <a:r>
-              <a:rPr lang="en-US" dirty="0" err="1"/>
-              <a:t>hiện</a:t>
-            </a:r>
-            <a:r>
-              <a:rPr lang="en-US" dirty="0"/>
-              <a:t> </a:t>
-            </a:r>
-            <a:r>
-              <a:rPr lang="en-US" dirty="0" err="1"/>
-              <a:t>rõ</a:t>
-            </a:r>
-            <a:r>
-              <a:rPr lang="en-US" dirty="0"/>
-              <a:t> ý </a:t>
-            </a:r>
-            <a:r>
-              <a:rPr lang="en-US" dirty="0" err="1"/>
-              <a:t>định</a:t>
-            </a:r>
-            <a:r>
-              <a:rPr lang="en-US" dirty="0"/>
-              <a:t> </a:t>
-            </a:r>
-            <a:r>
-              <a:rPr lang="en-US" dirty="0" err="1"/>
-              <a:t>của</a:t>
-            </a:r>
-            <a:r>
-              <a:rPr lang="en-US" dirty="0"/>
-              <a:t> </a:t>
-            </a:r>
-            <a:r>
-              <a:rPr lang="en-US" dirty="0" err="1"/>
-              <a:t>người</a:t>
-            </a:r>
-            <a:r>
-              <a:rPr lang="en-US" dirty="0"/>
-              <a:t> </a:t>
-            </a:r>
-            <a:r>
-              <a:rPr lang="en-US" dirty="0" err="1"/>
-              <a:t>viết</a:t>
-            </a:r>
-            <a:r>
-              <a:rPr lang="en-US" dirty="0"/>
-              <a:t>.</a:t>
-            </a:r>
-          </a:p>
-          <a:p>
-            <a:pPr marL="101600" indent="0">
-              <a:buSzPts val="2000"/>
-              <a:buNone/>
-            </a:pPr>
-            <a:endParaRPr lang="en-US" dirty="0"/>
-          </a:p>
-        </p:txBody>
-      </p:sp>
-    </p:spTree>
-    <p:extLst>
-      <p:ext uri="{BB962C8B-B14F-4D97-AF65-F5344CB8AC3E}">
-        <p14:creationId xmlns:p14="http://schemas.microsoft.com/office/powerpoint/2010/main" val="2180187087"/>
-      </p:ext>
-    </p:extLst>
-  </p:cSld>
-  <p:clrMapOvr>
-    <a:masterClrMapping/>
-  </p:clrMapOvr>
-</p:sld>
-</file>
-
 <file path=ppt/slides/slide43.xml><?xml version="1.0" encoding="utf-8"?>
 <p:sld xmlns:a="http://schemas.openxmlformats.org/drawingml/2006/main" xmlns:r="http://schemas.openxmlformats.org/officeDocument/2006/relationships" xmlns:p="http://schemas.openxmlformats.org/presentationml/2006/main">
   <p:cSld>
@@ -33571,7 +34158,7 @@
         <p:spPr>
           <a:xfrm>
             <a:off x="1031425" y="1194442"/>
-            <a:ext cx="5961046" cy="680700"/>
+            <a:ext cx="5760300" cy="680700"/>
           </a:xfrm>
           <a:prstGeom prst="rect">
             <a:avLst/>
@@ -33835,7 +34422,7 @@
           <a:p>
             <a:r>
               <a:rPr lang="en-US" sz="2400" dirty="0"/>
-              <a:t>Simple Design Rule 4: Small</a:t>
+              <a:t>Simple Design Rule 3: Expressive</a:t>
             </a:r>
           </a:p>
           <a:p>
@@ -34133,6 +34720,864 @@
             </a:pPr>
             <a:r>
               <a:rPr lang="en-US" dirty="0"/>
+              <a:t>Code </a:t>
+            </a:r>
+            <a:r>
+              <a:rPr lang="en-US" dirty="0" err="1"/>
+              <a:t>cần</a:t>
+            </a:r>
+            <a:r>
+              <a:rPr lang="en-US" dirty="0"/>
+              <a:t> </a:t>
+            </a:r>
+            <a:r>
+              <a:rPr lang="en-US" dirty="0" err="1"/>
+              <a:t>thể</a:t>
+            </a:r>
+            <a:r>
+              <a:rPr lang="en-US" dirty="0"/>
+              <a:t> </a:t>
+            </a:r>
+            <a:r>
+              <a:rPr lang="en-US" dirty="0" err="1"/>
+              <a:t>hiện</a:t>
+            </a:r>
+            <a:r>
+              <a:rPr lang="en-US" dirty="0"/>
+              <a:t> </a:t>
+            </a:r>
+            <a:r>
+              <a:rPr lang="en-US" dirty="0" err="1"/>
+              <a:t>rõ</a:t>
+            </a:r>
+            <a:r>
+              <a:rPr lang="en-US" dirty="0"/>
+              <a:t> ý </a:t>
+            </a:r>
+            <a:r>
+              <a:rPr lang="en-US" dirty="0" err="1"/>
+              <a:t>định</a:t>
+            </a:r>
+            <a:r>
+              <a:rPr lang="en-US" dirty="0"/>
+              <a:t> </a:t>
+            </a:r>
+            <a:r>
+              <a:rPr lang="en-US" dirty="0" err="1"/>
+              <a:t>của</a:t>
+            </a:r>
+            <a:r>
+              <a:rPr lang="en-US" dirty="0"/>
+              <a:t> </a:t>
+            </a:r>
+            <a:r>
+              <a:rPr lang="en-US" dirty="0" err="1"/>
+              <a:t>người</a:t>
+            </a:r>
+            <a:r>
+              <a:rPr lang="en-US" dirty="0"/>
+              <a:t> </a:t>
+            </a:r>
+            <a:r>
+              <a:rPr lang="en-US" dirty="0" err="1"/>
+              <a:t>viết</a:t>
+            </a:r>
+            <a:r>
+              <a:rPr lang="en-US" dirty="0"/>
+              <a:t>.</a:t>
+            </a:r>
+          </a:p>
+          <a:p>
+            <a:pPr marL="101600" indent="0">
+              <a:buSzPts val="2000"/>
+              <a:buNone/>
+            </a:pPr>
+            <a:endParaRPr lang="en-US" dirty="0"/>
+          </a:p>
+        </p:txBody>
+      </p:sp>
+    </p:spTree>
+    <p:extLst>
+      <p:ext uri="{BB962C8B-B14F-4D97-AF65-F5344CB8AC3E}">
+        <p14:creationId xmlns:p14="http://schemas.microsoft.com/office/powerpoint/2010/main" val="2180187087"/>
+      </p:ext>
+    </p:extLst>
+  </p:cSld>
+  <p:clrMapOvr>
+    <a:masterClrMapping/>
+  </p:clrMapOvr>
+</p:sld>
+</file>
+
+<file path=ppt/slides/slide44.xml><?xml version="1.0" encoding="utf-8"?>
+<p:sld xmlns:a="http://schemas.openxmlformats.org/drawingml/2006/main" xmlns:r="http://schemas.openxmlformats.org/officeDocument/2006/relationships" xmlns:p="http://schemas.openxmlformats.org/presentationml/2006/main">
+  <p:cSld>
+    <p:spTree>
+      <p:nvGrpSpPr>
+        <p:cNvPr id="1" name="Shape 171"/>
+        <p:cNvGrpSpPr/>
+        <p:nvPr/>
+      </p:nvGrpSpPr>
+      <p:grpSpPr>
+        <a:xfrm>
+          <a:off x="0" y="0"/>
+          <a:ext cx="0" cy="0"/>
+          <a:chOff x="0" y="0"/>
+          <a:chExt cx="0" cy="0"/>
+        </a:xfrm>
+      </p:grpSpPr>
+      <p:sp>
+        <p:nvSpPr>
+          <p:cNvPr id="172" name="Google Shape;172;p13"/>
+          <p:cNvSpPr txBox="1">
+            <a:spLocks noGrp="1"/>
+          </p:cNvSpPr>
+          <p:nvPr>
+            <p:ph type="title"/>
+          </p:nvPr>
+        </p:nvSpPr>
+        <p:spPr>
+          <a:xfrm>
+            <a:off x="1838668" y="53251"/>
+            <a:ext cx="5760300" cy="680700"/>
+          </a:xfrm>
+          <a:prstGeom prst="rect">
+            <a:avLst/>
+          </a:prstGeom>
+        </p:spPr>
+        <p:txBody>
+          <a:bodyPr spcFirstLastPara="1" wrap="square" lIns="91425" tIns="91425" rIns="91425" bIns="91425" anchor="b" anchorCtr="0">
+            <a:noAutofit/>
+          </a:bodyPr>
+          <a:lstStyle/>
+          <a:p>
+            <a:pPr marL="0" lvl="0" indent="0" algn="ctr" rtl="0">
+              <a:spcBef>
+                <a:spcPts val="0"/>
+              </a:spcBef>
+              <a:spcAft>
+                <a:spcPts val="0"/>
+              </a:spcAft>
+              <a:buNone/>
+            </a:pPr>
+            <a:r>
+              <a:rPr lang="en-US" dirty="0"/>
+              <a:t>EMERGENCE</a:t>
+            </a:r>
+            <a:endParaRPr dirty="0"/>
+          </a:p>
+        </p:txBody>
+      </p:sp>
+      <p:sp>
+        <p:nvSpPr>
+          <p:cNvPr id="176" name="Google Shape;176;p13"/>
+          <p:cNvSpPr txBox="1">
+            <a:spLocks noGrp="1"/>
+          </p:cNvSpPr>
+          <p:nvPr>
+            <p:ph type="sldNum" idx="12"/>
+          </p:nvPr>
+        </p:nvSpPr>
+        <p:spPr>
+          <a:xfrm>
+            <a:off x="8556784" y="1"/>
+            <a:ext cx="548700" cy="393600"/>
+          </a:xfrm>
+          <a:prstGeom prst="rect">
+            <a:avLst/>
+          </a:prstGeom>
+        </p:spPr>
+        <p:txBody>
+          <a:bodyPr spcFirstLastPara="1" wrap="square" lIns="91425" tIns="91425" rIns="91425" bIns="91425" anchor="t" anchorCtr="0">
+            <a:noAutofit/>
+          </a:bodyPr>
+          <a:lstStyle/>
+          <a:p>
+            <a:pPr marL="0" lvl="0" indent="0" algn="r" rtl="0">
+              <a:spcBef>
+                <a:spcPts val="0"/>
+              </a:spcBef>
+              <a:spcAft>
+                <a:spcPts val="0"/>
+              </a:spcAft>
+              <a:buNone/>
+            </a:pPr>
+            <a:fld id="{00000000-1234-1234-1234-123412341234}" type="slidenum">
+              <a:rPr lang="en"/>
+              <a:t>44</a:t>
+            </a:fld>
+            <a:endParaRPr/>
+          </a:p>
+        </p:txBody>
+      </p:sp>
+      <p:sp>
+        <p:nvSpPr>
+          <p:cNvPr id="13" name="Google Shape;203;p17">
+            <a:extLst>
+              <a:ext uri="{FF2B5EF4-FFF2-40B4-BE49-F238E27FC236}">
+                <a16:creationId xmlns:a16="http://schemas.microsoft.com/office/drawing/2014/main" id="{8AC40689-2640-478A-8A1D-675B2849EB22}"/>
+              </a:ext>
+            </a:extLst>
+          </p:cNvPr>
+          <p:cNvSpPr txBox="1">
+            <a:spLocks noGrp="1"/>
+          </p:cNvSpPr>
+          <p:nvPr>
+            <p:ph type="body" idx="1"/>
+          </p:nvPr>
+        </p:nvSpPr>
+        <p:spPr>
+          <a:xfrm>
+            <a:off x="1031425" y="1692659"/>
+            <a:ext cx="5760300" cy="2923463"/>
+          </a:xfrm>
+          <a:prstGeom prst="rect">
+            <a:avLst/>
+          </a:prstGeom>
+        </p:spPr>
+        <p:txBody>
+          <a:bodyPr spcFirstLastPara="1" wrap="square" lIns="91425" tIns="91425" rIns="91425" bIns="91425" anchor="t" anchorCtr="0">
+            <a:noAutofit/>
+          </a:bodyPr>
+          <a:lstStyle/>
+          <a:p>
+            <a:pPr marL="101600" lvl="0" indent="0" algn="l" rtl="0">
+              <a:spcBef>
+                <a:spcPts val="600"/>
+              </a:spcBef>
+              <a:spcAft>
+                <a:spcPts val="0"/>
+              </a:spcAft>
+              <a:buSzPts val="2000"/>
+              <a:buNone/>
+            </a:pPr>
+            <a:br>
+              <a:rPr lang="en-US" dirty="0"/>
+            </a:br>
+            <a:br>
+              <a:rPr lang="en-US" dirty="0"/>
+            </a:br>
+            <a:br>
+              <a:rPr lang="en-US" dirty="0"/>
+            </a:br>
+            <a:endParaRPr lang="en-US" dirty="0"/>
+          </a:p>
+          <a:p>
+            <a:pPr marL="101600" lvl="0" indent="0" algn="l" rtl="0">
+              <a:spcBef>
+                <a:spcPts val="600"/>
+              </a:spcBef>
+              <a:spcAft>
+                <a:spcPts val="0"/>
+              </a:spcAft>
+              <a:buSzPts val="2000"/>
+              <a:buNone/>
+            </a:pPr>
+            <a:br>
+              <a:rPr lang="en-US" dirty="0"/>
+            </a:br>
+            <a:br>
+              <a:rPr lang="en-US" dirty="0"/>
+            </a:br>
+            <a:endParaRPr lang="en-US" dirty="0"/>
+          </a:p>
+          <a:p>
+            <a:pPr marL="101600" lvl="0" indent="0" algn="l" rtl="0">
+              <a:spcBef>
+                <a:spcPts val="600"/>
+              </a:spcBef>
+              <a:spcAft>
+                <a:spcPts val="0"/>
+              </a:spcAft>
+              <a:buSzPts val="2000"/>
+              <a:buNone/>
+            </a:pPr>
+            <a:br>
+              <a:rPr lang="en-US" dirty="0"/>
+            </a:br>
+            <a:endParaRPr dirty="0"/>
+          </a:p>
+        </p:txBody>
+      </p:sp>
+      <p:sp>
+        <p:nvSpPr>
+          <p:cNvPr id="14" name="Google Shape;172;p13">
+            <a:extLst>
+              <a:ext uri="{FF2B5EF4-FFF2-40B4-BE49-F238E27FC236}">
+                <a16:creationId xmlns:a16="http://schemas.microsoft.com/office/drawing/2014/main" id="{370E5D3B-6109-46A0-A864-BAC62C6565D9}"/>
+              </a:ext>
+            </a:extLst>
+          </p:cNvPr>
+          <p:cNvSpPr txBox="1">
+            <a:spLocks/>
+          </p:cNvSpPr>
+          <p:nvPr/>
+        </p:nvSpPr>
+        <p:spPr>
+          <a:xfrm>
+            <a:off x="1031425" y="1194442"/>
+            <a:ext cx="5961046" cy="680700"/>
+          </a:xfrm>
+          <a:prstGeom prst="rect">
+            <a:avLst/>
+          </a:prstGeom>
+          <a:noFill/>
+          <a:ln>
+            <a:noFill/>
+          </a:ln>
+        </p:spPr>
+        <p:txBody>
+          <a:bodyPr spcFirstLastPara="1" wrap="square" lIns="91425" tIns="91425" rIns="91425" bIns="91425" anchor="b" anchorCtr="0">
+            <a:noAutofit/>
+          </a:bodyPr>
+          <a:lstStyle>
+            <a:defPPr marR="0" lvl="0" algn="l" rtl="0">
+              <a:lnSpc>
+                <a:spcPct val="100000"/>
+              </a:lnSpc>
+              <a:spcBef>
+                <a:spcPts val="0"/>
+              </a:spcBef>
+              <a:spcAft>
+                <a:spcPts val="0"/>
+              </a:spcAft>
+            </a:defPPr>
+            <a:lvl1pPr marR="0" lvl="0" algn="l" rtl="0">
+              <a:lnSpc>
+                <a:spcPct val="100000"/>
+              </a:lnSpc>
+              <a:spcBef>
+                <a:spcPts val="0"/>
+              </a:spcBef>
+              <a:spcAft>
+                <a:spcPts val="0"/>
+              </a:spcAft>
+              <a:buClr>
+                <a:srgbClr val="3796BF"/>
+              </a:buClr>
+              <a:buSzPts val="3000"/>
+              <a:buFont typeface="Oswald"/>
+              <a:buNone/>
+              <a:defRPr sz="3000" b="1" i="0" u="none" strike="noStrike" cap="none">
+                <a:solidFill>
+                  <a:srgbClr val="3796BF"/>
+                </a:solidFill>
+                <a:latin typeface="Oswald"/>
+                <a:ea typeface="Oswald"/>
+                <a:cs typeface="Oswald"/>
+                <a:sym typeface="Oswald"/>
+              </a:defRPr>
+            </a:lvl1pPr>
+            <a:lvl2pPr marR="0" lvl="1" algn="l" rtl="0">
+              <a:lnSpc>
+                <a:spcPct val="100000"/>
+              </a:lnSpc>
+              <a:spcBef>
+                <a:spcPts val="0"/>
+              </a:spcBef>
+              <a:spcAft>
+                <a:spcPts val="0"/>
+              </a:spcAft>
+              <a:buClr>
+                <a:srgbClr val="3796BF"/>
+              </a:buClr>
+              <a:buSzPts val="3000"/>
+              <a:buFont typeface="Oswald"/>
+              <a:buNone/>
+              <a:defRPr sz="3000" b="1" i="0" u="none" strike="noStrike" cap="none">
+                <a:solidFill>
+                  <a:srgbClr val="3796BF"/>
+                </a:solidFill>
+                <a:latin typeface="Oswald"/>
+                <a:ea typeface="Oswald"/>
+                <a:cs typeface="Oswald"/>
+                <a:sym typeface="Oswald"/>
+              </a:defRPr>
+            </a:lvl2pPr>
+            <a:lvl3pPr marR="0" lvl="2" algn="l" rtl="0">
+              <a:lnSpc>
+                <a:spcPct val="100000"/>
+              </a:lnSpc>
+              <a:spcBef>
+                <a:spcPts val="0"/>
+              </a:spcBef>
+              <a:spcAft>
+                <a:spcPts val="0"/>
+              </a:spcAft>
+              <a:buClr>
+                <a:srgbClr val="3796BF"/>
+              </a:buClr>
+              <a:buSzPts val="3000"/>
+              <a:buFont typeface="Oswald"/>
+              <a:buNone/>
+              <a:defRPr sz="3000" b="1" i="0" u="none" strike="noStrike" cap="none">
+                <a:solidFill>
+                  <a:srgbClr val="3796BF"/>
+                </a:solidFill>
+                <a:latin typeface="Oswald"/>
+                <a:ea typeface="Oswald"/>
+                <a:cs typeface="Oswald"/>
+                <a:sym typeface="Oswald"/>
+              </a:defRPr>
+            </a:lvl3pPr>
+            <a:lvl4pPr marR="0" lvl="3" algn="l" rtl="0">
+              <a:lnSpc>
+                <a:spcPct val="100000"/>
+              </a:lnSpc>
+              <a:spcBef>
+                <a:spcPts val="0"/>
+              </a:spcBef>
+              <a:spcAft>
+                <a:spcPts val="0"/>
+              </a:spcAft>
+              <a:buClr>
+                <a:srgbClr val="3796BF"/>
+              </a:buClr>
+              <a:buSzPts val="3000"/>
+              <a:buFont typeface="Oswald"/>
+              <a:buNone/>
+              <a:defRPr sz="3000" b="1" i="0" u="none" strike="noStrike" cap="none">
+                <a:solidFill>
+                  <a:srgbClr val="3796BF"/>
+                </a:solidFill>
+                <a:latin typeface="Oswald"/>
+                <a:ea typeface="Oswald"/>
+                <a:cs typeface="Oswald"/>
+                <a:sym typeface="Oswald"/>
+              </a:defRPr>
+            </a:lvl4pPr>
+            <a:lvl5pPr marR="0" lvl="4" algn="l" rtl="0">
+              <a:lnSpc>
+                <a:spcPct val="100000"/>
+              </a:lnSpc>
+              <a:spcBef>
+                <a:spcPts val="0"/>
+              </a:spcBef>
+              <a:spcAft>
+                <a:spcPts val="0"/>
+              </a:spcAft>
+              <a:buClr>
+                <a:srgbClr val="3796BF"/>
+              </a:buClr>
+              <a:buSzPts val="3000"/>
+              <a:buFont typeface="Oswald"/>
+              <a:buNone/>
+              <a:defRPr sz="3000" b="1" i="0" u="none" strike="noStrike" cap="none">
+                <a:solidFill>
+                  <a:srgbClr val="3796BF"/>
+                </a:solidFill>
+                <a:latin typeface="Oswald"/>
+                <a:ea typeface="Oswald"/>
+                <a:cs typeface="Oswald"/>
+                <a:sym typeface="Oswald"/>
+              </a:defRPr>
+            </a:lvl5pPr>
+            <a:lvl6pPr marR="0" lvl="5" algn="l" rtl="0">
+              <a:lnSpc>
+                <a:spcPct val="100000"/>
+              </a:lnSpc>
+              <a:spcBef>
+                <a:spcPts val="0"/>
+              </a:spcBef>
+              <a:spcAft>
+                <a:spcPts val="0"/>
+              </a:spcAft>
+              <a:buClr>
+                <a:srgbClr val="3796BF"/>
+              </a:buClr>
+              <a:buSzPts val="3000"/>
+              <a:buFont typeface="Oswald"/>
+              <a:buNone/>
+              <a:defRPr sz="3000" b="1" i="0" u="none" strike="noStrike" cap="none">
+                <a:solidFill>
+                  <a:srgbClr val="3796BF"/>
+                </a:solidFill>
+                <a:latin typeface="Oswald"/>
+                <a:ea typeface="Oswald"/>
+                <a:cs typeface="Oswald"/>
+                <a:sym typeface="Oswald"/>
+              </a:defRPr>
+            </a:lvl6pPr>
+            <a:lvl7pPr marR="0" lvl="6" algn="l" rtl="0">
+              <a:lnSpc>
+                <a:spcPct val="100000"/>
+              </a:lnSpc>
+              <a:spcBef>
+                <a:spcPts val="0"/>
+              </a:spcBef>
+              <a:spcAft>
+                <a:spcPts val="0"/>
+              </a:spcAft>
+              <a:buClr>
+                <a:srgbClr val="3796BF"/>
+              </a:buClr>
+              <a:buSzPts val="3000"/>
+              <a:buFont typeface="Oswald"/>
+              <a:buNone/>
+              <a:defRPr sz="3000" b="1" i="0" u="none" strike="noStrike" cap="none">
+                <a:solidFill>
+                  <a:srgbClr val="3796BF"/>
+                </a:solidFill>
+                <a:latin typeface="Oswald"/>
+                <a:ea typeface="Oswald"/>
+                <a:cs typeface="Oswald"/>
+                <a:sym typeface="Oswald"/>
+              </a:defRPr>
+            </a:lvl7pPr>
+            <a:lvl8pPr marR="0" lvl="7" algn="l" rtl="0">
+              <a:lnSpc>
+                <a:spcPct val="100000"/>
+              </a:lnSpc>
+              <a:spcBef>
+                <a:spcPts val="0"/>
+              </a:spcBef>
+              <a:spcAft>
+                <a:spcPts val="0"/>
+              </a:spcAft>
+              <a:buClr>
+                <a:srgbClr val="3796BF"/>
+              </a:buClr>
+              <a:buSzPts val="3000"/>
+              <a:buFont typeface="Oswald"/>
+              <a:buNone/>
+              <a:defRPr sz="3000" b="1" i="0" u="none" strike="noStrike" cap="none">
+                <a:solidFill>
+                  <a:srgbClr val="3796BF"/>
+                </a:solidFill>
+                <a:latin typeface="Oswald"/>
+                <a:ea typeface="Oswald"/>
+                <a:cs typeface="Oswald"/>
+                <a:sym typeface="Oswald"/>
+              </a:defRPr>
+            </a:lvl8pPr>
+            <a:lvl9pPr marR="0" lvl="8" algn="l" rtl="0">
+              <a:lnSpc>
+                <a:spcPct val="100000"/>
+              </a:lnSpc>
+              <a:spcBef>
+                <a:spcPts val="0"/>
+              </a:spcBef>
+              <a:spcAft>
+                <a:spcPts val="0"/>
+              </a:spcAft>
+              <a:buClr>
+                <a:srgbClr val="3796BF"/>
+              </a:buClr>
+              <a:buSzPts val="3000"/>
+              <a:buFont typeface="Oswald"/>
+              <a:buNone/>
+              <a:defRPr sz="3000" b="1" i="0" u="none" strike="noStrike" cap="none">
+                <a:solidFill>
+                  <a:srgbClr val="3796BF"/>
+                </a:solidFill>
+                <a:latin typeface="Oswald"/>
+                <a:ea typeface="Oswald"/>
+                <a:cs typeface="Oswald"/>
+                <a:sym typeface="Oswald"/>
+              </a:defRPr>
+            </a:lvl9pPr>
+          </a:lstStyle>
+          <a:p>
+            <a:r>
+              <a:rPr lang="en-US" sz="2400" dirty="0"/>
+              <a:t>Simple Design Rule 4: Small</a:t>
+            </a:r>
+          </a:p>
+          <a:p>
+            <a:endParaRPr lang="en-US" sz="2300" dirty="0"/>
+          </a:p>
+        </p:txBody>
+      </p:sp>
+      <p:sp>
+        <p:nvSpPr>
+          <p:cNvPr id="9" name="Google Shape;203;p17">
+            <a:extLst>
+              <a:ext uri="{FF2B5EF4-FFF2-40B4-BE49-F238E27FC236}">
+                <a16:creationId xmlns:a16="http://schemas.microsoft.com/office/drawing/2014/main" id="{0C496F7F-00AB-457B-A755-D7FCEE416206}"/>
+              </a:ext>
+            </a:extLst>
+          </p:cNvPr>
+          <p:cNvSpPr txBox="1">
+            <a:spLocks/>
+          </p:cNvSpPr>
+          <p:nvPr/>
+        </p:nvSpPr>
+        <p:spPr>
+          <a:xfrm>
+            <a:off x="1490144" y="1402590"/>
+            <a:ext cx="5892291" cy="3956063"/>
+          </a:xfrm>
+          <a:prstGeom prst="rect">
+            <a:avLst/>
+          </a:prstGeom>
+          <a:noFill/>
+          <a:ln>
+            <a:noFill/>
+          </a:ln>
+        </p:spPr>
+        <p:txBody>
+          <a:bodyPr spcFirstLastPara="1" wrap="square" lIns="91425" tIns="91425" rIns="91425" bIns="91425" anchor="t" anchorCtr="0">
+            <a:noAutofit/>
+          </a:bodyPr>
+          <a:lstStyle>
+            <a:defPPr marR="0" lvl="0" algn="l" rtl="0">
+              <a:lnSpc>
+                <a:spcPct val="100000"/>
+              </a:lnSpc>
+              <a:spcBef>
+                <a:spcPts val="0"/>
+              </a:spcBef>
+              <a:spcAft>
+                <a:spcPts val="0"/>
+              </a:spcAft>
+            </a:defPPr>
+            <a:lvl1pPr marL="457200" marR="0" lvl="0" indent="-342900" algn="l" rtl="0">
+              <a:lnSpc>
+                <a:spcPct val="100000"/>
+              </a:lnSpc>
+              <a:spcBef>
+                <a:spcPts val="600"/>
+              </a:spcBef>
+              <a:spcAft>
+                <a:spcPts val="0"/>
+              </a:spcAft>
+              <a:buClr>
+                <a:srgbClr val="4BB5D9"/>
+              </a:buClr>
+              <a:buSzPts val="1800"/>
+              <a:buFont typeface="Roboto Condensed"/>
+              <a:buChar char="»"/>
+              <a:defRPr sz="1800" b="0" i="0" u="none" strike="noStrike" cap="none">
+                <a:solidFill>
+                  <a:srgbClr val="607896"/>
+                </a:solidFill>
+                <a:latin typeface="Roboto Condensed"/>
+                <a:ea typeface="Roboto Condensed"/>
+                <a:cs typeface="Roboto Condensed"/>
+                <a:sym typeface="Roboto Condensed"/>
+              </a:defRPr>
+            </a:lvl1pPr>
+            <a:lvl2pPr marL="914400" marR="0" lvl="1" indent="-342900" algn="l" rtl="0">
+              <a:lnSpc>
+                <a:spcPct val="100000"/>
+              </a:lnSpc>
+              <a:spcBef>
+                <a:spcPts val="0"/>
+              </a:spcBef>
+              <a:spcAft>
+                <a:spcPts val="0"/>
+              </a:spcAft>
+              <a:buClr>
+                <a:srgbClr val="4BB5D9"/>
+              </a:buClr>
+              <a:buSzPts val="1800"/>
+              <a:buFont typeface="Roboto Condensed"/>
+              <a:buChar char="⋄"/>
+              <a:defRPr sz="1800" b="0" i="0" u="none" strike="noStrike" cap="none">
+                <a:solidFill>
+                  <a:srgbClr val="607896"/>
+                </a:solidFill>
+                <a:latin typeface="Roboto Condensed"/>
+                <a:ea typeface="Roboto Condensed"/>
+                <a:cs typeface="Roboto Condensed"/>
+                <a:sym typeface="Roboto Condensed"/>
+              </a:defRPr>
+            </a:lvl2pPr>
+            <a:lvl3pPr marL="1371600" marR="0" lvl="2" indent="-342900" algn="l" rtl="0">
+              <a:lnSpc>
+                <a:spcPct val="100000"/>
+              </a:lnSpc>
+              <a:spcBef>
+                <a:spcPts val="0"/>
+              </a:spcBef>
+              <a:spcAft>
+                <a:spcPts val="0"/>
+              </a:spcAft>
+              <a:buClr>
+                <a:srgbClr val="607896"/>
+              </a:buClr>
+              <a:buSzPts val="1800"/>
+              <a:buFont typeface="Roboto Condensed"/>
+              <a:buChar char="⋄"/>
+              <a:defRPr sz="1800" b="0" i="0" u="none" strike="noStrike" cap="none">
+                <a:solidFill>
+                  <a:srgbClr val="607896"/>
+                </a:solidFill>
+                <a:latin typeface="Roboto Condensed"/>
+                <a:ea typeface="Roboto Condensed"/>
+                <a:cs typeface="Roboto Condensed"/>
+                <a:sym typeface="Roboto Condensed"/>
+              </a:defRPr>
+            </a:lvl3pPr>
+            <a:lvl4pPr marL="1828800" marR="0" lvl="3" indent="-342900" algn="l" rtl="0">
+              <a:lnSpc>
+                <a:spcPct val="100000"/>
+              </a:lnSpc>
+              <a:spcBef>
+                <a:spcPts val="0"/>
+              </a:spcBef>
+              <a:spcAft>
+                <a:spcPts val="0"/>
+              </a:spcAft>
+              <a:buClr>
+                <a:srgbClr val="607896"/>
+              </a:buClr>
+              <a:buSzPts val="1800"/>
+              <a:buFont typeface="Roboto Condensed"/>
+              <a:buChar char="⋄"/>
+              <a:defRPr sz="1800" b="0" i="0" u="none" strike="noStrike" cap="none">
+                <a:solidFill>
+                  <a:srgbClr val="607896"/>
+                </a:solidFill>
+                <a:latin typeface="Roboto Condensed"/>
+                <a:ea typeface="Roboto Condensed"/>
+                <a:cs typeface="Roboto Condensed"/>
+                <a:sym typeface="Roboto Condensed"/>
+              </a:defRPr>
+            </a:lvl4pPr>
+            <a:lvl5pPr marL="2286000" marR="0" lvl="4" indent="-342900" algn="l" rtl="0">
+              <a:lnSpc>
+                <a:spcPct val="100000"/>
+              </a:lnSpc>
+              <a:spcBef>
+                <a:spcPts val="0"/>
+              </a:spcBef>
+              <a:spcAft>
+                <a:spcPts val="0"/>
+              </a:spcAft>
+              <a:buClr>
+                <a:srgbClr val="607896"/>
+              </a:buClr>
+              <a:buSzPts val="1800"/>
+              <a:buFont typeface="Roboto Condensed"/>
+              <a:buChar char="⋄"/>
+              <a:defRPr sz="1800" b="0" i="0" u="none" strike="noStrike" cap="none">
+                <a:solidFill>
+                  <a:srgbClr val="607896"/>
+                </a:solidFill>
+                <a:latin typeface="Roboto Condensed"/>
+                <a:ea typeface="Roboto Condensed"/>
+                <a:cs typeface="Roboto Condensed"/>
+                <a:sym typeface="Roboto Condensed"/>
+              </a:defRPr>
+            </a:lvl5pPr>
+            <a:lvl6pPr marL="2743200" marR="0" lvl="5" indent="-342900" algn="l" rtl="0">
+              <a:lnSpc>
+                <a:spcPct val="100000"/>
+              </a:lnSpc>
+              <a:spcBef>
+                <a:spcPts val="0"/>
+              </a:spcBef>
+              <a:spcAft>
+                <a:spcPts val="0"/>
+              </a:spcAft>
+              <a:buClr>
+                <a:srgbClr val="607896"/>
+              </a:buClr>
+              <a:buSzPts val="1800"/>
+              <a:buFont typeface="Roboto Condensed"/>
+              <a:buChar char="⋄"/>
+              <a:defRPr sz="1800" b="0" i="0" u="none" strike="noStrike" cap="none">
+                <a:solidFill>
+                  <a:srgbClr val="607896"/>
+                </a:solidFill>
+                <a:latin typeface="Roboto Condensed"/>
+                <a:ea typeface="Roboto Condensed"/>
+                <a:cs typeface="Roboto Condensed"/>
+                <a:sym typeface="Roboto Condensed"/>
+              </a:defRPr>
+            </a:lvl6pPr>
+            <a:lvl7pPr marL="3200400" marR="0" lvl="6" indent="-342900" algn="l" rtl="0">
+              <a:lnSpc>
+                <a:spcPct val="100000"/>
+              </a:lnSpc>
+              <a:spcBef>
+                <a:spcPts val="0"/>
+              </a:spcBef>
+              <a:spcAft>
+                <a:spcPts val="0"/>
+              </a:spcAft>
+              <a:buClr>
+                <a:srgbClr val="607896"/>
+              </a:buClr>
+              <a:buSzPts val="1800"/>
+              <a:buFont typeface="Roboto Condensed"/>
+              <a:buChar char="●"/>
+              <a:defRPr sz="1800" b="0" i="0" u="none" strike="noStrike" cap="none">
+                <a:solidFill>
+                  <a:srgbClr val="607896"/>
+                </a:solidFill>
+                <a:latin typeface="Roboto Condensed"/>
+                <a:ea typeface="Roboto Condensed"/>
+                <a:cs typeface="Roboto Condensed"/>
+                <a:sym typeface="Roboto Condensed"/>
+              </a:defRPr>
+            </a:lvl7pPr>
+            <a:lvl8pPr marL="3657600" marR="0" lvl="7" indent="-342900" algn="l" rtl="0">
+              <a:lnSpc>
+                <a:spcPct val="100000"/>
+              </a:lnSpc>
+              <a:spcBef>
+                <a:spcPts val="0"/>
+              </a:spcBef>
+              <a:spcAft>
+                <a:spcPts val="0"/>
+              </a:spcAft>
+              <a:buClr>
+                <a:srgbClr val="607896"/>
+              </a:buClr>
+              <a:buSzPts val="1800"/>
+              <a:buFont typeface="Roboto Condensed"/>
+              <a:buChar char="○"/>
+              <a:defRPr sz="1800" b="0" i="0" u="none" strike="noStrike" cap="none">
+                <a:solidFill>
+                  <a:srgbClr val="607896"/>
+                </a:solidFill>
+                <a:latin typeface="Roboto Condensed"/>
+                <a:ea typeface="Roboto Condensed"/>
+                <a:cs typeface="Roboto Condensed"/>
+                <a:sym typeface="Roboto Condensed"/>
+              </a:defRPr>
+            </a:lvl8pPr>
+            <a:lvl9pPr marL="4114800" marR="0" lvl="8" indent="-342900" algn="l" rtl="0">
+              <a:lnSpc>
+                <a:spcPct val="100000"/>
+              </a:lnSpc>
+              <a:spcBef>
+                <a:spcPts val="0"/>
+              </a:spcBef>
+              <a:spcAft>
+                <a:spcPts val="0"/>
+              </a:spcAft>
+              <a:buClr>
+                <a:srgbClr val="607896"/>
+              </a:buClr>
+              <a:buSzPts val="1800"/>
+              <a:buFont typeface="Roboto Condensed"/>
+              <a:buChar char="■"/>
+              <a:defRPr sz="1800" b="0" i="0" u="none" strike="noStrike" cap="none">
+                <a:solidFill>
+                  <a:srgbClr val="607896"/>
+                </a:solidFill>
+                <a:latin typeface="Roboto Condensed"/>
+                <a:ea typeface="Roboto Condensed"/>
+                <a:cs typeface="Roboto Condensed"/>
+                <a:sym typeface="Roboto Condensed"/>
+              </a:defRPr>
+            </a:lvl9pPr>
+          </a:lstStyle>
+          <a:p>
+            <a:pPr indent="-355600">
+              <a:buSzPts val="2000"/>
+            </a:pPr>
+            <a:endParaRPr lang="en-US" dirty="0"/>
+          </a:p>
+          <a:p>
+            <a:pPr indent="-355600">
+              <a:buSzPts val="2000"/>
+            </a:pPr>
+            <a:r>
+              <a:rPr lang="en-US" dirty="0"/>
               <a:t>Project </a:t>
             </a:r>
             <a:r>
@@ -34185,7 +35630,15 @@
             </a:r>
             <a:r>
               <a:rPr lang="en-US" dirty="0" err="1"/>
-              <a:t>bạnkhông</a:t>
+              <a:t>bạn</a:t>
+            </a:r>
+            <a:r>
+              <a:rPr lang="en-US" dirty="0"/>
+              <a:t> </a:t>
+            </a:r>
+            <a:r>
+              <a:rPr lang="en-US" dirty="0" err="1"/>
+              <a:t>không</a:t>
             </a:r>
             <a:r>
               <a:rPr lang="en-US" dirty="0"/>
@@ -34215,7 +35668,1125 @@
 </p:sld>
 </file>
 
-<file path=ppt/slides/slide44.xml><?xml version="1.0" encoding="utf-8"?>
+<file path=ppt/slides/slide45.xml><?xml version="1.0" encoding="utf-8"?>
+<p:sld xmlns:a="http://schemas.openxmlformats.org/drawingml/2006/main" xmlns:r="http://schemas.openxmlformats.org/officeDocument/2006/relationships" xmlns:p="http://schemas.openxmlformats.org/presentationml/2006/main">
+  <p:cSld>
+    <p:spTree>
+      <p:nvGrpSpPr>
+        <p:cNvPr id="1" name="Shape 171"/>
+        <p:cNvGrpSpPr/>
+        <p:nvPr/>
+      </p:nvGrpSpPr>
+      <p:grpSpPr>
+        <a:xfrm>
+          <a:off x="0" y="0"/>
+          <a:ext cx="0" cy="0"/>
+          <a:chOff x="0" y="0"/>
+          <a:chExt cx="0" cy="0"/>
+        </a:xfrm>
+      </p:grpSpPr>
+      <p:sp>
+        <p:nvSpPr>
+          <p:cNvPr id="172" name="Google Shape;172;p13"/>
+          <p:cNvSpPr txBox="1">
+            <a:spLocks noGrp="1"/>
+          </p:cNvSpPr>
+          <p:nvPr>
+            <p:ph type="title"/>
+          </p:nvPr>
+        </p:nvSpPr>
+        <p:spPr>
+          <a:xfrm>
+            <a:off x="1838668" y="53251"/>
+            <a:ext cx="5760300" cy="680700"/>
+          </a:xfrm>
+          <a:prstGeom prst="rect">
+            <a:avLst/>
+          </a:prstGeom>
+        </p:spPr>
+        <p:txBody>
+          <a:bodyPr spcFirstLastPara="1" wrap="square" lIns="91425" tIns="91425" rIns="91425" bIns="91425" anchor="b" anchorCtr="0">
+            <a:noAutofit/>
+          </a:bodyPr>
+          <a:lstStyle/>
+          <a:p>
+            <a:pPr marL="0" lvl="0" indent="0" algn="ctr" rtl="0">
+              <a:spcBef>
+                <a:spcPts val="0"/>
+              </a:spcBef>
+              <a:spcAft>
+                <a:spcPts val="0"/>
+              </a:spcAft>
+              <a:buNone/>
+            </a:pPr>
+            <a:r>
+              <a:rPr lang="en-US" dirty="0"/>
+              <a:t>SMELL HEURISTICS</a:t>
+            </a:r>
+            <a:endParaRPr dirty="0"/>
+          </a:p>
+        </p:txBody>
+      </p:sp>
+      <p:sp>
+        <p:nvSpPr>
+          <p:cNvPr id="176" name="Google Shape;176;p13"/>
+          <p:cNvSpPr txBox="1">
+            <a:spLocks noGrp="1"/>
+          </p:cNvSpPr>
+          <p:nvPr>
+            <p:ph type="sldNum" idx="12"/>
+          </p:nvPr>
+        </p:nvSpPr>
+        <p:spPr>
+          <a:xfrm>
+            <a:off x="8556784" y="1"/>
+            <a:ext cx="548700" cy="393600"/>
+          </a:xfrm>
+          <a:prstGeom prst="rect">
+            <a:avLst/>
+          </a:prstGeom>
+        </p:spPr>
+        <p:txBody>
+          <a:bodyPr spcFirstLastPara="1" wrap="square" lIns="91425" tIns="91425" rIns="91425" bIns="91425" anchor="t" anchorCtr="0">
+            <a:noAutofit/>
+          </a:bodyPr>
+          <a:lstStyle/>
+          <a:p>
+            <a:pPr marL="0" lvl="0" indent="0" algn="r" rtl="0">
+              <a:spcBef>
+                <a:spcPts val="0"/>
+              </a:spcBef>
+              <a:spcAft>
+                <a:spcPts val="0"/>
+              </a:spcAft>
+              <a:buNone/>
+            </a:pPr>
+            <a:fld id="{00000000-1234-1234-1234-123412341234}" type="slidenum">
+              <a:rPr lang="en"/>
+              <a:t>45</a:t>
+            </a:fld>
+            <a:endParaRPr/>
+          </a:p>
+        </p:txBody>
+      </p:sp>
+      <p:sp>
+        <p:nvSpPr>
+          <p:cNvPr id="13" name="Google Shape;203;p17">
+            <a:extLst>
+              <a:ext uri="{FF2B5EF4-FFF2-40B4-BE49-F238E27FC236}">
+                <a16:creationId xmlns:a16="http://schemas.microsoft.com/office/drawing/2014/main" id="{8AC40689-2640-478A-8A1D-675B2849EB22}"/>
+              </a:ext>
+            </a:extLst>
+          </p:cNvPr>
+          <p:cNvSpPr txBox="1">
+            <a:spLocks noGrp="1"/>
+          </p:cNvSpPr>
+          <p:nvPr>
+            <p:ph type="body" idx="1"/>
+          </p:nvPr>
+        </p:nvSpPr>
+        <p:spPr>
+          <a:xfrm>
+            <a:off x="1031425" y="1692659"/>
+            <a:ext cx="5760300" cy="2923463"/>
+          </a:xfrm>
+          <a:prstGeom prst="rect">
+            <a:avLst/>
+          </a:prstGeom>
+        </p:spPr>
+        <p:txBody>
+          <a:bodyPr spcFirstLastPara="1" wrap="square" lIns="91425" tIns="91425" rIns="91425" bIns="91425" anchor="t" anchorCtr="0">
+            <a:noAutofit/>
+          </a:bodyPr>
+          <a:lstStyle/>
+          <a:p>
+            <a:pPr marL="101600" lvl="0" indent="0" algn="l" rtl="0">
+              <a:spcBef>
+                <a:spcPts val="600"/>
+              </a:spcBef>
+              <a:spcAft>
+                <a:spcPts val="0"/>
+              </a:spcAft>
+              <a:buSzPts val="2000"/>
+              <a:buNone/>
+            </a:pPr>
+            <a:br>
+              <a:rPr lang="en-US" dirty="0"/>
+            </a:br>
+            <a:br>
+              <a:rPr lang="en-US" dirty="0"/>
+            </a:br>
+            <a:br>
+              <a:rPr lang="en-US" dirty="0"/>
+            </a:br>
+            <a:endParaRPr lang="en-US" dirty="0"/>
+          </a:p>
+          <a:p>
+            <a:pPr marL="101600" lvl="0" indent="0" algn="l" rtl="0">
+              <a:spcBef>
+                <a:spcPts val="600"/>
+              </a:spcBef>
+              <a:spcAft>
+                <a:spcPts val="0"/>
+              </a:spcAft>
+              <a:buSzPts val="2000"/>
+              <a:buNone/>
+            </a:pPr>
+            <a:br>
+              <a:rPr lang="en-US" dirty="0"/>
+            </a:br>
+            <a:br>
+              <a:rPr lang="en-US" dirty="0"/>
+            </a:br>
+            <a:endParaRPr lang="en-US" dirty="0"/>
+          </a:p>
+          <a:p>
+            <a:pPr marL="101600" lvl="0" indent="0" algn="l" rtl="0">
+              <a:spcBef>
+                <a:spcPts val="600"/>
+              </a:spcBef>
+              <a:spcAft>
+                <a:spcPts val="0"/>
+              </a:spcAft>
+              <a:buSzPts val="2000"/>
+              <a:buNone/>
+            </a:pPr>
+            <a:br>
+              <a:rPr lang="en-US" dirty="0"/>
+            </a:br>
+            <a:endParaRPr dirty="0"/>
+          </a:p>
+        </p:txBody>
+      </p:sp>
+      <p:sp>
+        <p:nvSpPr>
+          <p:cNvPr id="14" name="Google Shape;172;p13">
+            <a:extLst>
+              <a:ext uri="{FF2B5EF4-FFF2-40B4-BE49-F238E27FC236}">
+                <a16:creationId xmlns:a16="http://schemas.microsoft.com/office/drawing/2014/main" id="{370E5D3B-6109-46A0-A864-BAC62C6565D9}"/>
+              </a:ext>
+            </a:extLst>
+          </p:cNvPr>
+          <p:cNvSpPr txBox="1">
+            <a:spLocks/>
+          </p:cNvSpPr>
+          <p:nvPr/>
+        </p:nvSpPr>
+        <p:spPr>
+          <a:xfrm>
+            <a:off x="1031425" y="1194442"/>
+            <a:ext cx="5961046" cy="680700"/>
+          </a:xfrm>
+          <a:prstGeom prst="rect">
+            <a:avLst/>
+          </a:prstGeom>
+          <a:noFill/>
+          <a:ln>
+            <a:noFill/>
+          </a:ln>
+        </p:spPr>
+        <p:txBody>
+          <a:bodyPr spcFirstLastPara="1" wrap="square" lIns="91425" tIns="91425" rIns="91425" bIns="91425" anchor="b" anchorCtr="0">
+            <a:noAutofit/>
+          </a:bodyPr>
+          <a:lstStyle>
+            <a:defPPr marR="0" lvl="0" algn="l" rtl="0">
+              <a:lnSpc>
+                <a:spcPct val="100000"/>
+              </a:lnSpc>
+              <a:spcBef>
+                <a:spcPts val="0"/>
+              </a:spcBef>
+              <a:spcAft>
+                <a:spcPts val="0"/>
+              </a:spcAft>
+            </a:defPPr>
+            <a:lvl1pPr marR="0" lvl="0" algn="l" rtl="0">
+              <a:lnSpc>
+                <a:spcPct val="100000"/>
+              </a:lnSpc>
+              <a:spcBef>
+                <a:spcPts val="0"/>
+              </a:spcBef>
+              <a:spcAft>
+                <a:spcPts val="0"/>
+              </a:spcAft>
+              <a:buClr>
+                <a:srgbClr val="3796BF"/>
+              </a:buClr>
+              <a:buSzPts val="3000"/>
+              <a:buFont typeface="Oswald"/>
+              <a:buNone/>
+              <a:defRPr sz="3000" b="1" i="0" u="none" strike="noStrike" cap="none">
+                <a:solidFill>
+                  <a:srgbClr val="3796BF"/>
+                </a:solidFill>
+                <a:latin typeface="Oswald"/>
+                <a:ea typeface="Oswald"/>
+                <a:cs typeface="Oswald"/>
+                <a:sym typeface="Oswald"/>
+              </a:defRPr>
+            </a:lvl1pPr>
+            <a:lvl2pPr marR="0" lvl="1" algn="l" rtl="0">
+              <a:lnSpc>
+                <a:spcPct val="100000"/>
+              </a:lnSpc>
+              <a:spcBef>
+                <a:spcPts val="0"/>
+              </a:spcBef>
+              <a:spcAft>
+                <a:spcPts val="0"/>
+              </a:spcAft>
+              <a:buClr>
+                <a:srgbClr val="3796BF"/>
+              </a:buClr>
+              <a:buSzPts val="3000"/>
+              <a:buFont typeface="Oswald"/>
+              <a:buNone/>
+              <a:defRPr sz="3000" b="1" i="0" u="none" strike="noStrike" cap="none">
+                <a:solidFill>
+                  <a:srgbClr val="3796BF"/>
+                </a:solidFill>
+                <a:latin typeface="Oswald"/>
+                <a:ea typeface="Oswald"/>
+                <a:cs typeface="Oswald"/>
+                <a:sym typeface="Oswald"/>
+              </a:defRPr>
+            </a:lvl2pPr>
+            <a:lvl3pPr marR="0" lvl="2" algn="l" rtl="0">
+              <a:lnSpc>
+                <a:spcPct val="100000"/>
+              </a:lnSpc>
+              <a:spcBef>
+                <a:spcPts val="0"/>
+              </a:spcBef>
+              <a:spcAft>
+                <a:spcPts val="0"/>
+              </a:spcAft>
+              <a:buClr>
+                <a:srgbClr val="3796BF"/>
+              </a:buClr>
+              <a:buSzPts val="3000"/>
+              <a:buFont typeface="Oswald"/>
+              <a:buNone/>
+              <a:defRPr sz="3000" b="1" i="0" u="none" strike="noStrike" cap="none">
+                <a:solidFill>
+                  <a:srgbClr val="3796BF"/>
+                </a:solidFill>
+                <a:latin typeface="Oswald"/>
+                <a:ea typeface="Oswald"/>
+                <a:cs typeface="Oswald"/>
+                <a:sym typeface="Oswald"/>
+              </a:defRPr>
+            </a:lvl3pPr>
+            <a:lvl4pPr marR="0" lvl="3" algn="l" rtl="0">
+              <a:lnSpc>
+                <a:spcPct val="100000"/>
+              </a:lnSpc>
+              <a:spcBef>
+                <a:spcPts val="0"/>
+              </a:spcBef>
+              <a:spcAft>
+                <a:spcPts val="0"/>
+              </a:spcAft>
+              <a:buClr>
+                <a:srgbClr val="3796BF"/>
+              </a:buClr>
+              <a:buSzPts val="3000"/>
+              <a:buFont typeface="Oswald"/>
+              <a:buNone/>
+              <a:defRPr sz="3000" b="1" i="0" u="none" strike="noStrike" cap="none">
+                <a:solidFill>
+                  <a:srgbClr val="3796BF"/>
+                </a:solidFill>
+                <a:latin typeface="Oswald"/>
+                <a:ea typeface="Oswald"/>
+                <a:cs typeface="Oswald"/>
+                <a:sym typeface="Oswald"/>
+              </a:defRPr>
+            </a:lvl4pPr>
+            <a:lvl5pPr marR="0" lvl="4" algn="l" rtl="0">
+              <a:lnSpc>
+                <a:spcPct val="100000"/>
+              </a:lnSpc>
+              <a:spcBef>
+                <a:spcPts val="0"/>
+              </a:spcBef>
+              <a:spcAft>
+                <a:spcPts val="0"/>
+              </a:spcAft>
+              <a:buClr>
+                <a:srgbClr val="3796BF"/>
+              </a:buClr>
+              <a:buSzPts val="3000"/>
+              <a:buFont typeface="Oswald"/>
+              <a:buNone/>
+              <a:defRPr sz="3000" b="1" i="0" u="none" strike="noStrike" cap="none">
+                <a:solidFill>
+                  <a:srgbClr val="3796BF"/>
+                </a:solidFill>
+                <a:latin typeface="Oswald"/>
+                <a:ea typeface="Oswald"/>
+                <a:cs typeface="Oswald"/>
+                <a:sym typeface="Oswald"/>
+              </a:defRPr>
+            </a:lvl5pPr>
+            <a:lvl6pPr marR="0" lvl="5" algn="l" rtl="0">
+              <a:lnSpc>
+                <a:spcPct val="100000"/>
+              </a:lnSpc>
+              <a:spcBef>
+                <a:spcPts val="0"/>
+              </a:spcBef>
+              <a:spcAft>
+                <a:spcPts val="0"/>
+              </a:spcAft>
+              <a:buClr>
+                <a:srgbClr val="3796BF"/>
+              </a:buClr>
+              <a:buSzPts val="3000"/>
+              <a:buFont typeface="Oswald"/>
+              <a:buNone/>
+              <a:defRPr sz="3000" b="1" i="0" u="none" strike="noStrike" cap="none">
+                <a:solidFill>
+                  <a:srgbClr val="3796BF"/>
+                </a:solidFill>
+                <a:latin typeface="Oswald"/>
+                <a:ea typeface="Oswald"/>
+                <a:cs typeface="Oswald"/>
+                <a:sym typeface="Oswald"/>
+              </a:defRPr>
+            </a:lvl6pPr>
+            <a:lvl7pPr marR="0" lvl="6" algn="l" rtl="0">
+              <a:lnSpc>
+                <a:spcPct val="100000"/>
+              </a:lnSpc>
+              <a:spcBef>
+                <a:spcPts val="0"/>
+              </a:spcBef>
+              <a:spcAft>
+                <a:spcPts val="0"/>
+              </a:spcAft>
+              <a:buClr>
+                <a:srgbClr val="3796BF"/>
+              </a:buClr>
+              <a:buSzPts val="3000"/>
+              <a:buFont typeface="Oswald"/>
+              <a:buNone/>
+              <a:defRPr sz="3000" b="1" i="0" u="none" strike="noStrike" cap="none">
+                <a:solidFill>
+                  <a:srgbClr val="3796BF"/>
+                </a:solidFill>
+                <a:latin typeface="Oswald"/>
+                <a:ea typeface="Oswald"/>
+                <a:cs typeface="Oswald"/>
+                <a:sym typeface="Oswald"/>
+              </a:defRPr>
+            </a:lvl7pPr>
+            <a:lvl8pPr marR="0" lvl="7" algn="l" rtl="0">
+              <a:lnSpc>
+                <a:spcPct val="100000"/>
+              </a:lnSpc>
+              <a:spcBef>
+                <a:spcPts val="0"/>
+              </a:spcBef>
+              <a:spcAft>
+                <a:spcPts val="0"/>
+              </a:spcAft>
+              <a:buClr>
+                <a:srgbClr val="3796BF"/>
+              </a:buClr>
+              <a:buSzPts val="3000"/>
+              <a:buFont typeface="Oswald"/>
+              <a:buNone/>
+              <a:defRPr sz="3000" b="1" i="0" u="none" strike="noStrike" cap="none">
+                <a:solidFill>
+                  <a:srgbClr val="3796BF"/>
+                </a:solidFill>
+                <a:latin typeface="Oswald"/>
+                <a:ea typeface="Oswald"/>
+                <a:cs typeface="Oswald"/>
+                <a:sym typeface="Oswald"/>
+              </a:defRPr>
+            </a:lvl8pPr>
+            <a:lvl9pPr marR="0" lvl="8" algn="l" rtl="0">
+              <a:lnSpc>
+                <a:spcPct val="100000"/>
+              </a:lnSpc>
+              <a:spcBef>
+                <a:spcPts val="0"/>
+              </a:spcBef>
+              <a:spcAft>
+                <a:spcPts val="0"/>
+              </a:spcAft>
+              <a:buClr>
+                <a:srgbClr val="3796BF"/>
+              </a:buClr>
+              <a:buSzPts val="3000"/>
+              <a:buFont typeface="Oswald"/>
+              <a:buNone/>
+              <a:defRPr sz="3000" b="1" i="0" u="none" strike="noStrike" cap="none">
+                <a:solidFill>
+                  <a:srgbClr val="3796BF"/>
+                </a:solidFill>
+                <a:latin typeface="Oswald"/>
+                <a:ea typeface="Oswald"/>
+                <a:cs typeface="Oswald"/>
+                <a:sym typeface="Oswald"/>
+              </a:defRPr>
+            </a:lvl9pPr>
+          </a:lstStyle>
+          <a:p>
+            <a:endParaRPr lang="en-US" sz="2300" dirty="0"/>
+          </a:p>
+        </p:txBody>
+      </p:sp>
+      <p:sp>
+        <p:nvSpPr>
+          <p:cNvPr id="9" name="Google Shape;203;p17">
+            <a:extLst>
+              <a:ext uri="{FF2B5EF4-FFF2-40B4-BE49-F238E27FC236}">
+                <a16:creationId xmlns:a16="http://schemas.microsoft.com/office/drawing/2014/main" id="{0C496F7F-00AB-457B-A755-D7FCEE416206}"/>
+              </a:ext>
+            </a:extLst>
+          </p:cNvPr>
+          <p:cNvSpPr txBox="1">
+            <a:spLocks/>
+          </p:cNvSpPr>
+          <p:nvPr/>
+        </p:nvSpPr>
+        <p:spPr>
+          <a:xfrm>
+            <a:off x="1490144" y="1176358"/>
+            <a:ext cx="5892291" cy="3956063"/>
+          </a:xfrm>
+          <a:prstGeom prst="rect">
+            <a:avLst/>
+          </a:prstGeom>
+          <a:noFill/>
+          <a:ln>
+            <a:noFill/>
+          </a:ln>
+        </p:spPr>
+        <p:txBody>
+          <a:bodyPr spcFirstLastPara="1" wrap="square" lIns="91425" tIns="91425" rIns="91425" bIns="91425" anchor="t" anchorCtr="0">
+            <a:noAutofit/>
+          </a:bodyPr>
+          <a:lstStyle>
+            <a:defPPr marR="0" lvl="0" algn="l" rtl="0">
+              <a:lnSpc>
+                <a:spcPct val="100000"/>
+              </a:lnSpc>
+              <a:spcBef>
+                <a:spcPts val="0"/>
+              </a:spcBef>
+              <a:spcAft>
+                <a:spcPts val="0"/>
+              </a:spcAft>
+            </a:defPPr>
+            <a:lvl1pPr marL="457200" marR="0" lvl="0" indent="-342900" algn="l" rtl="0">
+              <a:lnSpc>
+                <a:spcPct val="100000"/>
+              </a:lnSpc>
+              <a:spcBef>
+                <a:spcPts val="600"/>
+              </a:spcBef>
+              <a:spcAft>
+                <a:spcPts val="0"/>
+              </a:spcAft>
+              <a:buClr>
+                <a:srgbClr val="4BB5D9"/>
+              </a:buClr>
+              <a:buSzPts val="1800"/>
+              <a:buFont typeface="Roboto Condensed"/>
+              <a:buChar char="»"/>
+              <a:defRPr sz="1800" b="0" i="0" u="none" strike="noStrike" cap="none">
+                <a:solidFill>
+                  <a:srgbClr val="607896"/>
+                </a:solidFill>
+                <a:latin typeface="Roboto Condensed"/>
+                <a:ea typeface="Roboto Condensed"/>
+                <a:cs typeface="Roboto Condensed"/>
+                <a:sym typeface="Roboto Condensed"/>
+              </a:defRPr>
+            </a:lvl1pPr>
+            <a:lvl2pPr marL="914400" marR="0" lvl="1" indent="-342900" algn="l" rtl="0">
+              <a:lnSpc>
+                <a:spcPct val="100000"/>
+              </a:lnSpc>
+              <a:spcBef>
+                <a:spcPts val="0"/>
+              </a:spcBef>
+              <a:spcAft>
+                <a:spcPts val="0"/>
+              </a:spcAft>
+              <a:buClr>
+                <a:srgbClr val="4BB5D9"/>
+              </a:buClr>
+              <a:buSzPts val="1800"/>
+              <a:buFont typeface="Roboto Condensed"/>
+              <a:buChar char="⋄"/>
+              <a:defRPr sz="1800" b="0" i="0" u="none" strike="noStrike" cap="none">
+                <a:solidFill>
+                  <a:srgbClr val="607896"/>
+                </a:solidFill>
+                <a:latin typeface="Roboto Condensed"/>
+                <a:ea typeface="Roboto Condensed"/>
+                <a:cs typeface="Roboto Condensed"/>
+                <a:sym typeface="Roboto Condensed"/>
+              </a:defRPr>
+            </a:lvl2pPr>
+            <a:lvl3pPr marL="1371600" marR="0" lvl="2" indent="-342900" algn="l" rtl="0">
+              <a:lnSpc>
+                <a:spcPct val="100000"/>
+              </a:lnSpc>
+              <a:spcBef>
+                <a:spcPts val="0"/>
+              </a:spcBef>
+              <a:spcAft>
+                <a:spcPts val="0"/>
+              </a:spcAft>
+              <a:buClr>
+                <a:srgbClr val="607896"/>
+              </a:buClr>
+              <a:buSzPts val="1800"/>
+              <a:buFont typeface="Roboto Condensed"/>
+              <a:buChar char="⋄"/>
+              <a:defRPr sz="1800" b="0" i="0" u="none" strike="noStrike" cap="none">
+                <a:solidFill>
+                  <a:srgbClr val="607896"/>
+                </a:solidFill>
+                <a:latin typeface="Roboto Condensed"/>
+                <a:ea typeface="Roboto Condensed"/>
+                <a:cs typeface="Roboto Condensed"/>
+                <a:sym typeface="Roboto Condensed"/>
+              </a:defRPr>
+            </a:lvl3pPr>
+            <a:lvl4pPr marL="1828800" marR="0" lvl="3" indent="-342900" algn="l" rtl="0">
+              <a:lnSpc>
+                <a:spcPct val="100000"/>
+              </a:lnSpc>
+              <a:spcBef>
+                <a:spcPts val="0"/>
+              </a:spcBef>
+              <a:spcAft>
+                <a:spcPts val="0"/>
+              </a:spcAft>
+              <a:buClr>
+                <a:srgbClr val="607896"/>
+              </a:buClr>
+              <a:buSzPts val="1800"/>
+              <a:buFont typeface="Roboto Condensed"/>
+              <a:buChar char="⋄"/>
+              <a:defRPr sz="1800" b="0" i="0" u="none" strike="noStrike" cap="none">
+                <a:solidFill>
+                  <a:srgbClr val="607896"/>
+                </a:solidFill>
+                <a:latin typeface="Roboto Condensed"/>
+                <a:ea typeface="Roboto Condensed"/>
+                <a:cs typeface="Roboto Condensed"/>
+                <a:sym typeface="Roboto Condensed"/>
+              </a:defRPr>
+            </a:lvl4pPr>
+            <a:lvl5pPr marL="2286000" marR="0" lvl="4" indent="-342900" algn="l" rtl="0">
+              <a:lnSpc>
+                <a:spcPct val="100000"/>
+              </a:lnSpc>
+              <a:spcBef>
+                <a:spcPts val="0"/>
+              </a:spcBef>
+              <a:spcAft>
+                <a:spcPts val="0"/>
+              </a:spcAft>
+              <a:buClr>
+                <a:srgbClr val="607896"/>
+              </a:buClr>
+              <a:buSzPts val="1800"/>
+              <a:buFont typeface="Roboto Condensed"/>
+              <a:buChar char="⋄"/>
+              <a:defRPr sz="1800" b="0" i="0" u="none" strike="noStrike" cap="none">
+                <a:solidFill>
+                  <a:srgbClr val="607896"/>
+                </a:solidFill>
+                <a:latin typeface="Roboto Condensed"/>
+                <a:ea typeface="Roboto Condensed"/>
+                <a:cs typeface="Roboto Condensed"/>
+                <a:sym typeface="Roboto Condensed"/>
+              </a:defRPr>
+            </a:lvl5pPr>
+            <a:lvl6pPr marL="2743200" marR="0" lvl="5" indent="-342900" algn="l" rtl="0">
+              <a:lnSpc>
+                <a:spcPct val="100000"/>
+              </a:lnSpc>
+              <a:spcBef>
+                <a:spcPts val="0"/>
+              </a:spcBef>
+              <a:spcAft>
+                <a:spcPts val="0"/>
+              </a:spcAft>
+              <a:buClr>
+                <a:srgbClr val="607896"/>
+              </a:buClr>
+              <a:buSzPts val="1800"/>
+              <a:buFont typeface="Roboto Condensed"/>
+              <a:buChar char="⋄"/>
+              <a:defRPr sz="1800" b="0" i="0" u="none" strike="noStrike" cap="none">
+                <a:solidFill>
+                  <a:srgbClr val="607896"/>
+                </a:solidFill>
+                <a:latin typeface="Roboto Condensed"/>
+                <a:ea typeface="Roboto Condensed"/>
+                <a:cs typeface="Roboto Condensed"/>
+                <a:sym typeface="Roboto Condensed"/>
+              </a:defRPr>
+            </a:lvl6pPr>
+            <a:lvl7pPr marL="3200400" marR="0" lvl="6" indent="-342900" algn="l" rtl="0">
+              <a:lnSpc>
+                <a:spcPct val="100000"/>
+              </a:lnSpc>
+              <a:spcBef>
+                <a:spcPts val="0"/>
+              </a:spcBef>
+              <a:spcAft>
+                <a:spcPts val="0"/>
+              </a:spcAft>
+              <a:buClr>
+                <a:srgbClr val="607896"/>
+              </a:buClr>
+              <a:buSzPts val="1800"/>
+              <a:buFont typeface="Roboto Condensed"/>
+              <a:buChar char="●"/>
+              <a:defRPr sz="1800" b="0" i="0" u="none" strike="noStrike" cap="none">
+                <a:solidFill>
+                  <a:srgbClr val="607896"/>
+                </a:solidFill>
+                <a:latin typeface="Roboto Condensed"/>
+                <a:ea typeface="Roboto Condensed"/>
+                <a:cs typeface="Roboto Condensed"/>
+                <a:sym typeface="Roboto Condensed"/>
+              </a:defRPr>
+            </a:lvl7pPr>
+            <a:lvl8pPr marL="3657600" marR="0" lvl="7" indent="-342900" algn="l" rtl="0">
+              <a:lnSpc>
+                <a:spcPct val="100000"/>
+              </a:lnSpc>
+              <a:spcBef>
+                <a:spcPts val="0"/>
+              </a:spcBef>
+              <a:spcAft>
+                <a:spcPts val="0"/>
+              </a:spcAft>
+              <a:buClr>
+                <a:srgbClr val="607896"/>
+              </a:buClr>
+              <a:buSzPts val="1800"/>
+              <a:buFont typeface="Roboto Condensed"/>
+              <a:buChar char="○"/>
+              <a:defRPr sz="1800" b="0" i="0" u="none" strike="noStrike" cap="none">
+                <a:solidFill>
+                  <a:srgbClr val="607896"/>
+                </a:solidFill>
+                <a:latin typeface="Roboto Condensed"/>
+                <a:ea typeface="Roboto Condensed"/>
+                <a:cs typeface="Roboto Condensed"/>
+                <a:sym typeface="Roboto Condensed"/>
+              </a:defRPr>
+            </a:lvl8pPr>
+            <a:lvl9pPr marL="4114800" marR="0" lvl="8" indent="-342900" algn="l" rtl="0">
+              <a:lnSpc>
+                <a:spcPct val="100000"/>
+              </a:lnSpc>
+              <a:spcBef>
+                <a:spcPts val="0"/>
+              </a:spcBef>
+              <a:spcAft>
+                <a:spcPts val="0"/>
+              </a:spcAft>
+              <a:buClr>
+                <a:srgbClr val="607896"/>
+              </a:buClr>
+              <a:buSzPts val="1800"/>
+              <a:buFont typeface="Roboto Condensed"/>
+              <a:buChar char="■"/>
+              <a:defRPr sz="1800" b="0" i="0" u="none" strike="noStrike" cap="none">
+                <a:solidFill>
+                  <a:srgbClr val="607896"/>
+                </a:solidFill>
+                <a:latin typeface="Roboto Condensed"/>
+                <a:ea typeface="Roboto Condensed"/>
+                <a:cs typeface="Roboto Condensed"/>
+                <a:sym typeface="Roboto Condensed"/>
+              </a:defRPr>
+            </a:lvl9pPr>
+          </a:lstStyle>
+          <a:p>
+            <a:pPr indent="-355600">
+              <a:buSzPts val="2000"/>
+            </a:pPr>
+            <a:endParaRPr lang="en-US" dirty="0"/>
+          </a:p>
+          <a:p>
+            <a:pPr indent="-355600">
+              <a:buSzPts val="2000"/>
+            </a:pPr>
+            <a:r>
+              <a:rPr lang="en-US" dirty="0" err="1"/>
+              <a:t>Đặt</a:t>
+            </a:r>
+            <a:r>
+              <a:rPr lang="en-US" dirty="0"/>
+              <a:t> </a:t>
+            </a:r>
+            <a:r>
+              <a:rPr lang="en-US" dirty="0" err="1"/>
+              <a:t>tên</a:t>
+            </a:r>
+            <a:r>
+              <a:rPr lang="en-US" dirty="0"/>
+              <a:t> </a:t>
+            </a:r>
+            <a:r>
+              <a:rPr lang="en-US" dirty="0" err="1"/>
+              <a:t>vô</a:t>
+            </a:r>
+            <a:r>
+              <a:rPr lang="en-US" dirty="0"/>
+              <a:t> </a:t>
+            </a:r>
+            <a:r>
+              <a:rPr lang="en-US" dirty="0" err="1"/>
+              <a:t>nghĩa</a:t>
+            </a:r>
+            <a:endParaRPr lang="en-US" dirty="0"/>
+          </a:p>
+          <a:p>
+            <a:pPr indent="-355600">
+              <a:buSzPts val="2000"/>
+            </a:pPr>
+            <a:r>
+              <a:rPr lang="en-US" dirty="0" err="1"/>
+              <a:t>Phương</a:t>
+            </a:r>
+            <a:r>
+              <a:rPr lang="en-US" dirty="0"/>
+              <a:t> </a:t>
+            </a:r>
+            <a:r>
+              <a:rPr lang="en-US" dirty="0" err="1"/>
+              <a:t>thức</a:t>
+            </a:r>
+            <a:r>
+              <a:rPr lang="en-US" dirty="0"/>
+              <a:t> </a:t>
+            </a:r>
+            <a:r>
+              <a:rPr lang="en-US" dirty="0" err="1"/>
+              <a:t>quá</a:t>
+            </a:r>
+            <a:r>
+              <a:rPr lang="en-US" dirty="0"/>
+              <a:t> </a:t>
+            </a:r>
+            <a:r>
+              <a:rPr lang="en-US" dirty="0" err="1"/>
+              <a:t>dài</a:t>
+            </a:r>
+            <a:endParaRPr lang="en-US" dirty="0"/>
+          </a:p>
+          <a:p>
+            <a:pPr indent="-355600">
+              <a:buSzPts val="2000"/>
+            </a:pPr>
+            <a:r>
+              <a:rPr lang="en-US" dirty="0" err="1"/>
+              <a:t>Lớp</a:t>
+            </a:r>
+            <a:r>
+              <a:rPr lang="en-US" dirty="0"/>
+              <a:t> </a:t>
+            </a:r>
+            <a:r>
+              <a:rPr lang="en-US" dirty="0" err="1"/>
+              <a:t>quá</a:t>
+            </a:r>
+            <a:r>
+              <a:rPr lang="en-US" dirty="0"/>
+              <a:t> </a:t>
+            </a:r>
+            <a:r>
+              <a:rPr lang="en-US" dirty="0" err="1"/>
+              <a:t>dài</a:t>
+            </a:r>
+            <a:endParaRPr lang="en-US" dirty="0"/>
+          </a:p>
+          <a:p>
+            <a:pPr indent="-355600">
+              <a:buSzPts val="2000"/>
+            </a:pPr>
+            <a:r>
+              <a:rPr lang="en-US" dirty="0" err="1"/>
+              <a:t>Phương</a:t>
+            </a:r>
+            <a:r>
+              <a:rPr lang="en-US" dirty="0"/>
+              <a:t> </a:t>
+            </a:r>
+            <a:r>
+              <a:rPr lang="en-US" dirty="0" err="1"/>
+              <a:t>thức</a:t>
+            </a:r>
+            <a:r>
+              <a:rPr lang="en-US" dirty="0"/>
+              <a:t> </a:t>
+            </a:r>
+            <a:r>
+              <a:rPr lang="en-US" dirty="0" err="1"/>
+              <a:t>xử</a:t>
+            </a:r>
+            <a:r>
+              <a:rPr lang="en-US" dirty="0"/>
+              <a:t> </a:t>
+            </a:r>
+            <a:r>
+              <a:rPr lang="en-US" dirty="0" err="1"/>
+              <a:t>lý</a:t>
+            </a:r>
+            <a:r>
+              <a:rPr lang="en-US" dirty="0"/>
+              <a:t> </a:t>
+            </a:r>
+            <a:r>
+              <a:rPr lang="en-US" dirty="0" err="1"/>
+              <a:t>quá</a:t>
+            </a:r>
+            <a:r>
+              <a:rPr lang="en-US" dirty="0"/>
+              <a:t> </a:t>
+            </a:r>
+            <a:r>
+              <a:rPr lang="en-US" dirty="0" err="1"/>
+              <a:t>nhiều</a:t>
+            </a:r>
+            <a:r>
+              <a:rPr lang="en-US" dirty="0"/>
+              <a:t> </a:t>
+            </a:r>
+            <a:r>
+              <a:rPr lang="en-US" dirty="0" err="1"/>
+              <a:t>việc</a:t>
+            </a:r>
+            <a:endParaRPr lang="en-US" dirty="0"/>
+          </a:p>
+          <a:p>
+            <a:pPr indent="-355600">
+              <a:buSzPts val="2000"/>
+            </a:pPr>
+            <a:r>
+              <a:rPr lang="en-US" dirty="0" err="1"/>
+              <a:t>Phương</a:t>
+            </a:r>
+            <a:r>
+              <a:rPr lang="en-US" dirty="0"/>
+              <a:t> </a:t>
+            </a:r>
+            <a:r>
+              <a:rPr lang="en-US" dirty="0" err="1"/>
+              <a:t>thức</a:t>
+            </a:r>
+            <a:r>
+              <a:rPr lang="en-US" dirty="0"/>
+              <a:t> </a:t>
+            </a:r>
+            <a:r>
+              <a:rPr lang="en-US" dirty="0" err="1"/>
+              <a:t>có</a:t>
+            </a:r>
+            <a:r>
+              <a:rPr lang="en-US" dirty="0"/>
+              <a:t> </a:t>
+            </a:r>
+            <a:r>
+              <a:rPr lang="en-US" dirty="0" err="1"/>
+              <a:t>quá</a:t>
+            </a:r>
+            <a:r>
+              <a:rPr lang="en-US" dirty="0"/>
+              <a:t> </a:t>
+            </a:r>
+            <a:r>
+              <a:rPr lang="en-US" dirty="0" err="1"/>
+              <a:t>nhiều</a:t>
+            </a:r>
+            <a:r>
+              <a:rPr lang="en-US" dirty="0"/>
+              <a:t> </a:t>
+            </a:r>
+            <a:r>
+              <a:rPr lang="en-US" dirty="0" err="1"/>
+              <a:t>tham</a:t>
+            </a:r>
+            <a:r>
+              <a:rPr lang="en-US" dirty="0"/>
+              <a:t> </a:t>
+            </a:r>
+            <a:r>
+              <a:rPr lang="en-US" dirty="0" err="1"/>
+              <a:t>số</a:t>
+            </a:r>
+            <a:endParaRPr lang="en-US" dirty="0"/>
+          </a:p>
+          <a:p>
+            <a:pPr indent="-355600">
+              <a:buSzPts val="2000"/>
+            </a:pPr>
+            <a:r>
+              <a:rPr lang="en-US" dirty="0" err="1"/>
+              <a:t>Lạm</a:t>
+            </a:r>
+            <a:r>
+              <a:rPr lang="en-US" dirty="0"/>
+              <a:t> </a:t>
+            </a:r>
+            <a:r>
+              <a:rPr lang="en-US" dirty="0" err="1"/>
+              <a:t>dụng</a:t>
+            </a:r>
+            <a:r>
+              <a:rPr lang="en-US" dirty="0"/>
+              <a:t> </a:t>
+            </a:r>
+            <a:r>
+              <a:rPr lang="en-US" dirty="0" err="1"/>
+              <a:t>quá</a:t>
+            </a:r>
+            <a:r>
+              <a:rPr lang="en-US" dirty="0"/>
+              <a:t> </a:t>
+            </a:r>
+            <a:r>
+              <a:rPr lang="en-US" dirty="0" err="1"/>
+              <a:t>nhiều</a:t>
+            </a:r>
+            <a:r>
+              <a:rPr lang="en-US" dirty="0"/>
+              <a:t> </a:t>
+            </a:r>
+            <a:r>
+              <a:rPr lang="en-US" dirty="0" err="1"/>
+              <a:t>ghi</a:t>
+            </a:r>
+            <a:r>
+              <a:rPr lang="en-US" dirty="0"/>
+              <a:t> </a:t>
+            </a:r>
+            <a:r>
+              <a:rPr lang="en-US" dirty="0" err="1"/>
+              <a:t>chú</a:t>
+            </a:r>
+            <a:r>
+              <a:rPr lang="en-US" dirty="0"/>
+              <a:t> (comment) </a:t>
+            </a:r>
+            <a:r>
+              <a:rPr lang="en-US" dirty="0" err="1"/>
+              <a:t>trong</a:t>
+            </a:r>
+            <a:r>
+              <a:rPr lang="en-US" dirty="0"/>
+              <a:t> code</a:t>
+            </a:r>
+          </a:p>
+          <a:p>
+            <a:pPr indent="-355600">
+              <a:buSzPts val="2000"/>
+            </a:pPr>
+            <a:r>
+              <a:rPr lang="en-US" dirty="0"/>
+              <a:t>Code </a:t>
+            </a:r>
+            <a:r>
+              <a:rPr lang="en-US" dirty="0" err="1"/>
+              <a:t>bị</a:t>
+            </a:r>
+            <a:r>
+              <a:rPr lang="en-US" dirty="0"/>
+              <a:t> </a:t>
+            </a:r>
+            <a:r>
+              <a:rPr lang="en-US" dirty="0" err="1"/>
+              <a:t>trùng</a:t>
+            </a:r>
+            <a:r>
+              <a:rPr lang="en-US" dirty="0"/>
+              <a:t> </a:t>
+            </a:r>
+            <a:r>
+              <a:rPr lang="en-US" dirty="0" err="1"/>
+              <a:t>lặp</a:t>
+            </a:r>
+            <a:endParaRPr lang="en-US" dirty="0"/>
+          </a:p>
+          <a:p>
+            <a:pPr indent="-355600">
+              <a:buSzPts val="2000"/>
+            </a:pPr>
+            <a:r>
+              <a:rPr lang="en-US" dirty="0" err="1"/>
+              <a:t>Sử</a:t>
+            </a:r>
+            <a:r>
+              <a:rPr lang="en-US" dirty="0"/>
+              <a:t> </a:t>
+            </a:r>
+            <a:r>
+              <a:rPr lang="en-US" dirty="0" err="1"/>
+              <a:t>dụng</a:t>
+            </a:r>
+            <a:r>
+              <a:rPr lang="en-US" dirty="0"/>
+              <a:t> </a:t>
+            </a:r>
+            <a:r>
+              <a:rPr lang="en-US" dirty="0" err="1"/>
+              <a:t>các</a:t>
+            </a:r>
+            <a:r>
+              <a:rPr lang="en-US" dirty="0"/>
+              <a:t> </a:t>
+            </a:r>
+            <a:r>
+              <a:rPr lang="en-US" dirty="0" err="1"/>
+              <a:t>giá</a:t>
+            </a:r>
+            <a:r>
+              <a:rPr lang="en-US" dirty="0"/>
+              <a:t> </a:t>
+            </a:r>
+            <a:r>
+              <a:rPr lang="en-US" dirty="0" err="1"/>
+              <a:t>trị</a:t>
+            </a:r>
+            <a:r>
+              <a:rPr lang="en-US" dirty="0"/>
+              <a:t> magic</a:t>
+            </a:r>
+          </a:p>
+        </p:txBody>
+      </p:sp>
+    </p:spTree>
+    <p:extLst>
+      <p:ext uri="{BB962C8B-B14F-4D97-AF65-F5344CB8AC3E}">
+        <p14:creationId xmlns:p14="http://schemas.microsoft.com/office/powerpoint/2010/main" val="1908584176"/>
+      </p:ext>
+    </p:extLst>
+  </p:cSld>
+  <p:clrMapOvr>
+    <a:masterClrMapping/>
+  </p:clrMapOvr>
+</p:sld>
+</file>
+
+<file path=ppt/slides/slide46.xml><?xml version="1.0" encoding="utf-8"?>
 <p:sld xmlns:a="http://schemas.openxmlformats.org/drawingml/2006/main" xmlns:r="http://schemas.openxmlformats.org/officeDocument/2006/relationships" xmlns:p="http://schemas.openxmlformats.org/presentationml/2006/main">
   <p:cSld>
     <p:spTree>
@@ -34339,7 +36910,7 @@
             </a:pPr>
             <a:fld id="{00000000-1234-1234-1234-123412341234}" type="slidenum">
               <a:rPr lang="en" smtClean="0"/>
-              <a:t>44</a:t>
+              <a:t>46</a:t>
             </a:fld>
             <a:endParaRPr lang="en"/>
           </a:p>
